--- a/Etabs/etabs.pptx
+++ b/Etabs/etabs.pptx
@@ -4,6 +4,9 @@
   <p:sldMasterIdLst>
     <p:sldMasterId id="2147483648" r:id="rId1"/>
   </p:sldMasterIdLst>
+  <p:notesMasterIdLst>
+    <p:notesMasterId r:id="rId79"/>
+  </p:notesMasterIdLst>
   <p:sldIdLst>
     <p:sldId id="256" r:id="rId2"/>
     <p:sldId id="259" r:id="rId3"/>
@@ -14,59 +17,74 @@
     <p:sldId id="266" r:id="rId8"/>
     <p:sldId id="269" r:id="rId9"/>
     <p:sldId id="319" r:id="rId10"/>
-    <p:sldId id="257" r:id="rId11"/>
-    <p:sldId id="258" r:id="rId12"/>
-    <p:sldId id="270" r:id="rId13"/>
-    <p:sldId id="271" r:id="rId14"/>
-    <p:sldId id="272" r:id="rId15"/>
-    <p:sldId id="273" r:id="rId16"/>
-    <p:sldId id="267" r:id="rId17"/>
-    <p:sldId id="268" r:id="rId18"/>
-    <p:sldId id="274" r:id="rId19"/>
-    <p:sldId id="275" r:id="rId20"/>
-    <p:sldId id="276" r:id="rId21"/>
-    <p:sldId id="277" r:id="rId22"/>
-    <p:sldId id="278" r:id="rId23"/>
-    <p:sldId id="279" r:id="rId24"/>
-    <p:sldId id="280" r:id="rId25"/>
-    <p:sldId id="281" r:id="rId26"/>
-    <p:sldId id="282" r:id="rId27"/>
-    <p:sldId id="283" r:id="rId28"/>
-    <p:sldId id="284" r:id="rId29"/>
-    <p:sldId id="285" r:id="rId30"/>
-    <p:sldId id="286" r:id="rId31"/>
-    <p:sldId id="287" r:id="rId32"/>
-    <p:sldId id="288" r:id="rId33"/>
-    <p:sldId id="289" r:id="rId34"/>
-    <p:sldId id="290" r:id="rId35"/>
-    <p:sldId id="291" r:id="rId36"/>
-    <p:sldId id="292" r:id="rId37"/>
-    <p:sldId id="293" r:id="rId38"/>
-    <p:sldId id="294" r:id="rId39"/>
-    <p:sldId id="295" r:id="rId40"/>
-    <p:sldId id="296" r:id="rId41"/>
-    <p:sldId id="297" r:id="rId42"/>
-    <p:sldId id="298" r:id="rId43"/>
-    <p:sldId id="299" r:id="rId44"/>
-    <p:sldId id="300" r:id="rId45"/>
-    <p:sldId id="301" r:id="rId46"/>
-    <p:sldId id="302" r:id="rId47"/>
-    <p:sldId id="303" r:id="rId48"/>
-    <p:sldId id="304" r:id="rId49"/>
-    <p:sldId id="305" r:id="rId50"/>
-    <p:sldId id="306" r:id="rId51"/>
-    <p:sldId id="307" r:id="rId52"/>
-    <p:sldId id="308" r:id="rId53"/>
-    <p:sldId id="309" r:id="rId54"/>
-    <p:sldId id="310" r:id="rId55"/>
-    <p:sldId id="311" r:id="rId56"/>
-    <p:sldId id="312" r:id="rId57"/>
-    <p:sldId id="313" r:id="rId58"/>
-    <p:sldId id="314" r:id="rId59"/>
-    <p:sldId id="315" r:id="rId60"/>
-    <p:sldId id="316" r:id="rId61"/>
-    <p:sldId id="317" r:id="rId62"/>
-    <p:sldId id="318" r:id="rId63"/>
+    <p:sldId id="320" r:id="rId11"/>
+    <p:sldId id="321" r:id="rId12"/>
+    <p:sldId id="322" r:id="rId13"/>
+    <p:sldId id="323" r:id="rId14"/>
+    <p:sldId id="331" r:id="rId15"/>
+    <p:sldId id="332" r:id="rId16"/>
+    <p:sldId id="257" r:id="rId17"/>
+    <p:sldId id="258" r:id="rId18"/>
+    <p:sldId id="324" r:id="rId19"/>
+    <p:sldId id="325" r:id="rId20"/>
+    <p:sldId id="326" r:id="rId21"/>
+    <p:sldId id="327" r:id="rId22"/>
+    <p:sldId id="270" r:id="rId23"/>
+    <p:sldId id="328" r:id="rId24"/>
+    <p:sldId id="329" r:id="rId25"/>
+    <p:sldId id="330" r:id="rId26"/>
+    <p:sldId id="271" r:id="rId27"/>
+    <p:sldId id="272" r:id="rId28"/>
+    <p:sldId id="273" r:id="rId29"/>
+    <p:sldId id="267" r:id="rId30"/>
+    <p:sldId id="268" r:id="rId31"/>
+    <p:sldId id="274" r:id="rId32"/>
+    <p:sldId id="333" r:id="rId33"/>
+    <p:sldId id="334" r:id="rId34"/>
+    <p:sldId id="275" r:id="rId35"/>
+    <p:sldId id="276" r:id="rId36"/>
+    <p:sldId id="277" r:id="rId37"/>
+    <p:sldId id="278" r:id="rId38"/>
+    <p:sldId id="279" r:id="rId39"/>
+    <p:sldId id="280" r:id="rId40"/>
+    <p:sldId id="281" r:id="rId41"/>
+    <p:sldId id="282" r:id="rId42"/>
+    <p:sldId id="283" r:id="rId43"/>
+    <p:sldId id="284" r:id="rId44"/>
+    <p:sldId id="285" r:id="rId45"/>
+    <p:sldId id="286" r:id="rId46"/>
+    <p:sldId id="287" r:id="rId47"/>
+    <p:sldId id="288" r:id="rId48"/>
+    <p:sldId id="289" r:id="rId49"/>
+    <p:sldId id="290" r:id="rId50"/>
+    <p:sldId id="291" r:id="rId51"/>
+    <p:sldId id="292" r:id="rId52"/>
+    <p:sldId id="293" r:id="rId53"/>
+    <p:sldId id="294" r:id="rId54"/>
+    <p:sldId id="295" r:id="rId55"/>
+    <p:sldId id="296" r:id="rId56"/>
+    <p:sldId id="297" r:id="rId57"/>
+    <p:sldId id="298" r:id="rId58"/>
+    <p:sldId id="299" r:id="rId59"/>
+    <p:sldId id="300" r:id="rId60"/>
+    <p:sldId id="301" r:id="rId61"/>
+    <p:sldId id="302" r:id="rId62"/>
+    <p:sldId id="303" r:id="rId63"/>
+    <p:sldId id="304" r:id="rId64"/>
+    <p:sldId id="305" r:id="rId65"/>
+    <p:sldId id="306" r:id="rId66"/>
+    <p:sldId id="307" r:id="rId67"/>
+    <p:sldId id="308" r:id="rId68"/>
+    <p:sldId id="309" r:id="rId69"/>
+    <p:sldId id="310" r:id="rId70"/>
+    <p:sldId id="311" r:id="rId71"/>
+    <p:sldId id="312" r:id="rId72"/>
+    <p:sldId id="313" r:id="rId73"/>
+    <p:sldId id="314" r:id="rId74"/>
+    <p:sldId id="315" r:id="rId75"/>
+    <p:sldId id="316" r:id="rId76"/>
+    <p:sldId id="317" r:id="rId77"/>
+    <p:sldId id="318" r:id="rId78"/>
   </p:sldIdLst>
   <p:sldSz cx="12192000" cy="6858000"/>
   <p:notesSz cx="6858000" cy="9144000"/>
@@ -165,6 +183,11 @@
       </a:defRPr>
     </a:lvl9pPr>
   </p:defaultTextStyle>
+  <p:extLst>
+    <p:ext uri="{EFAFB233-063F-42B5-8137-9DF3F51BA10A}">
+      <p15:sldGuideLst xmlns:p15="http://schemas.microsoft.com/office/powerpoint/2012/main"/>
+    </p:ext>
+  </p:extLst>
 </p:presentation>
 </file>
 
@@ -211,7 +234,7 @@
           <inkml:channelProperty channel="Y" name="resolution" value="1000" units="1/cm"/>
         </inkml:channelProperties>
       </inkml:inkSource>
-      <inkml:timestamp xml:id="ts0" timeString="2024-05-05T17:13:04.684"/>
+      <inkml:timestamp xml:id="ts0" timeString="2024-05-06T23:42:25.822"/>
     </inkml:context>
     <inkml:brush xml:id="br0">
       <inkml:brushProperty name="width" value="0.3" units="cm"/>
@@ -222,7 +245,7 @@
       <inkml:brushProperty name="ignorePressure" value="1"/>
     </inkml:brush>
   </inkml:definitions>
-  <inkml:trace contextRef="#ctx0" brushRef="#br0">0 0,'6312'0,"-6327"0,-3 0</inkml:trace>
+  <inkml:trace contextRef="#ctx0" brushRef="#br0">1 85,'960'0,"-948"-1,0 0,0-1,0 0,-1-1,1-1,-1 1,17-9,15-5,-26 13,1 0,-1 1,23-2,24-3,21-5,-60 11</inkml:trace>
 </inkml:ink>
 </file>
 
@@ -240,7 +263,7 @@
           <inkml:channelProperty channel="Y" name="resolution" value="1000" units="1/cm"/>
         </inkml:channelProperties>
       </inkml:inkSource>
-      <inkml:timestamp xml:id="ts0" timeString="2024-05-05T17:12:47.055"/>
+      <inkml:timestamp xml:id="ts0" timeString="2024-05-06T23:42:48.577"/>
     </inkml:context>
     <inkml:brush xml:id="br0">
       <inkml:brushProperty name="width" value="0.3" units="cm"/>
@@ -251,7 +274,7 @@
       <inkml:brushProperty name="ignorePressure" value="1"/>
     </inkml:brush>
   </inkml:definitions>
-  <inkml:trace contextRef="#ctx0" brushRef="#br0">1 1,'13377'0,"-13352"0</inkml:trace>
+  <inkml:trace contextRef="#ctx0" brushRef="#br0">0 30,'274'-15,"4"1,498 15,-751-1</inkml:trace>
 </inkml:ink>
 </file>
 
@@ -269,7 +292,7 @@
           <inkml:channelProperty channel="Y" name="resolution" value="1000" units="1/cm"/>
         </inkml:channelProperties>
       </inkml:inkSource>
-      <inkml:timestamp xml:id="ts0" timeString="2024-05-05T17:27:21.046"/>
+      <inkml:timestamp xml:id="ts0" timeString="2024-05-06T23:42:54.536"/>
     </inkml:context>
     <inkml:brush xml:id="br0">
       <inkml:brushProperty name="width" value="0.3" units="cm"/>
@@ -280,7 +303,7 @@
       <inkml:brushProperty name="ignorePressure" value="1"/>
     </inkml:brush>
   </inkml:definitions>
-  <inkml:trace contextRef="#ctx0" brushRef="#br0">1 29,'6315'0,"-5966"-14,-29-1,564 16,-838-1</inkml:trace>
+  <inkml:trace contextRef="#ctx0" brushRef="#br0">0 314,'2170'0,"-1825"14,7 1,2800-16,-2970-8,252-43,-399 46,186-28,526-58,-346 82,55-3,76-25,310-30,-660 53,255 10,-221 8,-194-3,14-1,1 2,0 1,-1 2,54 12,17 11,-42-12,69 27,-96-29,0-1,1-2,66 9,-32-13,81-2,547-5,-386 1,-306 0,-1 1,1-1,-1 1,9 2,1 3</inkml:trace>
 </inkml:ink>
 </file>
 
@@ -298,7 +321,7 @@
           <inkml:channelProperty channel="Y" name="resolution" value="1000" units="1/cm"/>
         </inkml:channelProperties>
       </inkml:inkSource>
-      <inkml:timestamp xml:id="ts0" timeString="2024-05-05T17:27:32.790"/>
+      <inkml:timestamp xml:id="ts0" timeString="2024-05-06T23:42:57.345"/>
     </inkml:context>
     <inkml:brush xml:id="br0">
       <inkml:brushProperty name="width" value="0.3" units="cm"/>
@@ -309,7 +332,7 @@
       <inkml:brushProperty name="ignorePressure" value="1"/>
     </inkml:brush>
   </inkml:definitions>
-  <inkml:trace contextRef="#ctx0" brushRef="#br0">1 0,'296'25,"-76"-3,719-10,-636-13,4108-1,-2609 2,-1779 0</inkml:trace>
+  <inkml:trace contextRef="#ctx0" brushRef="#br0">0 313,'2812'0,"-2334"-15,-13 0,-187 17,414-14,430-7,-737 21,-63-4,364 5,-388 13,-163-7,17 1,347 13,1014-25,-1361-5,199-36,-233 26,51-9,-36 5,212-9,443 33,-717-7,0-3,130-31,-35 5,-128 25,-1-2,37-14,-48 14,0 1,1 1,1 1,-1 2,47-4,122 12,-172-3</inkml:trace>
 </inkml:ink>
 </file>
 
@@ -327,7 +350,7 @@
           <inkml:channelProperty channel="Y" name="resolution" value="1000" units="1/cm"/>
         </inkml:channelProperties>
       </inkml:inkSource>
-      <inkml:timestamp xml:id="ts0" timeString="2024-05-05T17:27:37.846"/>
+      <inkml:timestamp xml:id="ts0" timeString="2024-05-06T23:46:33.669"/>
     </inkml:context>
     <inkml:brush xml:id="br0">
       <inkml:brushProperty name="width" value="0.3" units="cm"/>
@@ -338,7 +361,7 @@
       <inkml:brushProperty name="ignorePressure" value="1"/>
     </inkml:brush>
   </inkml:definitions>
-  <inkml:trace contextRef="#ctx0" brushRef="#br0">1 1,'7180'0,"-7156"0</inkml:trace>
+  <inkml:trace contextRef="#ctx0" brushRef="#br0">0 172,'2684'0,"-2448"-18,-116 6,-3 1,123-7,17 20,131-3,-242-13,37 0,467 13,-307 2,-317-2,0-2,28-6,32-3,366 7,-249 7,318-2,-494-1,-1-2,1-1,-1-1,29-10,-25 6,1 2,43-5,196 10,-132 4,417-2,-532 0</inkml:trace>
 </inkml:ink>
 </file>
 
@@ -356,7 +379,7 @@
           <inkml:channelProperty channel="Y" name="resolution" value="1000" units="1/cm"/>
         </inkml:channelProperties>
       </inkml:inkSource>
-      <inkml:timestamp xml:id="ts0" timeString="2024-05-05T17:27:45.986"/>
+      <inkml:timestamp xml:id="ts0" timeString="2024-05-07T02:05:48.290"/>
     </inkml:context>
     <inkml:brush xml:id="br0">
       <inkml:brushProperty name="width" value="0.3" units="cm"/>
@@ -367,7 +390,123 @@
       <inkml:brushProperty name="ignorePressure" value="1"/>
     </inkml:brush>
   </inkml:definitions>
-  <inkml:trace contextRef="#ctx0" brushRef="#br0">1 0,'6701'0,"-6678"0</inkml:trace>
+  <inkml:trace contextRef="#ctx0" brushRef="#br0">1 2,'363'-1,"451"4,-3 43,-697-35,921 69,399-74,-732-10,6079 4,-6755 0</inkml:trace>
+</inkml:ink>
+</file>
+
+<file path=ppt/ink/ink16.xml><?xml version="1.0" encoding="utf-8"?>
+<inkml:ink xmlns:inkml="http://www.w3.org/2003/InkML">
+  <inkml:definitions>
+    <inkml:context xml:id="ctx0">
+      <inkml:inkSource xml:id="inkSrc0">
+        <inkml:traceFormat>
+          <inkml:channel name="X" type="integer" min="-2.14748E9" max="2.14748E9" units="cm"/>
+          <inkml:channel name="Y" type="integer" min="-2.14748E9" max="2.14748E9" units="cm"/>
+        </inkml:traceFormat>
+        <inkml:channelProperties>
+          <inkml:channelProperty channel="X" name="resolution" value="1000" units="1/cm"/>
+          <inkml:channelProperty channel="Y" name="resolution" value="1000" units="1/cm"/>
+        </inkml:channelProperties>
+      </inkml:inkSource>
+      <inkml:timestamp xml:id="ts0" timeString="2024-05-07T02:05:52.036"/>
+    </inkml:context>
+    <inkml:brush xml:id="br0">
+      <inkml:brushProperty name="width" value="0.3" units="cm"/>
+      <inkml:brushProperty name="height" value="0.6" units="cm"/>
+      <inkml:brushProperty name="color" value="#FFFC00"/>
+      <inkml:brushProperty name="tip" value="rectangle"/>
+      <inkml:brushProperty name="rasterOp" value="maskPen"/>
+      <inkml:brushProperty name="ignorePressure" value="1"/>
+    </inkml:brush>
+  </inkml:definitions>
+  <inkml:trace contextRef="#ctx0" brushRef="#br0">1 0,'0'1,"0"0,1 0,-1 0,0-1,0 1,1 0,-1 0,1 0,-1-1,1 1,-1 0,1 0,-1-1,1 1,0-1,-1 1,1 0,0-1,0 1,-1-1,1 1,0-1,1 1,23 7,-19-6,32 8,0-2,0-2,58 3,122-9,-111-2,4077-1,-2155 5,2409-2,-4395 3,0 1,77 18,16 3,32-7,178-5,-315-13,-2 0</inkml:trace>
+</inkml:ink>
+</file>
+
+<file path=ppt/ink/ink17.xml><?xml version="1.0" encoding="utf-8"?>
+<inkml:ink xmlns:inkml="http://www.w3.org/2003/InkML">
+  <inkml:definitions>
+    <inkml:context xml:id="ctx0">
+      <inkml:inkSource xml:id="inkSrc0">
+        <inkml:traceFormat>
+          <inkml:channel name="X" type="integer" min="-2.14748E9" max="2.14748E9" units="cm"/>
+          <inkml:channel name="Y" type="integer" min="-2.14748E9" max="2.14748E9" units="cm"/>
+        </inkml:traceFormat>
+        <inkml:channelProperties>
+          <inkml:channelProperty channel="X" name="resolution" value="1000" units="1/cm"/>
+          <inkml:channelProperty channel="Y" name="resolution" value="1000" units="1/cm"/>
+        </inkml:channelProperties>
+      </inkml:inkSource>
+      <inkml:timestamp xml:id="ts0" timeString="2024-05-07T02:18:54.774"/>
+    </inkml:context>
+    <inkml:brush xml:id="br0">
+      <inkml:brushProperty name="width" value="0.3" units="cm"/>
+      <inkml:brushProperty name="height" value="0.6" units="cm"/>
+      <inkml:brushProperty name="color" value="#FFFC00"/>
+      <inkml:brushProperty name="tip" value="rectangle"/>
+      <inkml:brushProperty name="rasterOp" value="maskPen"/>
+      <inkml:brushProperty name="ignorePressure" value="1"/>
+    </inkml:brush>
+  </inkml:definitions>
+  <inkml:trace contextRef="#ctx0" brushRef="#br0">0 31,'1'-1,"-1"0,0 0,1 0,-1 0,0 0,1 0,-1 0,1 0,0 0,-1 1,1-1,0 0,-1 0,1 1,0-1,0 0,0 1,-1-1,1 0,0 1,0 0,0-1,0 1,0-1,0 1,0 0,2 0,33-6,-32 6,307-5,-189 6,7255 1,-3878-3,-3481 1</inkml:trace>
+</inkml:ink>
+</file>
+
+<file path=ppt/ink/ink18.xml><?xml version="1.0" encoding="utf-8"?>
+<inkml:ink xmlns:inkml="http://www.w3.org/2003/InkML">
+  <inkml:definitions>
+    <inkml:context xml:id="ctx0">
+      <inkml:inkSource xml:id="inkSrc0">
+        <inkml:traceFormat>
+          <inkml:channel name="X" type="integer" min="-2.14748E9" max="2.14748E9" units="cm"/>
+          <inkml:channel name="Y" type="integer" min="-2.14748E9" max="2.14748E9" units="cm"/>
+        </inkml:traceFormat>
+        <inkml:channelProperties>
+          <inkml:channelProperty channel="X" name="resolution" value="1000" units="1/cm"/>
+          <inkml:channelProperty channel="Y" name="resolution" value="1000" units="1/cm"/>
+        </inkml:channelProperties>
+      </inkml:inkSource>
+      <inkml:timestamp xml:id="ts0" timeString="2024-05-07T02:19:41.650"/>
+    </inkml:context>
+    <inkml:brush xml:id="br0">
+      <inkml:brushProperty name="width" value="0.3" units="cm"/>
+      <inkml:brushProperty name="height" value="0.6" units="cm"/>
+      <inkml:brushProperty name="color" value="#FFFC00"/>
+      <inkml:brushProperty name="tip" value="rectangle"/>
+      <inkml:brushProperty name="rasterOp" value="maskPen"/>
+      <inkml:brushProperty name="ignorePressure" value="1"/>
+    </inkml:brush>
+  </inkml:definitions>
+  <inkml:trace contextRef="#ctx0" brushRef="#br0">0 231,'116'-2,"-1"-4,-1-6,208-47,24-19,-245 59,171-24,521 32,-503 14,2393-2,-1401-2,-1029 6,418 64,-234-30,0-35,101 3,-345 9,283 58,-352-48,1-5,217 6,317-15,100 0,3905-13,-4611-2,0-2,71-16,-72 10,0 3,74-2,-111 10,-7 1,-1-1,0 0,0 0,1-1,-1 0,0 0,0-1,0 0,0 0,11-5,-1-5</inkml:trace>
+</inkml:ink>
+</file>
+
+<file path=ppt/ink/ink19.xml><?xml version="1.0" encoding="utf-8"?>
+<inkml:ink xmlns:inkml="http://www.w3.org/2003/InkML">
+  <inkml:definitions>
+    <inkml:context xml:id="ctx0">
+      <inkml:inkSource xml:id="inkSrc0">
+        <inkml:traceFormat>
+          <inkml:channel name="X" type="integer" min="-2.14748E9" max="2.14748E9" units="cm"/>
+          <inkml:channel name="Y" type="integer" min="-2.14748E9" max="2.14748E9" units="cm"/>
+        </inkml:traceFormat>
+        <inkml:channelProperties>
+          <inkml:channelProperty channel="X" name="resolution" value="1000" units="1/cm"/>
+          <inkml:channelProperty channel="Y" name="resolution" value="1000" units="1/cm"/>
+        </inkml:channelProperties>
+      </inkml:inkSource>
+      <inkml:timestamp xml:id="ts0" timeString="2024-05-07T15:58:05.795"/>
+    </inkml:context>
+    <inkml:brush xml:id="br0">
+      <inkml:brushProperty name="width" value="0.3" units="cm"/>
+      <inkml:brushProperty name="height" value="0.6" units="cm"/>
+      <inkml:brushProperty name="color" value="#FFFC00"/>
+      <inkml:brushProperty name="tip" value="rectangle"/>
+      <inkml:brushProperty name="rasterOp" value="maskPen"/>
+      <inkml:brushProperty name="ignorePressure" value="1"/>
+    </inkml:brush>
+  </inkml:definitions>
+  <inkml:trace contextRef="#ctx0" brushRef="#br0">9018 1,'-4783'0,"4706"4,0 3,-121 28,65-10,37-14,0-5,-141-7,83-2,123 3,-47 1,-1-4,-106-17,85 4,-157-4,-104 20,153 2,103-4,38 0,-124 11,95 12,63-12,-40 5,-56-5,-156-8,116-4,-482 3,643 0,0 0,-1 1,1 0,-10 2,0 4</inkml:trace>
 </inkml:ink>
 </file>
 
@@ -400,6 +539,296 @@
 </inkml:ink>
 </file>
 
+<file path=ppt/ink/ink20.xml><?xml version="1.0" encoding="utf-8"?>
+<inkml:ink xmlns:inkml="http://www.w3.org/2003/InkML">
+  <inkml:definitions>
+    <inkml:context xml:id="ctx0">
+      <inkml:inkSource xml:id="inkSrc0">
+        <inkml:traceFormat>
+          <inkml:channel name="X" type="integer" min="-2.14748E9" max="2.14748E9" units="cm"/>
+          <inkml:channel name="Y" type="integer" min="-2.14748E9" max="2.14748E9" units="cm"/>
+        </inkml:traceFormat>
+        <inkml:channelProperties>
+          <inkml:channelProperty channel="X" name="resolution" value="1000" units="1/cm"/>
+          <inkml:channelProperty channel="Y" name="resolution" value="1000" units="1/cm"/>
+        </inkml:channelProperties>
+      </inkml:inkSource>
+      <inkml:timestamp xml:id="ts0" timeString="2024-05-07T15:58:00.005"/>
+    </inkml:context>
+    <inkml:brush xml:id="br0">
+      <inkml:brushProperty name="width" value="0.3" units="cm"/>
+      <inkml:brushProperty name="height" value="0.6" units="cm"/>
+      <inkml:brushProperty name="color" value="#FFFC00"/>
+      <inkml:brushProperty name="tip" value="rectangle"/>
+      <inkml:brushProperty name="rasterOp" value="maskPen"/>
+      <inkml:brushProperty name="ignorePressure" value="1"/>
+    </inkml:brush>
+  </inkml:definitions>
+  <inkml:trace contextRef="#ctx0" brushRef="#br0">19021 35,'-3394'0,"3230"14,27 0,-18 0,-5 0,-157-14,-51 1,225 13,-26 0,-23-16,-91 4,203 7,-93 21,94-14,-110 9,-173 3,-172 6,-16-34,220-1,-231-47,551 46,-97-16,-113-35,118 27,34 12,-74-5,67 10,-86 1,110 8,-85-12,78 3,-82-18,102 21,0 1,0 2,-1 2,-51 4,2-1,-1950-2,1995 2,0 3,-77 17,73-12,-92 9,43-18,37-1,-72 9,-86 8,136-13,-118 20,76-2,0-5,-219 2,194-21,-201 3,200 13,-48 2,-1824-16,914-1,909 15,3 1,9-1,1 0,-193-15,369 0,1 1,-1-1,1-1,-1 1,1-1,0-1,0 0,0 0,0 0,1-1,-11-6,-20-7,19 12</inkml:trace>
+</inkml:ink>
+</file>
+
+<file path=ppt/ink/ink21.xml><?xml version="1.0" encoding="utf-8"?>
+<inkml:ink xmlns:inkml="http://www.w3.org/2003/InkML">
+  <inkml:definitions>
+    <inkml:context xml:id="ctx0">
+      <inkml:inkSource xml:id="inkSrc0">
+        <inkml:traceFormat>
+          <inkml:channel name="X" type="integer" min="-2.14748E9" max="2.14748E9" units="cm"/>
+          <inkml:channel name="Y" type="integer" min="-2.14748E9" max="2.14748E9" units="cm"/>
+        </inkml:traceFormat>
+        <inkml:channelProperties>
+          <inkml:channelProperty channel="X" name="resolution" value="1000" units="1/cm"/>
+          <inkml:channelProperty channel="Y" name="resolution" value="1000" units="1/cm"/>
+        </inkml:channelProperties>
+      </inkml:inkSource>
+      <inkml:timestamp xml:id="ts0" timeString="2024-05-05T17:13:04.684"/>
+    </inkml:context>
+    <inkml:brush xml:id="br0">
+      <inkml:brushProperty name="width" value="0.3" units="cm"/>
+      <inkml:brushProperty name="height" value="0.6" units="cm"/>
+      <inkml:brushProperty name="color" value="#FFFC00"/>
+      <inkml:brushProperty name="tip" value="rectangle"/>
+      <inkml:brushProperty name="rasterOp" value="maskPen"/>
+      <inkml:brushProperty name="ignorePressure" value="1"/>
+    </inkml:brush>
+  </inkml:definitions>
+  <inkml:trace contextRef="#ctx0" brushRef="#br0">0 0,'6312'0,"-6327"0,-3 0</inkml:trace>
+</inkml:ink>
+</file>
+
+<file path=ppt/ink/ink22.xml><?xml version="1.0" encoding="utf-8"?>
+<inkml:ink xmlns:inkml="http://www.w3.org/2003/InkML">
+  <inkml:definitions>
+    <inkml:context xml:id="ctx0">
+      <inkml:inkSource xml:id="inkSrc0">
+        <inkml:traceFormat>
+          <inkml:channel name="X" type="integer" min="-2.14748E9" max="2.14748E9" units="cm"/>
+          <inkml:channel name="Y" type="integer" min="-2.14748E9" max="2.14748E9" units="cm"/>
+        </inkml:traceFormat>
+        <inkml:channelProperties>
+          <inkml:channelProperty channel="X" name="resolution" value="1000" units="1/cm"/>
+          <inkml:channelProperty channel="Y" name="resolution" value="1000" units="1/cm"/>
+        </inkml:channelProperties>
+      </inkml:inkSource>
+      <inkml:timestamp xml:id="ts0" timeString="2024-05-07T02:20:01.536"/>
+    </inkml:context>
+    <inkml:brush xml:id="br0">
+      <inkml:brushProperty name="width" value="0.3" units="cm"/>
+      <inkml:brushProperty name="height" value="0.6" units="cm"/>
+      <inkml:brushProperty name="color" value="#FFFC00"/>
+      <inkml:brushProperty name="tip" value="rectangle"/>
+      <inkml:brushProperty name="rasterOp" value="maskPen"/>
+      <inkml:brushProperty name="ignorePressure" value="1"/>
+    </inkml:brush>
+  </inkml:definitions>
+  <inkml:trace contextRef="#ctx0" brushRef="#br0">7702 1,'-70'11,"-369"5,325-16,-1770 2,969-3,149 29,136-2,-619-23,674-4,196 30,249-13,-150-3,36-14,218 1</inkml:trace>
+</inkml:ink>
+</file>
+
+<file path=ppt/ink/ink23.xml><?xml version="1.0" encoding="utf-8"?>
+<inkml:ink xmlns:inkml="http://www.w3.org/2003/InkML">
+  <inkml:definitions>
+    <inkml:context xml:id="ctx0">
+      <inkml:inkSource xml:id="inkSrc0">
+        <inkml:traceFormat>
+          <inkml:channel name="X" type="integer" min="-2.14748E9" max="2.14748E9" units="cm"/>
+          <inkml:channel name="Y" type="integer" min="-2.14748E9" max="2.14748E9" units="cm"/>
+        </inkml:traceFormat>
+        <inkml:channelProperties>
+          <inkml:channelProperty channel="X" name="resolution" value="1000" units="1/cm"/>
+          <inkml:channelProperty channel="Y" name="resolution" value="1000" units="1/cm"/>
+        </inkml:channelProperties>
+      </inkml:inkSource>
+      <inkml:timestamp xml:id="ts0" timeString="2024-05-05T17:12:47.055"/>
+    </inkml:context>
+    <inkml:brush xml:id="br0">
+      <inkml:brushProperty name="width" value="0.3" units="cm"/>
+      <inkml:brushProperty name="height" value="0.6" units="cm"/>
+      <inkml:brushProperty name="color" value="#FFFC00"/>
+      <inkml:brushProperty name="tip" value="rectangle"/>
+      <inkml:brushProperty name="rasterOp" value="maskPen"/>
+      <inkml:brushProperty name="ignorePressure" value="1"/>
+    </inkml:brush>
+  </inkml:definitions>
+  <inkml:trace contextRef="#ctx0" brushRef="#br0">1 1,'13377'0,"-13352"0</inkml:trace>
+</inkml:ink>
+</file>
+
+<file path=ppt/ink/ink24.xml><?xml version="1.0" encoding="utf-8"?>
+<inkml:ink xmlns:inkml="http://www.w3.org/2003/InkML">
+  <inkml:definitions>
+    <inkml:context xml:id="ctx0">
+      <inkml:inkSource xml:id="inkSrc0">
+        <inkml:traceFormat>
+          <inkml:channel name="X" type="integer" min="-2.14748E9" max="2.14748E9" units="cm"/>
+          <inkml:channel name="Y" type="integer" min="-2.14748E9" max="2.14748E9" units="cm"/>
+        </inkml:traceFormat>
+        <inkml:channelProperties>
+          <inkml:channelProperty channel="X" name="resolution" value="1000" units="1/cm"/>
+          <inkml:channelProperty channel="Y" name="resolution" value="1000" units="1/cm"/>
+        </inkml:channelProperties>
+      </inkml:inkSource>
+      <inkml:timestamp xml:id="ts0" timeString="2024-05-07T03:01:34.440"/>
+    </inkml:context>
+    <inkml:brush xml:id="br0">
+      <inkml:brushProperty name="width" value="0.3" units="cm"/>
+      <inkml:brushProperty name="height" value="0.6" units="cm"/>
+      <inkml:brushProperty name="color" value="#FFFC00"/>
+      <inkml:brushProperty name="tip" value="rectangle"/>
+      <inkml:brushProperty name="rasterOp" value="maskPen"/>
+      <inkml:brushProperty name="ignorePressure" value="1"/>
+    </inkml:brush>
+  </inkml:definitions>
+  <inkml:trace contextRef="#ctx0" brushRef="#br0">0 0,'8102'0,"-7868"15,-12-1,232 3,190-6,-445-12,15 16,-33-1,-81-12,141 8,289 6,-232-15,68 40,2 1,438-39,-408-5,133 2,-506 0</inkml:trace>
+</inkml:ink>
+</file>
+
+<file path=ppt/ink/ink25.xml><?xml version="1.0" encoding="utf-8"?>
+<inkml:ink xmlns:inkml="http://www.w3.org/2003/InkML">
+  <inkml:definitions>
+    <inkml:context xml:id="ctx0">
+      <inkml:inkSource xml:id="inkSrc0">
+        <inkml:traceFormat>
+          <inkml:channel name="X" type="integer" min="-2.14748E9" max="2.14748E9" units="cm"/>
+          <inkml:channel name="Y" type="integer" min="-2.14748E9" max="2.14748E9" units="cm"/>
+        </inkml:traceFormat>
+        <inkml:channelProperties>
+          <inkml:channelProperty channel="X" name="resolution" value="1000" units="1/cm"/>
+          <inkml:channelProperty channel="Y" name="resolution" value="1000" units="1/cm"/>
+        </inkml:channelProperties>
+      </inkml:inkSource>
+      <inkml:timestamp xml:id="ts0" timeString="2024-05-07T03:02:21.808"/>
+    </inkml:context>
+    <inkml:brush xml:id="br0">
+      <inkml:brushProperty name="width" value="0.3" units="cm"/>
+      <inkml:brushProperty name="height" value="0.6" units="cm"/>
+      <inkml:brushProperty name="color" value="#FFFC00"/>
+      <inkml:brushProperty name="tip" value="rectangle"/>
+      <inkml:brushProperty name="rasterOp" value="maskPen"/>
+      <inkml:brushProperty name="ignorePressure" value="1"/>
+    </inkml:brush>
+  </inkml:definitions>
+  <inkml:trace contextRef="#ctx0" brushRef="#br0">13312 191,'-7478'0,"7135"-14,3-1,-2446 16,2555-15,35 0,-30 12,64 2,-164-21,88-16,99 14,-224-10,226 36,-82-4,121-15,68 11</inkml:trace>
+</inkml:ink>
+</file>
+
+<file path=ppt/ink/ink26.xml><?xml version="1.0" encoding="utf-8"?>
+<inkml:ink xmlns:inkml="http://www.w3.org/2003/InkML">
+  <inkml:definitions>
+    <inkml:context xml:id="ctx0">
+      <inkml:inkSource xml:id="inkSrc0">
+        <inkml:traceFormat>
+          <inkml:channel name="X" type="integer" min="-2.14748E9" max="2.14748E9" units="cm"/>
+          <inkml:channel name="Y" type="integer" min="-2.14748E9" max="2.14748E9" units="cm"/>
+        </inkml:traceFormat>
+        <inkml:channelProperties>
+          <inkml:channelProperty channel="X" name="resolution" value="1000" units="1/cm"/>
+          <inkml:channelProperty channel="Y" name="resolution" value="1000" units="1/cm"/>
+        </inkml:channelProperties>
+      </inkml:inkSource>
+      <inkml:timestamp xml:id="ts0" timeString="2024-05-07T14:53:57.688"/>
+    </inkml:context>
+    <inkml:brush xml:id="br0">
+      <inkml:brushProperty name="width" value="0.3" units="cm"/>
+      <inkml:brushProperty name="height" value="0.6" units="cm"/>
+      <inkml:brushProperty name="color" value="#FFFC00"/>
+      <inkml:brushProperty name="tip" value="rectangle"/>
+      <inkml:brushProperty name="rasterOp" value="maskPen"/>
+      <inkml:brushProperty name="ignorePressure" value="1"/>
+    </inkml:brush>
+  </inkml:definitions>
+  <inkml:trace contextRef="#ctx0" brushRef="#br0">1 2,'73'0,"143"3,117 15,2123 212,-1497-76,-863-142,1-4,166-8,-116-3,88 5,201-4,-245-11,31-1,-45 3,201-39,-105 17,-44 6,-164 18,61-10,190-4,-251 20,-1-4,108-23,60-8,219 32,-255 8,3587-2,-3764-2,-1 0,1-1,-1-1,0-1,0-1,0 0,26-14,36-13,-77 32,36-12,-1 0,1 3,1 1,0 2,43-2,-59 9</inkml:trace>
+</inkml:ink>
+</file>
+
+<file path=ppt/ink/ink27.xml><?xml version="1.0" encoding="utf-8"?>
+<inkml:ink xmlns:inkml="http://www.w3.org/2003/InkML">
+  <inkml:definitions>
+    <inkml:context xml:id="ctx0">
+      <inkml:inkSource xml:id="inkSrc0">
+        <inkml:traceFormat>
+          <inkml:channel name="X" type="integer" min="-2.14748E9" max="2.14748E9" units="cm"/>
+          <inkml:channel name="Y" type="integer" min="-2.14748E9" max="2.14748E9" units="cm"/>
+        </inkml:traceFormat>
+        <inkml:channelProperties>
+          <inkml:channelProperty channel="X" name="resolution" value="1000" units="1/cm"/>
+          <inkml:channelProperty channel="Y" name="resolution" value="1000" units="1/cm"/>
+        </inkml:channelProperties>
+      </inkml:inkSource>
+      <inkml:timestamp xml:id="ts0" timeString="2024-05-07T14:53:52.619"/>
+    </inkml:context>
+    <inkml:brush xml:id="br0">
+      <inkml:brushProperty name="width" value="0.3" units="cm"/>
+      <inkml:brushProperty name="height" value="0.6" units="cm"/>
+      <inkml:brushProperty name="color" value="#FFFC00"/>
+      <inkml:brushProperty name="tip" value="rectangle"/>
+      <inkml:brushProperty name="rasterOp" value="maskPen"/>
+      <inkml:brushProperty name="ignorePressure" value="1"/>
+    </inkml:brush>
+  </inkml:definitions>
+  <inkml:trace contextRef="#ctx0" brushRef="#br0">1 227,'34'2,"0"1,45 9,-18-1,446 54,10-42,108-26,-386 4,-71 12,-22 1,534-11,-350-5,1163 2,-1485-1,1 1,-1-1,1 0,-1-1,0 0,0 0,0-1,0 0,0-1,0 1,10-8,-6 5,1 0,0 2,0-1,0 2,22-4,14-4,318-82,480-58,-649 135,260 10,-285 8,7 12,7 1,-72-16,301 12,-69 25,-230-26,94 14,-108-9,147 5,108-20,-153-3,1295 3,-1466-1,0-1,-1-2,45-11,94-35,-116 32,-8 6,0 3,1 1,49 0,-43 3,55-6,319-16,816 28,-1212 1,1 1,-1 2,-1 1,50 16,-69-18,24 5,50 4,-16-3,-6-2,-1-3,105-6,-62-1,393 2,-476 2,-1 0,0 2,0 0,35 13,-31-9,1-1,47 6,128 5,-132-12,74-3,-9 0,10 14,-84-7,9 1,-33-4,77 4,1014-13,-1111 4,0 0,0 1,0 0,0 2,25 9,-24-7,0-1,0-1,1 0,24 1,96-6,-116 0</inkml:trace>
+</inkml:ink>
+</file>
+
+<file path=ppt/ink/ink28.xml><?xml version="1.0" encoding="utf-8"?>
+<inkml:ink xmlns:inkml="http://www.w3.org/2003/InkML">
+  <inkml:definitions>
+    <inkml:context xml:id="ctx0">
+      <inkml:inkSource xml:id="inkSrc0">
+        <inkml:traceFormat>
+          <inkml:channel name="X" type="integer" min="-2.14748E9" max="2.14748E9" units="cm"/>
+          <inkml:channel name="Y" type="integer" min="-2.14748E9" max="2.14748E9" units="cm"/>
+        </inkml:traceFormat>
+        <inkml:channelProperties>
+          <inkml:channelProperty channel="X" name="resolution" value="1000" units="1/cm"/>
+          <inkml:channelProperty channel="Y" name="resolution" value="1000" units="1/cm"/>
+        </inkml:channelProperties>
+      </inkml:inkSource>
+      <inkml:timestamp xml:id="ts0" timeString="2024-05-07T15:06:17.467"/>
+    </inkml:context>
+    <inkml:brush xml:id="br0">
+      <inkml:brushProperty name="width" value="0.3" units="cm"/>
+      <inkml:brushProperty name="height" value="0.6" units="cm"/>
+      <inkml:brushProperty name="color" value="#FFFC00"/>
+      <inkml:brushProperty name="tip" value="rectangle"/>
+      <inkml:brushProperty name="rasterOp" value="maskPen"/>
+      <inkml:brushProperty name="ignorePressure" value="1"/>
+    </inkml:brush>
+  </inkml:definitions>
+  <inkml:trace contextRef="#ctx0" brushRef="#br0">0 0,'172'2,"37"6,2043 106,-1007-93,-940-23,2028 0,-2173 10,241 42,-184-18,54-2,188 30,-227-8,116 19,-238-62,176-7,-144-5,487 20,115-5,-493-13,-201-1,57-10,35-3,-114 14,0-1,0-2,0-1,-1-1,35-13,125-33,-77 22,-42 10,3-1,100-17,-128 30,80-27,-22 5,-46 20,-31 8</inkml:trace>
+</inkml:ink>
+</file>
+
+<file path=ppt/ink/ink29.xml><?xml version="1.0" encoding="utf-8"?>
+<inkml:ink xmlns:inkml="http://www.w3.org/2003/InkML">
+  <inkml:definitions>
+    <inkml:context xml:id="ctx0">
+      <inkml:inkSource xml:id="inkSrc0">
+        <inkml:traceFormat>
+          <inkml:channel name="X" type="integer" min="-2.14748E9" max="2.14748E9" units="cm"/>
+          <inkml:channel name="Y" type="integer" min="-2.14748E9" max="2.14748E9" units="cm"/>
+        </inkml:traceFormat>
+        <inkml:channelProperties>
+          <inkml:channelProperty channel="X" name="resolution" value="1000" units="1/cm"/>
+          <inkml:channelProperty channel="Y" name="resolution" value="1000" units="1/cm"/>
+        </inkml:channelProperties>
+      </inkml:inkSource>
+      <inkml:timestamp xml:id="ts0" timeString="2024-05-07T15:06:11.899"/>
+    </inkml:context>
+    <inkml:brush xml:id="br0">
+      <inkml:brushProperty name="width" value="0.3" units="cm"/>
+      <inkml:brushProperty name="height" value="0.6" units="cm"/>
+      <inkml:brushProperty name="color" value="#FFFC00"/>
+      <inkml:brushProperty name="tip" value="rectangle"/>
+      <inkml:brushProperty name="rasterOp" value="maskPen"/>
+      <inkml:brushProperty name="ignorePressure" value="1"/>
+    </inkml:brush>
+  </inkml:definitions>
+  <inkml:trace contextRef="#ctx0" brushRef="#br0">0 313,'91'1,"120"5,144 9,466 33,486 19,-2-92,-730-28,491-28,829 86,-1260 26,226 3,-183-44,83 1,-3 42,133 62,-697-83,284-18,186-63,-128 30,2 39,-215 3,186-21,-109-12,-271 20,53-7,-128 10,-28 4,0-1,0-1,46-14,-50 11,0 2,1 0,0 1,1 2,24-1,122 5,-83 1,64-4,173 9,-106 31,-147-22,140 11,139-30,-316-1,0-1,42-13,-44 9,1 2,51-5,-47 8,0-2,42-12,-39 9,62-8,-50 10,0-2,-1-3,90-32,-64 15,64-20,-118 42,1 2,0 1,1 0,29 1,1017 5,-1051-3,1-1,-1-1,20-6,-18 4,0 1,30-2,487 5,-259 3,-265-3,0 1,-1 0,1 2,0-1,-1 2,1 0,-1 1,0 0,0 1,0 1,-1 0,19 11,-22-10,1-1,0 0,0-1,0-1,1 1,13 2,-13-4,1 1,-1 0,0 1,-1 0,19 12,-20-11,0 0,1-1,-1 0,1 0,0-1,0-1,1 0,-1 0,23 1,8-2,61-4,-30-1,-54 3,0 0,33 5,-44-3,-1 0,0 0,1 1,-1 0,0 0,0 1,-1 0,1 0,9 9,6 6,-17-13,1-1,-1 0,1-1,0 1,0-1,1 0,-1-1,14 6,-1-4</inkml:trace>
+</inkml:ink>
+</file>
+
 <file path=ppt/ink/ink3.xml><?xml version="1.0" encoding="utf-8"?>
 <inkml:ink xmlns:inkml="http://www.w3.org/2003/InkML">
   <inkml:definitions>
@@ -429,6 +858,238 @@
 </inkml:ink>
 </file>
 
+<file path=ppt/ink/ink30.xml><?xml version="1.0" encoding="utf-8"?>
+<inkml:ink xmlns:inkml="http://www.w3.org/2003/InkML">
+  <inkml:definitions>
+    <inkml:context xml:id="ctx0">
+      <inkml:inkSource xml:id="inkSrc0">
+        <inkml:traceFormat>
+          <inkml:channel name="X" type="integer" min="-2.14748E9" max="2.14748E9" units="cm"/>
+          <inkml:channel name="Y" type="integer" min="-2.14748E9" max="2.14748E9" units="cm"/>
+        </inkml:traceFormat>
+        <inkml:channelProperties>
+          <inkml:channelProperty channel="X" name="resolution" value="1000" units="1/cm"/>
+          <inkml:channelProperty channel="Y" name="resolution" value="1000" units="1/cm"/>
+        </inkml:channelProperties>
+      </inkml:inkSource>
+      <inkml:timestamp xml:id="ts0" timeString="2024-05-05T17:27:21.046"/>
+    </inkml:context>
+    <inkml:brush xml:id="br0">
+      <inkml:brushProperty name="width" value="0.3" units="cm"/>
+      <inkml:brushProperty name="height" value="0.6" units="cm"/>
+      <inkml:brushProperty name="color" value="#FFFC00"/>
+      <inkml:brushProperty name="tip" value="rectangle"/>
+      <inkml:brushProperty name="rasterOp" value="maskPen"/>
+      <inkml:brushProperty name="ignorePressure" value="1"/>
+    </inkml:brush>
+  </inkml:definitions>
+  <inkml:trace contextRef="#ctx0" brushRef="#br0">1 29,'6315'0,"-5966"-14,-29-1,564 16,-838-1</inkml:trace>
+</inkml:ink>
+</file>
+
+<file path=ppt/ink/ink31.xml><?xml version="1.0" encoding="utf-8"?>
+<inkml:ink xmlns:inkml="http://www.w3.org/2003/InkML">
+  <inkml:definitions>
+    <inkml:context xml:id="ctx0">
+      <inkml:inkSource xml:id="inkSrc0">
+        <inkml:traceFormat>
+          <inkml:channel name="X" type="integer" min="-2.14748E9" max="2.14748E9" units="cm"/>
+          <inkml:channel name="Y" type="integer" min="-2.14748E9" max="2.14748E9" units="cm"/>
+        </inkml:traceFormat>
+        <inkml:channelProperties>
+          <inkml:channelProperty channel="X" name="resolution" value="1000" units="1/cm"/>
+          <inkml:channelProperty channel="Y" name="resolution" value="1000" units="1/cm"/>
+        </inkml:channelProperties>
+      </inkml:inkSource>
+      <inkml:timestamp xml:id="ts0" timeString="2024-05-07T15:37:45.773"/>
+    </inkml:context>
+    <inkml:brush xml:id="br0">
+      <inkml:brushProperty name="width" value="0.3" units="cm"/>
+      <inkml:brushProperty name="height" value="0.6" units="cm"/>
+      <inkml:brushProperty name="color" value="#FFFC00"/>
+      <inkml:brushProperty name="tip" value="rectangle"/>
+      <inkml:brushProperty name="rasterOp" value="maskPen"/>
+      <inkml:brushProperty name="ignorePressure" value="1"/>
+    </inkml:brush>
+  </inkml:definitions>
+  <inkml:trace contextRef="#ctx0" brushRef="#br0">1 283,'121'-7,"150"-8,151-3,1875-31,-1898 35,128-37,472-25,-808 78,124-2,-37-26,13-1,391 26,68 65,-620-46,-33-3,157 2,274-19,-504 2</inkml:trace>
+</inkml:ink>
+</file>
+
+<file path=ppt/ink/ink32.xml><?xml version="1.0" encoding="utf-8"?>
+<inkml:ink xmlns:inkml="http://www.w3.org/2003/InkML">
+  <inkml:definitions>
+    <inkml:context xml:id="ctx0">
+      <inkml:inkSource xml:id="inkSrc0">
+        <inkml:traceFormat>
+          <inkml:channel name="X" type="integer" min="-2.14748E9" max="2.14748E9" units="cm"/>
+          <inkml:channel name="Y" type="integer" min="-2.14748E9" max="2.14748E9" units="cm"/>
+        </inkml:traceFormat>
+        <inkml:channelProperties>
+          <inkml:channelProperty channel="X" name="resolution" value="1000" units="1/cm"/>
+          <inkml:channelProperty channel="Y" name="resolution" value="1000" units="1/cm"/>
+        </inkml:channelProperties>
+      </inkml:inkSource>
+      <inkml:timestamp xml:id="ts0" timeString="2024-05-07T15:38:17.649"/>
+    </inkml:context>
+    <inkml:brush xml:id="br0">
+      <inkml:brushProperty name="width" value="0.3" units="cm"/>
+      <inkml:brushProperty name="height" value="0.6" units="cm"/>
+      <inkml:brushProperty name="color" value="#FFFC00"/>
+      <inkml:brushProperty name="tip" value="rectangle"/>
+      <inkml:brushProperty name="rasterOp" value="maskPen"/>
+      <inkml:brushProperty name="ignorePressure" value="1"/>
+    </inkml:brush>
+  </inkml:definitions>
+  <inkml:trace contextRef="#ctx0" brushRef="#br0">0 0,'483'57,"-216"-28,419-1,-618-30,-1 4,96 14,-85-7,0-3,125-7,-70-1,1957 2,-2055-2,65-11,-61 6,46-1,465 6,-266 4,575-2,-820 2,64 11,-63-6,61 2,323-10,-382-1,61-11,17-1,176 12,-154 3,-113 1,0 1,32 7,40 4,-71-11,37 9,-41-7,55 4,-52-8,21 0,96 14,-79-7,0-2,130-7,-76-1,2769 2,-2852 2,61 10,-60-6,57 3,354-10,-435 2,0 1,0 1,0 0,-1 1,0 1,0 0,0 1,0 0,22 15,-21-12,0 0,0-2,1 0,0 0,1-2,33 7,22-7,104-6,-56-2,1151 3,-1221-2,57-10,47-3,-138 14,-1-1,0 0,19-6,34-5,210-28,-180 23,178-10,-231 27,227 4,35 37,-274-35,25 5,6 2,0-4,70 2,-129-10,178-6,-148 3,1-2,-1-1,38-13,23-8,62-22,-128 38,-7 2,0 0,1 2,0 0,0 2,0 0,28-1,524 7,-237 0,-305 2,0 1,0 1,-1 2,54 17,-52-12,0-3,1-1,64 6,185-13,-135-2,-126 1</inkml:trace>
+</inkml:ink>
+</file>
+
+<file path=ppt/ink/ink33.xml><?xml version="1.0" encoding="utf-8"?>
+<inkml:ink xmlns:inkml="http://www.w3.org/2003/InkML">
+  <inkml:definitions>
+    <inkml:context xml:id="ctx0">
+      <inkml:inkSource xml:id="inkSrc0">
+        <inkml:traceFormat>
+          <inkml:channel name="X" type="integer" min="-2.14748E9" max="2.14748E9" units="cm"/>
+          <inkml:channel name="Y" type="integer" min="-2.14748E9" max="2.14748E9" units="cm"/>
+        </inkml:traceFormat>
+        <inkml:channelProperties>
+          <inkml:channelProperty channel="X" name="resolution" value="1000" units="1/cm"/>
+          <inkml:channelProperty channel="Y" name="resolution" value="1000" units="1/cm"/>
+        </inkml:channelProperties>
+      </inkml:inkSource>
+      <inkml:timestamp xml:id="ts0" timeString="2024-05-05T17:27:32.790"/>
+    </inkml:context>
+    <inkml:brush xml:id="br0">
+      <inkml:brushProperty name="width" value="0.3" units="cm"/>
+      <inkml:brushProperty name="height" value="0.6" units="cm"/>
+      <inkml:brushProperty name="color" value="#FFFC00"/>
+      <inkml:brushProperty name="tip" value="rectangle"/>
+      <inkml:brushProperty name="rasterOp" value="maskPen"/>
+      <inkml:brushProperty name="ignorePressure" value="1"/>
+    </inkml:brush>
+  </inkml:definitions>
+  <inkml:trace contextRef="#ctx0" brushRef="#br0">1 0,'296'25,"-76"-3,719-10,-636-13,4108-1,-2609 2,-1779 0</inkml:trace>
+</inkml:ink>
+</file>
+
+<file path=ppt/ink/ink34.xml><?xml version="1.0" encoding="utf-8"?>
+<inkml:ink xmlns:inkml="http://www.w3.org/2003/InkML">
+  <inkml:definitions>
+    <inkml:context xml:id="ctx0">
+      <inkml:inkSource xml:id="inkSrc0">
+        <inkml:traceFormat>
+          <inkml:channel name="X" type="integer" min="-2.14748E9" max="2.14748E9" units="cm"/>
+          <inkml:channel name="Y" type="integer" min="-2.14748E9" max="2.14748E9" units="cm"/>
+        </inkml:traceFormat>
+        <inkml:channelProperties>
+          <inkml:channelProperty channel="X" name="resolution" value="1000" units="1/cm"/>
+          <inkml:channelProperty channel="Y" name="resolution" value="1000" units="1/cm"/>
+        </inkml:channelProperties>
+      </inkml:inkSource>
+      <inkml:timestamp xml:id="ts0" timeString="2024-05-05T17:27:37.846"/>
+    </inkml:context>
+    <inkml:brush xml:id="br0">
+      <inkml:brushProperty name="width" value="0.3" units="cm"/>
+      <inkml:brushProperty name="height" value="0.6" units="cm"/>
+      <inkml:brushProperty name="color" value="#FFFC00"/>
+      <inkml:brushProperty name="tip" value="rectangle"/>
+      <inkml:brushProperty name="rasterOp" value="maskPen"/>
+      <inkml:brushProperty name="ignorePressure" value="1"/>
+    </inkml:brush>
+  </inkml:definitions>
+  <inkml:trace contextRef="#ctx0" brushRef="#br0">1 1,'7180'0,"-7156"0</inkml:trace>
+</inkml:ink>
+</file>
+
+<file path=ppt/ink/ink35.xml><?xml version="1.0" encoding="utf-8"?>
+<inkml:ink xmlns:inkml="http://www.w3.org/2003/InkML">
+  <inkml:definitions>
+    <inkml:context xml:id="ctx0">
+      <inkml:inkSource xml:id="inkSrc0">
+        <inkml:traceFormat>
+          <inkml:channel name="X" type="integer" min="-2.14748E9" max="2.14748E9" units="cm"/>
+          <inkml:channel name="Y" type="integer" min="-2.14748E9" max="2.14748E9" units="cm"/>
+        </inkml:traceFormat>
+        <inkml:channelProperties>
+          <inkml:channelProperty channel="X" name="resolution" value="1000" units="1/cm"/>
+          <inkml:channelProperty channel="Y" name="resolution" value="1000" units="1/cm"/>
+        </inkml:channelProperties>
+      </inkml:inkSource>
+      <inkml:timestamp xml:id="ts0" timeString="2024-05-05T17:27:45.986"/>
+    </inkml:context>
+    <inkml:brush xml:id="br0">
+      <inkml:brushProperty name="width" value="0.3" units="cm"/>
+      <inkml:brushProperty name="height" value="0.6" units="cm"/>
+      <inkml:brushProperty name="color" value="#FFFC00"/>
+      <inkml:brushProperty name="tip" value="rectangle"/>
+      <inkml:brushProperty name="rasterOp" value="maskPen"/>
+      <inkml:brushProperty name="ignorePressure" value="1"/>
+    </inkml:brush>
+  </inkml:definitions>
+  <inkml:trace contextRef="#ctx0" brushRef="#br0">1 0,'6701'0,"-6678"0</inkml:trace>
+</inkml:ink>
+</file>
+
+<file path=ppt/ink/ink36.xml><?xml version="1.0" encoding="utf-8"?>
+<inkml:ink xmlns:inkml="http://www.w3.org/2003/InkML">
+  <inkml:definitions>
+    <inkml:context xml:id="ctx0">
+      <inkml:inkSource xml:id="inkSrc0">
+        <inkml:traceFormat>
+          <inkml:channel name="X" type="integer" min="-2.14748E9" max="2.14748E9" units="cm"/>
+          <inkml:channel name="Y" type="integer" min="-2.14748E9" max="2.14748E9" units="cm"/>
+        </inkml:traceFormat>
+        <inkml:channelProperties>
+          <inkml:channelProperty channel="X" name="resolution" value="1000" units="1/cm"/>
+          <inkml:channelProperty channel="Y" name="resolution" value="1000" units="1/cm"/>
+        </inkml:channelProperties>
+      </inkml:inkSource>
+      <inkml:timestamp xml:id="ts0" timeString="2024-05-07T17:43:49.229"/>
+    </inkml:context>
+    <inkml:brush xml:id="br0">
+      <inkml:brushProperty name="width" value="0.3" units="cm"/>
+      <inkml:brushProperty name="height" value="0.6" units="cm"/>
+      <inkml:brushProperty name="color" value="#FFFC00"/>
+      <inkml:brushProperty name="tip" value="rectangle"/>
+      <inkml:brushProperty name="rasterOp" value="maskPen"/>
+      <inkml:brushProperty name="ignorePressure" value="1"/>
+    </inkml:brush>
+  </inkml:definitions>
+  <inkml:trace contextRef="#ctx0" brushRef="#br0">1 89,'78'-4,"0"-4,98-22,75-8,404 29,-377 12,-133-3,492 22,-118 15,46 30,-503-57,124 23,-70-11,0-5,160 3,2120-23,-1422 4,-940-3,59-10,14-2,19 11,128-11,-191 6,-17 3,-1-2,63-18,-75 17,-1 2,1 1,-1 1,1 2,54 4,-57-2,-6 0</inkml:trace>
+</inkml:ink>
+</file>
+
+<file path=ppt/ink/ink37.xml><?xml version="1.0" encoding="utf-8"?>
+<inkml:ink xmlns:inkml="http://www.w3.org/2003/InkML">
+  <inkml:definitions>
+    <inkml:context xml:id="ctx0">
+      <inkml:inkSource xml:id="inkSrc0">
+        <inkml:traceFormat>
+          <inkml:channel name="X" type="integer" min="-2.14748E9" max="2.14748E9" units="cm"/>
+          <inkml:channel name="Y" type="integer" min="-2.14748E9" max="2.14748E9" units="cm"/>
+        </inkml:traceFormat>
+        <inkml:channelProperties>
+          <inkml:channelProperty channel="X" name="resolution" value="1000" units="1/cm"/>
+          <inkml:channelProperty channel="Y" name="resolution" value="1000" units="1/cm"/>
+        </inkml:channelProperties>
+      </inkml:inkSource>
+      <inkml:timestamp xml:id="ts0" timeString="2024-05-07T17:43:55.498"/>
+    </inkml:context>
+    <inkml:brush xml:id="br0">
+      <inkml:brushProperty name="width" value="0.3" units="cm"/>
+      <inkml:brushProperty name="height" value="0.6" units="cm"/>
+      <inkml:brushProperty name="color" value="#FFFC00"/>
+      <inkml:brushProperty name="tip" value="rectangle"/>
+      <inkml:brushProperty name="rasterOp" value="maskPen"/>
+      <inkml:brushProperty name="ignorePressure" value="1"/>
+    </inkml:brush>
+  </inkml:definitions>
+  <inkml:trace contextRef="#ctx0" brushRef="#br0">0 370,'3247'0,"-3216"-2,1-2,42-9,-15 2,-16 2,64-22,-77 21,1 0,0 2,0 2,48-5,412 10,-232 3,193-2,-419-2,0-1,-1-2,44-12,-37 7,66-7,29 16,7-1,-52-11,-60 7,55-4,12 11,-57 1,0-2,0-2,55-9,-25 1,0 2,0 4,103 7,-44-1,1848-2,-1951-2,1-1,-1-2,0 0,0-1,-1-2,43-19,-40 15,1 2,-1 1,2 1,54-9,177-7,-140 18,-96 6</inkml:trace>
+</inkml:ink>
+</file>
+
 <file path=ppt/ink/ink4.xml><?xml version="1.0" encoding="utf-8"?>
 <inkml:ink xmlns:inkml="http://www.w3.org/2003/InkML">
   <inkml:definitions>
@@ -601,6 +1262,440 @@
   </inkml:definitions>
   <inkml:trace contextRef="#ctx0" brushRef="#br0">0 1,'66'0,"111"17,92 41,35 5,-167-39,-71-11,87 7,391-15,-324-7,4303 0,-2413 3,-772 13,93 1,1118-16,-2526 1</inkml:trace>
 </inkml:ink>
+</file>
+
+<file path=ppt/notesMasters/notesMaster1.xml><?xml version="1.0" encoding="utf-8"?>
+<p:notesMaster xmlns:a="http://schemas.openxmlformats.org/drawingml/2006/main" xmlns:r="http://schemas.openxmlformats.org/officeDocument/2006/relationships" xmlns:p="http://schemas.openxmlformats.org/presentationml/2006/main">
+  <p:cSld>
+    <p:bg>
+      <p:bgRef idx="1001">
+        <a:schemeClr val="bg1"/>
+      </p:bgRef>
+    </p:bg>
+    <p:spTree>
+      <p:nvGrpSpPr>
+        <p:cNvPr id="1" name=""/>
+        <p:cNvGrpSpPr/>
+        <p:nvPr/>
+      </p:nvGrpSpPr>
+      <p:grpSpPr>
+        <a:xfrm>
+          <a:off x="0" y="0"/>
+          <a:ext cx="0" cy="0"/>
+          <a:chOff x="0" y="0"/>
+          <a:chExt cx="0" cy="0"/>
+        </a:xfrm>
+      </p:grpSpPr>
+      <p:sp>
+        <p:nvSpPr>
+          <p:cNvPr id="2" name="Marcador de encabezado 1"/>
+          <p:cNvSpPr>
+            <a:spLocks noGrp="1"/>
+          </p:cNvSpPr>
+          <p:nvPr>
+            <p:ph type="hdr" sz="quarter"/>
+          </p:nvPr>
+        </p:nvSpPr>
+        <p:spPr>
+          <a:xfrm>
+            <a:off x="0" y="0"/>
+            <a:ext cx="2971800" cy="458788"/>
+          </a:xfrm>
+          <a:prstGeom prst="rect">
+            <a:avLst/>
+          </a:prstGeom>
+        </p:spPr>
+        <p:txBody>
+          <a:bodyPr vert="horz" lIns="91440" tIns="45720" rIns="91440" bIns="45720" rtlCol="0"/>
+          <a:lstStyle>
+            <a:lvl1pPr algn="l">
+              <a:defRPr sz="1200"/>
+            </a:lvl1pPr>
+          </a:lstStyle>
+          <a:p>
+            <a:endParaRPr lang="es-PE"/>
+          </a:p>
+        </p:txBody>
+      </p:sp>
+      <p:sp>
+        <p:nvSpPr>
+          <p:cNvPr id="3" name="Marcador de fecha 2"/>
+          <p:cNvSpPr>
+            <a:spLocks noGrp="1"/>
+          </p:cNvSpPr>
+          <p:nvPr>
+            <p:ph type="dt" idx="1"/>
+          </p:nvPr>
+        </p:nvSpPr>
+        <p:spPr>
+          <a:xfrm>
+            <a:off x="3884613" y="0"/>
+            <a:ext cx="2971800" cy="458788"/>
+          </a:xfrm>
+          <a:prstGeom prst="rect">
+            <a:avLst/>
+          </a:prstGeom>
+        </p:spPr>
+        <p:txBody>
+          <a:bodyPr vert="horz" lIns="91440" tIns="45720" rIns="91440" bIns="45720" rtlCol="0"/>
+          <a:lstStyle>
+            <a:lvl1pPr algn="r">
+              <a:defRPr sz="1200"/>
+            </a:lvl1pPr>
+          </a:lstStyle>
+          <a:p>
+            <a:fld id="{90E3EDE8-81D2-41AB-B51B-23CF16C060EF}" type="datetimeFigureOut">
+              <a:rPr lang="es-PE" smtClean="0"/>
+              <a:t>7/05/2024</a:t>
+            </a:fld>
+            <a:endParaRPr lang="es-PE"/>
+          </a:p>
+        </p:txBody>
+      </p:sp>
+      <p:sp>
+        <p:nvSpPr>
+          <p:cNvPr id="4" name="Marcador de imagen de diapositiva 3"/>
+          <p:cNvSpPr>
+            <a:spLocks noGrp="1" noRot="1" noChangeAspect="1"/>
+          </p:cNvSpPr>
+          <p:nvPr>
+            <p:ph type="sldImg" idx="2"/>
+          </p:nvPr>
+        </p:nvSpPr>
+        <p:spPr>
+          <a:xfrm>
+            <a:off x="685800" y="1143000"/>
+            <a:ext cx="5486400" cy="3086100"/>
+          </a:xfrm>
+          <a:prstGeom prst="rect">
+            <a:avLst/>
+          </a:prstGeom>
+          <a:noFill/>
+          <a:ln w="12700">
+            <a:solidFill>
+              <a:prstClr val="black"/>
+            </a:solidFill>
+          </a:ln>
+        </p:spPr>
+        <p:txBody>
+          <a:bodyPr vert="horz" lIns="91440" tIns="45720" rIns="91440" bIns="45720" rtlCol="0" anchor="ctr"/>
+          <a:lstStyle/>
+          <a:p>
+            <a:endParaRPr lang="es-PE"/>
+          </a:p>
+        </p:txBody>
+      </p:sp>
+      <p:sp>
+        <p:nvSpPr>
+          <p:cNvPr id="5" name="Marcador de notas 4"/>
+          <p:cNvSpPr>
+            <a:spLocks noGrp="1"/>
+          </p:cNvSpPr>
+          <p:nvPr>
+            <p:ph type="body" sz="quarter" idx="3"/>
+          </p:nvPr>
+        </p:nvSpPr>
+        <p:spPr>
+          <a:xfrm>
+            <a:off x="685800" y="4400550"/>
+            <a:ext cx="5486400" cy="3600450"/>
+          </a:xfrm>
+          <a:prstGeom prst="rect">
+            <a:avLst/>
+          </a:prstGeom>
+        </p:spPr>
+        <p:txBody>
+          <a:bodyPr vert="horz" lIns="91440" tIns="45720" rIns="91440" bIns="45720" rtlCol="0"/>
+          <a:lstStyle/>
+          <a:p>
+            <a:pPr lvl="0"/>
+            <a:r>
+              <a:rPr lang="es-ES"/>
+              <a:t>Haga clic para modificar los estilos de texto del patrón</a:t>
+            </a:r>
+          </a:p>
+          <a:p>
+            <a:pPr lvl="1"/>
+            <a:r>
+              <a:rPr lang="es-ES"/>
+              <a:t>Segundo nivel</a:t>
+            </a:r>
+          </a:p>
+          <a:p>
+            <a:pPr lvl="2"/>
+            <a:r>
+              <a:rPr lang="es-ES"/>
+              <a:t>Tercer nivel</a:t>
+            </a:r>
+          </a:p>
+          <a:p>
+            <a:pPr lvl="3"/>
+            <a:r>
+              <a:rPr lang="es-ES"/>
+              <a:t>Cuarto nivel</a:t>
+            </a:r>
+          </a:p>
+          <a:p>
+            <a:pPr lvl="4"/>
+            <a:r>
+              <a:rPr lang="es-ES"/>
+              <a:t>Quinto nivel</a:t>
+            </a:r>
+            <a:endParaRPr lang="es-PE"/>
+          </a:p>
+        </p:txBody>
+      </p:sp>
+      <p:sp>
+        <p:nvSpPr>
+          <p:cNvPr id="6" name="Marcador de pie de página 5"/>
+          <p:cNvSpPr>
+            <a:spLocks noGrp="1"/>
+          </p:cNvSpPr>
+          <p:nvPr>
+            <p:ph type="ftr" sz="quarter" idx="4"/>
+          </p:nvPr>
+        </p:nvSpPr>
+        <p:spPr>
+          <a:xfrm>
+            <a:off x="0" y="8685213"/>
+            <a:ext cx="2971800" cy="458787"/>
+          </a:xfrm>
+          <a:prstGeom prst="rect">
+            <a:avLst/>
+          </a:prstGeom>
+        </p:spPr>
+        <p:txBody>
+          <a:bodyPr vert="horz" lIns="91440" tIns="45720" rIns="91440" bIns="45720" rtlCol="0" anchor="b"/>
+          <a:lstStyle>
+            <a:lvl1pPr algn="l">
+              <a:defRPr sz="1200"/>
+            </a:lvl1pPr>
+          </a:lstStyle>
+          <a:p>
+            <a:endParaRPr lang="es-PE"/>
+          </a:p>
+        </p:txBody>
+      </p:sp>
+      <p:sp>
+        <p:nvSpPr>
+          <p:cNvPr id="7" name="Marcador de número de diapositiva 6"/>
+          <p:cNvSpPr>
+            <a:spLocks noGrp="1"/>
+          </p:cNvSpPr>
+          <p:nvPr>
+            <p:ph type="sldNum" sz="quarter" idx="5"/>
+          </p:nvPr>
+        </p:nvSpPr>
+        <p:spPr>
+          <a:xfrm>
+            <a:off x="3884613" y="8685213"/>
+            <a:ext cx="2971800" cy="458787"/>
+          </a:xfrm>
+          <a:prstGeom prst="rect">
+            <a:avLst/>
+          </a:prstGeom>
+        </p:spPr>
+        <p:txBody>
+          <a:bodyPr vert="horz" lIns="91440" tIns="45720" rIns="91440" bIns="45720" rtlCol="0" anchor="b"/>
+          <a:lstStyle>
+            <a:lvl1pPr algn="r">
+              <a:defRPr sz="1200"/>
+            </a:lvl1pPr>
+          </a:lstStyle>
+          <a:p>
+            <a:fld id="{9A3FA136-2196-45B8-AC74-292CFAD13B25}" type="slidenum">
+              <a:rPr lang="es-PE" smtClean="0"/>
+              <a:t>‹Nº›</a:t>
+            </a:fld>
+            <a:endParaRPr lang="es-PE"/>
+          </a:p>
+        </p:txBody>
+      </p:sp>
+    </p:spTree>
+    <p:extLst>
+      <p:ext uri="{BB962C8B-B14F-4D97-AF65-F5344CB8AC3E}">
+        <p14:creationId xmlns:p14="http://schemas.microsoft.com/office/powerpoint/2010/main" val="3391882080"/>
+      </p:ext>
+    </p:extLst>
+  </p:cSld>
+  <p:clrMap bg1="lt1" tx1="dk1" bg2="lt2" tx2="dk2" accent1="accent1" accent2="accent2" accent3="accent3" accent4="accent4" accent5="accent5" accent6="accent6" hlink="hlink" folHlink="folHlink"/>
+  <p:notesStyle>
+    <a:lvl1pPr marL="0" algn="l" defTabSz="914400" rtl="0" eaLnBrk="1" latinLnBrk="0" hangingPunct="1">
+      <a:defRPr sz="1200" kern="1200">
+        <a:solidFill>
+          <a:schemeClr val="tx1"/>
+        </a:solidFill>
+        <a:latin typeface="+mn-lt"/>
+        <a:ea typeface="+mn-ea"/>
+        <a:cs typeface="+mn-cs"/>
+      </a:defRPr>
+    </a:lvl1pPr>
+    <a:lvl2pPr marL="457200" algn="l" defTabSz="914400" rtl="0" eaLnBrk="1" latinLnBrk="0" hangingPunct="1">
+      <a:defRPr sz="1200" kern="1200">
+        <a:solidFill>
+          <a:schemeClr val="tx1"/>
+        </a:solidFill>
+        <a:latin typeface="+mn-lt"/>
+        <a:ea typeface="+mn-ea"/>
+        <a:cs typeface="+mn-cs"/>
+      </a:defRPr>
+    </a:lvl2pPr>
+    <a:lvl3pPr marL="914400" algn="l" defTabSz="914400" rtl="0" eaLnBrk="1" latinLnBrk="0" hangingPunct="1">
+      <a:defRPr sz="1200" kern="1200">
+        <a:solidFill>
+          <a:schemeClr val="tx1"/>
+        </a:solidFill>
+        <a:latin typeface="+mn-lt"/>
+        <a:ea typeface="+mn-ea"/>
+        <a:cs typeface="+mn-cs"/>
+      </a:defRPr>
+    </a:lvl3pPr>
+    <a:lvl4pPr marL="1371600" algn="l" defTabSz="914400" rtl="0" eaLnBrk="1" latinLnBrk="0" hangingPunct="1">
+      <a:defRPr sz="1200" kern="1200">
+        <a:solidFill>
+          <a:schemeClr val="tx1"/>
+        </a:solidFill>
+        <a:latin typeface="+mn-lt"/>
+        <a:ea typeface="+mn-ea"/>
+        <a:cs typeface="+mn-cs"/>
+      </a:defRPr>
+    </a:lvl4pPr>
+    <a:lvl5pPr marL="1828800" algn="l" defTabSz="914400" rtl="0" eaLnBrk="1" latinLnBrk="0" hangingPunct="1">
+      <a:defRPr sz="1200" kern="1200">
+        <a:solidFill>
+          <a:schemeClr val="tx1"/>
+        </a:solidFill>
+        <a:latin typeface="+mn-lt"/>
+        <a:ea typeface="+mn-ea"/>
+        <a:cs typeface="+mn-cs"/>
+      </a:defRPr>
+    </a:lvl5pPr>
+    <a:lvl6pPr marL="2286000" algn="l" defTabSz="914400" rtl="0" eaLnBrk="1" latinLnBrk="0" hangingPunct="1">
+      <a:defRPr sz="1200" kern="1200">
+        <a:solidFill>
+          <a:schemeClr val="tx1"/>
+        </a:solidFill>
+        <a:latin typeface="+mn-lt"/>
+        <a:ea typeface="+mn-ea"/>
+        <a:cs typeface="+mn-cs"/>
+      </a:defRPr>
+    </a:lvl6pPr>
+    <a:lvl7pPr marL="2743200" algn="l" defTabSz="914400" rtl="0" eaLnBrk="1" latinLnBrk="0" hangingPunct="1">
+      <a:defRPr sz="1200" kern="1200">
+        <a:solidFill>
+          <a:schemeClr val="tx1"/>
+        </a:solidFill>
+        <a:latin typeface="+mn-lt"/>
+        <a:ea typeface="+mn-ea"/>
+        <a:cs typeface="+mn-cs"/>
+      </a:defRPr>
+    </a:lvl7pPr>
+    <a:lvl8pPr marL="3200400" algn="l" defTabSz="914400" rtl="0" eaLnBrk="1" latinLnBrk="0" hangingPunct="1">
+      <a:defRPr sz="1200" kern="1200">
+        <a:solidFill>
+          <a:schemeClr val="tx1"/>
+        </a:solidFill>
+        <a:latin typeface="+mn-lt"/>
+        <a:ea typeface="+mn-ea"/>
+        <a:cs typeface="+mn-cs"/>
+      </a:defRPr>
+    </a:lvl8pPr>
+    <a:lvl9pPr marL="3657600" algn="l" defTabSz="914400" rtl="0" eaLnBrk="1" latinLnBrk="0" hangingPunct="1">
+      <a:defRPr sz="1200" kern="1200">
+        <a:solidFill>
+          <a:schemeClr val="tx1"/>
+        </a:solidFill>
+        <a:latin typeface="+mn-lt"/>
+        <a:ea typeface="+mn-ea"/>
+        <a:cs typeface="+mn-cs"/>
+      </a:defRPr>
+    </a:lvl9pPr>
+  </p:notesStyle>
+</p:notesMaster>
+</file>
+
+<file path=ppt/notesSlides/notesSlide1.xml><?xml version="1.0" encoding="utf-8"?>
+<p:notes xmlns:a="http://schemas.openxmlformats.org/drawingml/2006/main" xmlns:r="http://schemas.openxmlformats.org/officeDocument/2006/relationships" xmlns:p="http://schemas.openxmlformats.org/presentationml/2006/main">
+  <p:cSld>
+    <p:spTree>
+      <p:nvGrpSpPr>
+        <p:cNvPr id="1" name=""/>
+        <p:cNvGrpSpPr/>
+        <p:nvPr/>
+      </p:nvGrpSpPr>
+      <p:grpSpPr>
+        <a:xfrm>
+          <a:off x="0" y="0"/>
+          <a:ext cx="0" cy="0"/>
+          <a:chOff x="0" y="0"/>
+          <a:chExt cx="0" cy="0"/>
+        </a:xfrm>
+      </p:grpSpPr>
+      <p:sp>
+        <p:nvSpPr>
+          <p:cNvPr id="2" name="Marcador de imagen de diapositiva 1"/>
+          <p:cNvSpPr>
+            <a:spLocks noGrp="1" noRot="1" noChangeAspect="1"/>
+          </p:cNvSpPr>
+          <p:nvPr>
+            <p:ph type="sldImg"/>
+          </p:nvPr>
+        </p:nvSpPr>
+        <p:spPr/>
+      </p:sp>
+      <p:sp>
+        <p:nvSpPr>
+          <p:cNvPr id="3" name="Marcador de notas 2"/>
+          <p:cNvSpPr>
+            <a:spLocks noGrp="1"/>
+          </p:cNvSpPr>
+          <p:nvPr>
+            <p:ph type="body" idx="1"/>
+          </p:nvPr>
+        </p:nvSpPr>
+        <p:spPr/>
+        <p:txBody>
+          <a:bodyPr/>
+          <a:lstStyle/>
+          <a:p>
+            <a:endParaRPr lang="es-PE" dirty="0"/>
+          </a:p>
+        </p:txBody>
+      </p:sp>
+      <p:sp>
+        <p:nvSpPr>
+          <p:cNvPr id="4" name="Marcador de número de diapositiva 3"/>
+          <p:cNvSpPr>
+            <a:spLocks noGrp="1"/>
+          </p:cNvSpPr>
+          <p:nvPr>
+            <p:ph type="sldNum" sz="quarter" idx="5"/>
+          </p:nvPr>
+        </p:nvSpPr>
+        <p:spPr/>
+        <p:txBody>
+          <a:bodyPr/>
+          <a:lstStyle/>
+          <a:p>
+            <a:fld id="{9A3FA136-2196-45B8-AC74-292CFAD13B25}" type="slidenum">
+              <a:rPr lang="es-PE" smtClean="0"/>
+              <a:t>10</a:t>
+            </a:fld>
+            <a:endParaRPr lang="es-PE"/>
+          </a:p>
+        </p:txBody>
+      </p:sp>
+    </p:spTree>
+    <p:extLst>
+      <p:ext uri="{BB962C8B-B14F-4D97-AF65-F5344CB8AC3E}">
+        <p14:creationId xmlns:p14="http://schemas.microsoft.com/office/powerpoint/2010/main" val="239921017"/>
+      </p:ext>
+    </p:extLst>
+  </p:cSld>
+  <p:clrMapOvr>
+    <a:masterClrMapping/>
+  </p:clrMapOvr>
+</p:notes>
 </file>
 
 <file path=ppt/slideLayouts/slideLayout1.xml><?xml version="1.0" encoding="utf-8"?>
@@ -752,7 +1847,7 @@
           <a:p>
             <a:fld id="{BA5DFCED-42BD-4F3B-AEA3-9F381D6546DD}" type="datetimeFigureOut">
               <a:rPr lang="es-PE" smtClean="0"/>
-              <a:t>5/05/2024</a:t>
+              <a:t>7/05/2024</a:t>
             </a:fld>
             <a:endParaRPr lang="es-PE"/>
           </a:p>
@@ -952,7 +2047,7 @@
           <a:p>
             <a:fld id="{BA5DFCED-42BD-4F3B-AEA3-9F381D6546DD}" type="datetimeFigureOut">
               <a:rPr lang="es-PE" smtClean="0"/>
-              <a:t>5/05/2024</a:t>
+              <a:t>7/05/2024</a:t>
             </a:fld>
             <a:endParaRPr lang="es-PE"/>
           </a:p>
@@ -1162,7 +2257,7 @@
           <a:p>
             <a:fld id="{BA5DFCED-42BD-4F3B-AEA3-9F381D6546DD}" type="datetimeFigureOut">
               <a:rPr lang="es-PE" smtClean="0"/>
-              <a:t>5/05/2024</a:t>
+              <a:t>7/05/2024</a:t>
             </a:fld>
             <a:endParaRPr lang="es-PE"/>
           </a:p>
@@ -1362,7 +2457,7 @@
           <a:p>
             <a:fld id="{BA5DFCED-42BD-4F3B-AEA3-9F381D6546DD}" type="datetimeFigureOut">
               <a:rPr lang="es-PE" smtClean="0"/>
-              <a:t>5/05/2024</a:t>
+              <a:t>7/05/2024</a:t>
             </a:fld>
             <a:endParaRPr lang="es-PE"/>
           </a:p>
@@ -1638,7 +2733,7 @@
           <a:p>
             <a:fld id="{BA5DFCED-42BD-4F3B-AEA3-9F381D6546DD}" type="datetimeFigureOut">
               <a:rPr lang="es-PE" smtClean="0"/>
-              <a:t>5/05/2024</a:t>
+              <a:t>7/05/2024</a:t>
             </a:fld>
             <a:endParaRPr lang="es-PE"/>
           </a:p>
@@ -1906,7 +3001,7 @@
           <a:p>
             <a:fld id="{BA5DFCED-42BD-4F3B-AEA3-9F381D6546DD}" type="datetimeFigureOut">
               <a:rPr lang="es-PE" smtClean="0"/>
-              <a:t>5/05/2024</a:t>
+              <a:t>7/05/2024</a:t>
             </a:fld>
             <a:endParaRPr lang="es-PE"/>
           </a:p>
@@ -2321,7 +3416,7 @@
           <a:p>
             <a:fld id="{BA5DFCED-42BD-4F3B-AEA3-9F381D6546DD}" type="datetimeFigureOut">
               <a:rPr lang="es-PE" smtClean="0"/>
-              <a:t>5/05/2024</a:t>
+              <a:t>7/05/2024</a:t>
             </a:fld>
             <a:endParaRPr lang="es-PE"/>
           </a:p>
@@ -2463,7 +3558,7 @@
           <a:p>
             <a:fld id="{BA5DFCED-42BD-4F3B-AEA3-9F381D6546DD}" type="datetimeFigureOut">
               <a:rPr lang="es-PE" smtClean="0"/>
-              <a:t>5/05/2024</a:t>
+              <a:t>7/05/2024</a:t>
             </a:fld>
             <a:endParaRPr lang="es-PE"/>
           </a:p>
@@ -2576,7 +3671,7 @@
           <a:p>
             <a:fld id="{BA5DFCED-42BD-4F3B-AEA3-9F381D6546DD}" type="datetimeFigureOut">
               <a:rPr lang="es-PE" smtClean="0"/>
-              <a:t>5/05/2024</a:t>
+              <a:t>7/05/2024</a:t>
             </a:fld>
             <a:endParaRPr lang="es-PE"/>
           </a:p>
@@ -2889,7 +3984,7 @@
           <a:p>
             <a:fld id="{BA5DFCED-42BD-4F3B-AEA3-9F381D6546DD}" type="datetimeFigureOut">
               <a:rPr lang="es-PE" smtClean="0"/>
-              <a:t>5/05/2024</a:t>
+              <a:t>7/05/2024</a:t>
             </a:fld>
             <a:endParaRPr lang="es-PE"/>
           </a:p>
@@ -3178,7 +4273,7 @@
           <a:p>
             <a:fld id="{BA5DFCED-42BD-4F3B-AEA3-9F381D6546DD}" type="datetimeFigureOut">
               <a:rPr lang="es-PE" smtClean="0"/>
-              <a:t>5/05/2024</a:t>
+              <a:t>7/05/2024</a:t>
             </a:fld>
             <a:endParaRPr lang="es-PE"/>
           </a:p>
@@ -3421,7 +4516,7 @@
           <a:p>
             <a:fld id="{BA5DFCED-42BD-4F3B-AEA3-9F381D6546DD}" type="datetimeFigureOut">
               <a:rPr lang="es-PE" smtClean="0"/>
-              <a:t>5/05/2024</a:t>
+              <a:t>7/05/2024</a:t>
             </a:fld>
             <a:endParaRPr lang="es-PE"/>
           </a:p>
@@ -3920,6 +5015,843 @@
       </p:grpSpPr>
       <p:pic>
         <p:nvPicPr>
+          <p:cNvPr id="3" name="Imagen 2">
+            <a:extLst>
+              <a:ext uri="{FF2B5EF4-FFF2-40B4-BE49-F238E27FC236}">
+                <a16:creationId xmlns:a16="http://schemas.microsoft.com/office/drawing/2014/main" id="{8957E0EF-3A99-E457-972F-3903A949EFF3}"/>
+              </a:ext>
+            </a:extLst>
+          </p:cNvPr>
+          <p:cNvPicPr>
+            <a:picLocks noChangeAspect="1"/>
+          </p:cNvPicPr>
+          <p:nvPr/>
+        </p:nvPicPr>
+        <p:blipFill>
+          <a:blip r:embed="rId3"/>
+          <a:stretch>
+            <a:fillRect/>
+          </a:stretch>
+        </p:blipFill>
+        <p:spPr>
+          <a:xfrm>
+            <a:off x="342304" y="0"/>
+            <a:ext cx="5411391" cy="6858000"/>
+          </a:xfrm>
+          <a:prstGeom prst="rect">
+            <a:avLst/>
+          </a:prstGeom>
+        </p:spPr>
+      </p:pic>
+      <p:pic>
+        <p:nvPicPr>
+          <p:cNvPr id="5" name="Imagen 4">
+            <a:extLst>
+              <a:ext uri="{FF2B5EF4-FFF2-40B4-BE49-F238E27FC236}">
+                <a16:creationId xmlns:a16="http://schemas.microsoft.com/office/drawing/2014/main" id="{9EBB5C92-84F6-5A1E-23F0-947E26B5A096}"/>
+              </a:ext>
+            </a:extLst>
+          </p:cNvPr>
+          <p:cNvPicPr>
+            <a:picLocks noChangeAspect="1"/>
+          </p:cNvPicPr>
+          <p:nvPr/>
+        </p:nvPicPr>
+        <p:blipFill>
+          <a:blip r:embed="rId4"/>
+          <a:stretch>
+            <a:fillRect/>
+          </a:stretch>
+        </p:blipFill>
+        <p:spPr>
+          <a:xfrm>
+            <a:off x="6438307" y="0"/>
+            <a:ext cx="5287503" cy="6820852"/>
+          </a:xfrm>
+          <a:prstGeom prst="rect">
+            <a:avLst/>
+          </a:prstGeom>
+        </p:spPr>
+      </p:pic>
+      <mc:AlternateContent xmlns:mc="http://schemas.openxmlformats.org/markup-compatibility/2006" xmlns:p14="http://schemas.microsoft.com/office/powerpoint/2010/main">
+        <mc:Choice Requires="p14">
+          <p:contentPart p14:bwMode="auto" r:id="rId5">
+            <p14:nvContentPartPr>
+              <p14:cNvPr id="6" name="Entrada de lápiz 5">
+                <a:extLst>
+                  <a:ext uri="{FF2B5EF4-FFF2-40B4-BE49-F238E27FC236}">
+                    <a16:creationId xmlns:a16="http://schemas.microsoft.com/office/drawing/2014/main" id="{D79BB0BB-6CBD-ABFD-AE89-688246A29CB9}"/>
+                  </a:ext>
+                </a:extLst>
+              </p14:cNvPr>
+              <p14:cNvContentPartPr/>
+              <p14:nvPr/>
+            </p14:nvContentPartPr>
+            <p14:xfrm>
+              <a:off x="2265760" y="101000"/>
+              <a:ext cx="2885400" cy="62280"/>
+            </p14:xfrm>
+          </p:contentPart>
+        </mc:Choice>
+        <mc:Fallback xmlns="">
+          <p:pic>
+            <p:nvPicPr>
+              <p:cNvPr id="6" name="Entrada de lápiz 5">
+                <a:extLst>
+                  <a:ext uri="{FF2B5EF4-FFF2-40B4-BE49-F238E27FC236}">
+                    <a16:creationId xmlns:a16="http://schemas.microsoft.com/office/drawing/2014/main" id="{D79BB0BB-6CBD-ABFD-AE89-688246A29CB9}"/>
+                  </a:ext>
+                </a:extLst>
+              </p:cNvPr>
+              <p:cNvPicPr/>
+              <p:nvPr/>
+            </p:nvPicPr>
+            <p:blipFill>
+              <a:blip r:embed="rId6"/>
+              <a:stretch>
+                <a:fillRect/>
+              </a:stretch>
+            </p:blipFill>
+            <p:spPr>
+              <a:xfrm>
+                <a:off x="2211760" y="-7000"/>
+                <a:ext cx="2993040" cy="277920"/>
+              </a:xfrm>
+              <a:prstGeom prst="rect">
+                <a:avLst/>
+              </a:prstGeom>
+            </p:spPr>
+          </p:pic>
+        </mc:Fallback>
+      </mc:AlternateContent>
+    </p:spTree>
+    <p:extLst>
+      <p:ext uri="{BB962C8B-B14F-4D97-AF65-F5344CB8AC3E}">
+        <p14:creationId xmlns:p14="http://schemas.microsoft.com/office/powerpoint/2010/main" val="525905002"/>
+      </p:ext>
+    </p:extLst>
+  </p:cSld>
+  <p:clrMapOvr>
+    <a:masterClrMapping/>
+  </p:clrMapOvr>
+</p:sld>
+</file>
+
+<file path=ppt/slides/slide11.xml><?xml version="1.0" encoding="utf-8"?>
+<p:sld xmlns:a="http://schemas.openxmlformats.org/drawingml/2006/main" xmlns:r="http://schemas.openxmlformats.org/officeDocument/2006/relationships" xmlns:p="http://schemas.openxmlformats.org/presentationml/2006/main">
+  <p:cSld>
+    <p:spTree>
+      <p:nvGrpSpPr>
+        <p:cNvPr id="1" name=""/>
+        <p:cNvGrpSpPr/>
+        <p:nvPr/>
+      </p:nvGrpSpPr>
+      <p:grpSpPr>
+        <a:xfrm>
+          <a:off x="0" y="0"/>
+          <a:ext cx="0" cy="0"/>
+          <a:chOff x="0" y="0"/>
+          <a:chExt cx="0" cy="0"/>
+        </a:xfrm>
+      </p:grpSpPr>
+      <p:pic>
+        <p:nvPicPr>
+          <p:cNvPr id="3" name="Imagen 2">
+            <a:extLst>
+              <a:ext uri="{FF2B5EF4-FFF2-40B4-BE49-F238E27FC236}">
+                <a16:creationId xmlns:a16="http://schemas.microsoft.com/office/drawing/2014/main" id="{A35DBBBA-52FE-6873-DDB9-A9CF13487C03}"/>
+              </a:ext>
+            </a:extLst>
+          </p:cNvPr>
+          <p:cNvPicPr>
+            <a:picLocks noChangeAspect="1"/>
+          </p:cNvPicPr>
+          <p:nvPr/>
+        </p:nvPicPr>
+        <p:blipFill>
+          <a:blip r:embed="rId2"/>
+          <a:stretch>
+            <a:fillRect/>
+          </a:stretch>
+        </p:blipFill>
+        <p:spPr>
+          <a:xfrm>
+            <a:off x="178135" y="0"/>
+            <a:ext cx="5765465" cy="6858000"/>
+          </a:xfrm>
+          <a:prstGeom prst="rect">
+            <a:avLst/>
+          </a:prstGeom>
+        </p:spPr>
+      </p:pic>
+      <p:pic>
+        <p:nvPicPr>
+          <p:cNvPr id="5" name="Imagen 4">
+            <a:extLst>
+              <a:ext uri="{FF2B5EF4-FFF2-40B4-BE49-F238E27FC236}">
+                <a16:creationId xmlns:a16="http://schemas.microsoft.com/office/drawing/2014/main" id="{4D8D0032-05F5-42C2-F1A9-13CC30AEB38D}"/>
+              </a:ext>
+            </a:extLst>
+          </p:cNvPr>
+          <p:cNvPicPr>
+            <a:picLocks noChangeAspect="1"/>
+          </p:cNvPicPr>
+          <p:nvPr/>
+        </p:nvPicPr>
+        <p:blipFill>
+          <a:blip r:embed="rId3"/>
+          <a:stretch>
+            <a:fillRect/>
+          </a:stretch>
+        </p:blipFill>
+        <p:spPr>
+          <a:xfrm>
+            <a:off x="6319521" y="0"/>
+            <a:ext cx="5765466" cy="6849431"/>
+          </a:xfrm>
+          <a:prstGeom prst="rect">
+            <a:avLst/>
+          </a:prstGeom>
+        </p:spPr>
+      </p:pic>
+      <mc:AlternateContent xmlns:mc="http://schemas.openxmlformats.org/markup-compatibility/2006" xmlns:p14="http://schemas.microsoft.com/office/powerpoint/2010/main">
+        <mc:Choice Requires="p14">
+          <p:contentPart p14:bwMode="auto" r:id="rId4">
+            <p14:nvContentPartPr>
+              <p14:cNvPr id="6" name="Entrada de lápiz 5">
+                <a:extLst>
+                  <a:ext uri="{FF2B5EF4-FFF2-40B4-BE49-F238E27FC236}">
+                    <a16:creationId xmlns:a16="http://schemas.microsoft.com/office/drawing/2014/main" id="{C81D3E5F-688F-75AD-DBBE-EAC1F535EB3B}"/>
+                  </a:ext>
+                </a:extLst>
+              </p14:cNvPr>
+              <p14:cNvContentPartPr/>
+              <p14:nvPr/>
+            </p14:nvContentPartPr>
+            <p14:xfrm>
+              <a:off x="386000" y="263360"/>
+              <a:ext cx="4349160" cy="52920"/>
+            </p14:xfrm>
+          </p:contentPart>
+        </mc:Choice>
+        <mc:Fallback xmlns="">
+          <p:pic>
+            <p:nvPicPr>
+              <p:cNvPr id="6" name="Entrada de lápiz 5">
+                <a:extLst>
+                  <a:ext uri="{FF2B5EF4-FFF2-40B4-BE49-F238E27FC236}">
+                    <a16:creationId xmlns:a16="http://schemas.microsoft.com/office/drawing/2014/main" id="{C81D3E5F-688F-75AD-DBBE-EAC1F535EB3B}"/>
+                  </a:ext>
+                </a:extLst>
+              </p:cNvPr>
+              <p:cNvPicPr/>
+              <p:nvPr/>
+            </p:nvPicPr>
+            <p:blipFill>
+              <a:blip r:embed="rId5"/>
+              <a:stretch>
+                <a:fillRect/>
+              </a:stretch>
+            </p:blipFill>
+            <p:spPr>
+              <a:xfrm>
+                <a:off x="332360" y="155720"/>
+                <a:ext cx="4456800" cy="268560"/>
+              </a:xfrm>
+              <a:prstGeom prst="rect">
+                <a:avLst/>
+              </a:prstGeom>
+            </p:spPr>
+          </p:pic>
+        </mc:Fallback>
+      </mc:AlternateContent>
+      <mc:AlternateContent xmlns:mc="http://schemas.openxmlformats.org/markup-compatibility/2006" xmlns:p14="http://schemas.microsoft.com/office/powerpoint/2010/main">
+        <mc:Choice Requires="p14">
+          <p:contentPart p14:bwMode="auto" r:id="rId6">
+            <p14:nvContentPartPr>
+              <p14:cNvPr id="7" name="Entrada de lápiz 6">
+                <a:extLst>
+                  <a:ext uri="{FF2B5EF4-FFF2-40B4-BE49-F238E27FC236}">
+                    <a16:creationId xmlns:a16="http://schemas.microsoft.com/office/drawing/2014/main" id="{7E62FC09-9B73-C930-AB23-ED05AB8AE74F}"/>
+                  </a:ext>
+                </a:extLst>
+              </p14:cNvPr>
+              <p14:cNvContentPartPr/>
+              <p14:nvPr/>
+            </p14:nvContentPartPr>
+            <p14:xfrm>
+              <a:off x="7243640" y="5201840"/>
+              <a:ext cx="4373280" cy="51480"/>
+            </p14:xfrm>
+          </p:contentPart>
+        </mc:Choice>
+        <mc:Fallback xmlns="">
+          <p:pic>
+            <p:nvPicPr>
+              <p:cNvPr id="7" name="Entrada de lápiz 6">
+                <a:extLst>
+                  <a:ext uri="{FF2B5EF4-FFF2-40B4-BE49-F238E27FC236}">
+                    <a16:creationId xmlns:a16="http://schemas.microsoft.com/office/drawing/2014/main" id="{7E62FC09-9B73-C930-AB23-ED05AB8AE74F}"/>
+                  </a:ext>
+                </a:extLst>
+              </p:cNvPr>
+              <p:cNvPicPr/>
+              <p:nvPr/>
+            </p:nvPicPr>
+            <p:blipFill>
+              <a:blip r:embed="rId7"/>
+              <a:stretch>
+                <a:fillRect/>
+              </a:stretch>
+            </p:blipFill>
+            <p:spPr>
+              <a:xfrm>
+                <a:off x="7190000" y="5093840"/>
+                <a:ext cx="4480920" cy="267120"/>
+              </a:xfrm>
+              <a:prstGeom prst="rect">
+                <a:avLst/>
+              </a:prstGeom>
+            </p:spPr>
+          </p:pic>
+        </mc:Fallback>
+      </mc:AlternateContent>
+    </p:spTree>
+    <p:extLst>
+      <p:ext uri="{BB962C8B-B14F-4D97-AF65-F5344CB8AC3E}">
+        <p14:creationId xmlns:p14="http://schemas.microsoft.com/office/powerpoint/2010/main" val="3821183054"/>
+      </p:ext>
+    </p:extLst>
+  </p:cSld>
+  <p:clrMapOvr>
+    <a:masterClrMapping/>
+  </p:clrMapOvr>
+</p:sld>
+</file>
+
+<file path=ppt/slides/slide12.xml><?xml version="1.0" encoding="utf-8"?>
+<p:sld xmlns:a="http://schemas.openxmlformats.org/drawingml/2006/main" xmlns:r="http://schemas.openxmlformats.org/officeDocument/2006/relationships" xmlns:p="http://schemas.openxmlformats.org/presentationml/2006/main">
+  <p:cSld>
+    <p:spTree>
+      <p:nvGrpSpPr>
+        <p:cNvPr id="1" name=""/>
+        <p:cNvGrpSpPr/>
+        <p:nvPr/>
+      </p:nvGrpSpPr>
+      <p:grpSpPr>
+        <a:xfrm>
+          <a:off x="0" y="0"/>
+          <a:ext cx="0" cy="0"/>
+          <a:chOff x="0" y="0"/>
+          <a:chExt cx="0" cy="0"/>
+        </a:xfrm>
+      </p:grpSpPr>
+      <p:pic>
+        <p:nvPicPr>
+          <p:cNvPr id="3" name="Imagen 2">
+            <a:extLst>
+              <a:ext uri="{FF2B5EF4-FFF2-40B4-BE49-F238E27FC236}">
+                <a16:creationId xmlns:a16="http://schemas.microsoft.com/office/drawing/2014/main" id="{1E3DA257-E7ED-C321-FBD9-1F4978F6202C}"/>
+              </a:ext>
+            </a:extLst>
+          </p:cNvPr>
+          <p:cNvPicPr>
+            <a:picLocks noChangeAspect="1"/>
+          </p:cNvPicPr>
+          <p:nvPr/>
+        </p:nvPicPr>
+        <p:blipFill>
+          <a:blip r:embed="rId2"/>
+          <a:stretch>
+            <a:fillRect/>
+          </a:stretch>
+        </p:blipFill>
+        <p:spPr>
+          <a:xfrm>
+            <a:off x="0" y="0"/>
+            <a:ext cx="5487166" cy="6773220"/>
+          </a:xfrm>
+          <a:prstGeom prst="rect">
+            <a:avLst/>
+          </a:prstGeom>
+        </p:spPr>
+      </p:pic>
+      <p:pic>
+        <p:nvPicPr>
+          <p:cNvPr id="5" name="Imagen 4">
+            <a:extLst>
+              <a:ext uri="{FF2B5EF4-FFF2-40B4-BE49-F238E27FC236}">
+                <a16:creationId xmlns:a16="http://schemas.microsoft.com/office/drawing/2014/main" id="{02FA29EA-502E-6F93-9823-238EA6F9B2D7}"/>
+              </a:ext>
+            </a:extLst>
+          </p:cNvPr>
+          <p:cNvPicPr>
+            <a:picLocks noChangeAspect="1"/>
+          </p:cNvPicPr>
+          <p:nvPr/>
+        </p:nvPicPr>
+        <p:blipFill>
+          <a:blip r:embed="rId3"/>
+          <a:stretch>
+            <a:fillRect/>
+          </a:stretch>
+        </p:blipFill>
+        <p:spPr>
+          <a:xfrm>
+            <a:off x="6096000" y="0"/>
+            <a:ext cx="5934808" cy="6858000"/>
+          </a:xfrm>
+          <a:prstGeom prst="rect">
+            <a:avLst/>
+          </a:prstGeom>
+        </p:spPr>
+      </p:pic>
+      <mc:AlternateContent xmlns:mc="http://schemas.openxmlformats.org/markup-compatibility/2006" xmlns:p14="http://schemas.microsoft.com/office/powerpoint/2010/main">
+        <mc:Choice Requires="p14">
+          <p:contentPart p14:bwMode="auto" r:id="rId4">
+            <p14:nvContentPartPr>
+              <p14:cNvPr id="6" name="Entrada de lápiz 5">
+                <a:extLst>
+                  <a:ext uri="{FF2B5EF4-FFF2-40B4-BE49-F238E27FC236}">
+                    <a16:creationId xmlns:a16="http://schemas.microsoft.com/office/drawing/2014/main" id="{48D4E2A9-3635-9481-EA07-7897E364B066}"/>
+                  </a:ext>
+                </a:extLst>
+              </p14:cNvPr>
+              <p14:cNvContentPartPr/>
+              <p14:nvPr/>
+            </p14:nvContentPartPr>
+            <p14:xfrm>
+              <a:off x="162440" y="232760"/>
+              <a:ext cx="4100040" cy="11160"/>
+            </p14:xfrm>
+          </p:contentPart>
+        </mc:Choice>
+        <mc:Fallback xmlns="">
+          <p:pic>
+            <p:nvPicPr>
+              <p:cNvPr id="6" name="Entrada de lápiz 5">
+                <a:extLst>
+                  <a:ext uri="{FF2B5EF4-FFF2-40B4-BE49-F238E27FC236}">
+                    <a16:creationId xmlns:a16="http://schemas.microsoft.com/office/drawing/2014/main" id="{48D4E2A9-3635-9481-EA07-7897E364B066}"/>
+                  </a:ext>
+                </a:extLst>
+              </p:cNvPr>
+              <p:cNvPicPr/>
+              <p:nvPr/>
+            </p:nvPicPr>
+            <p:blipFill>
+              <a:blip r:embed="rId5"/>
+              <a:stretch>
+                <a:fillRect/>
+              </a:stretch>
+            </p:blipFill>
+            <p:spPr>
+              <a:xfrm>
+                <a:off x="108440" y="125120"/>
+                <a:ext cx="4207680" cy="226800"/>
+              </a:xfrm>
+              <a:prstGeom prst="rect">
+                <a:avLst/>
+              </a:prstGeom>
+            </p:spPr>
+          </p:pic>
+        </mc:Fallback>
+      </mc:AlternateContent>
+    </p:spTree>
+    <p:extLst>
+      <p:ext uri="{BB962C8B-B14F-4D97-AF65-F5344CB8AC3E}">
+        <p14:creationId xmlns:p14="http://schemas.microsoft.com/office/powerpoint/2010/main" val="451876124"/>
+      </p:ext>
+    </p:extLst>
+  </p:cSld>
+  <p:clrMapOvr>
+    <a:masterClrMapping/>
+  </p:clrMapOvr>
+</p:sld>
+</file>
+
+<file path=ppt/slides/slide13.xml><?xml version="1.0" encoding="utf-8"?>
+<p:sld xmlns:a="http://schemas.openxmlformats.org/drawingml/2006/main" xmlns:r="http://schemas.openxmlformats.org/officeDocument/2006/relationships" xmlns:p="http://schemas.openxmlformats.org/presentationml/2006/main">
+  <p:cSld>
+    <p:spTree>
+      <p:nvGrpSpPr>
+        <p:cNvPr id="1" name=""/>
+        <p:cNvGrpSpPr/>
+        <p:nvPr/>
+      </p:nvGrpSpPr>
+      <p:grpSpPr>
+        <a:xfrm>
+          <a:off x="0" y="0"/>
+          <a:ext cx="0" cy="0"/>
+          <a:chOff x="0" y="0"/>
+          <a:chExt cx="0" cy="0"/>
+        </a:xfrm>
+      </p:grpSpPr>
+      <p:pic>
+        <p:nvPicPr>
+          <p:cNvPr id="3" name="Imagen 2">
+            <a:extLst>
+              <a:ext uri="{FF2B5EF4-FFF2-40B4-BE49-F238E27FC236}">
+                <a16:creationId xmlns:a16="http://schemas.microsoft.com/office/drawing/2014/main" id="{394B172F-09DB-F6C2-BFF4-3E97A0F89E93}"/>
+              </a:ext>
+            </a:extLst>
+          </p:cNvPr>
+          <p:cNvPicPr>
+            <a:picLocks noChangeAspect="1"/>
+          </p:cNvPicPr>
+          <p:nvPr/>
+        </p:nvPicPr>
+        <p:blipFill>
+          <a:blip r:embed="rId2"/>
+          <a:stretch>
+            <a:fillRect/>
+          </a:stretch>
+        </p:blipFill>
+        <p:spPr>
+          <a:xfrm>
+            <a:off x="98576" y="247861"/>
+            <a:ext cx="6935168" cy="6077798"/>
+          </a:xfrm>
+          <a:prstGeom prst="rect">
+            <a:avLst/>
+          </a:prstGeom>
+        </p:spPr>
+      </p:pic>
+      <mc:AlternateContent xmlns:mc="http://schemas.openxmlformats.org/markup-compatibility/2006" xmlns:p14="http://schemas.microsoft.com/office/powerpoint/2010/main">
+        <mc:Choice Requires="p14">
+          <p:contentPart p14:bwMode="auto" r:id="rId3">
+            <p14:nvContentPartPr>
+              <p14:cNvPr id="5" name="Entrada de lápiz 4">
+                <a:extLst>
+                  <a:ext uri="{FF2B5EF4-FFF2-40B4-BE49-F238E27FC236}">
+                    <a16:creationId xmlns:a16="http://schemas.microsoft.com/office/drawing/2014/main" id="{00163FA1-D6AE-E063-7CB7-A4EF0A37FB2F}"/>
+                  </a:ext>
+                </a:extLst>
+              </p14:cNvPr>
+              <p14:cNvContentPartPr/>
+              <p14:nvPr/>
+            </p14:nvContentPartPr>
+            <p14:xfrm>
+              <a:off x="893960" y="4844720"/>
+              <a:ext cx="6010200" cy="113760"/>
+            </p14:xfrm>
+          </p:contentPart>
+        </mc:Choice>
+        <mc:Fallback xmlns="">
+          <p:pic>
+            <p:nvPicPr>
+              <p:cNvPr id="5" name="Entrada de lápiz 4">
+                <a:extLst>
+                  <a:ext uri="{FF2B5EF4-FFF2-40B4-BE49-F238E27FC236}">
+                    <a16:creationId xmlns:a16="http://schemas.microsoft.com/office/drawing/2014/main" id="{00163FA1-D6AE-E063-7CB7-A4EF0A37FB2F}"/>
+                  </a:ext>
+                </a:extLst>
+              </p:cNvPr>
+              <p:cNvPicPr/>
+              <p:nvPr/>
+            </p:nvPicPr>
+            <p:blipFill>
+              <a:blip r:embed="rId4"/>
+              <a:stretch>
+                <a:fillRect/>
+              </a:stretch>
+            </p:blipFill>
+            <p:spPr>
+              <a:xfrm>
+                <a:off x="839960" y="4737080"/>
+                <a:ext cx="6117840" cy="329400"/>
+              </a:xfrm>
+              <a:prstGeom prst="rect">
+                <a:avLst/>
+              </a:prstGeom>
+            </p:spPr>
+          </p:pic>
+        </mc:Fallback>
+      </mc:AlternateContent>
+    </p:spTree>
+    <p:extLst>
+      <p:ext uri="{BB962C8B-B14F-4D97-AF65-F5344CB8AC3E}">
+        <p14:creationId xmlns:p14="http://schemas.microsoft.com/office/powerpoint/2010/main" val="2249843084"/>
+      </p:ext>
+    </p:extLst>
+  </p:cSld>
+  <p:clrMapOvr>
+    <a:masterClrMapping/>
+  </p:clrMapOvr>
+</p:sld>
+</file>
+
+<file path=ppt/slides/slide14.xml><?xml version="1.0" encoding="utf-8"?>
+<p:sld xmlns:a="http://schemas.openxmlformats.org/drawingml/2006/main" xmlns:r="http://schemas.openxmlformats.org/officeDocument/2006/relationships" xmlns:p="http://schemas.openxmlformats.org/presentationml/2006/main">
+  <p:cSld>
+    <p:spTree>
+      <p:nvGrpSpPr>
+        <p:cNvPr id="1" name=""/>
+        <p:cNvGrpSpPr/>
+        <p:nvPr/>
+      </p:nvGrpSpPr>
+      <p:grpSpPr>
+        <a:xfrm>
+          <a:off x="0" y="0"/>
+          <a:ext cx="0" cy="0"/>
+          <a:chOff x="0" y="0"/>
+          <a:chExt cx="0" cy="0"/>
+        </a:xfrm>
+      </p:grpSpPr>
+      <p:pic>
+        <p:nvPicPr>
+          <p:cNvPr id="3" name="Imagen 2">
+            <a:extLst>
+              <a:ext uri="{FF2B5EF4-FFF2-40B4-BE49-F238E27FC236}">
+                <a16:creationId xmlns:a16="http://schemas.microsoft.com/office/drawing/2014/main" id="{D7DE2345-1AC2-0BFB-966F-9C6EAB28D0F2}"/>
+              </a:ext>
+            </a:extLst>
+          </p:cNvPr>
+          <p:cNvPicPr>
+            <a:picLocks noChangeAspect="1"/>
+          </p:cNvPicPr>
+          <p:nvPr/>
+        </p:nvPicPr>
+        <p:blipFill>
+          <a:blip r:embed="rId2"/>
+          <a:stretch>
+            <a:fillRect/>
+          </a:stretch>
+        </p:blipFill>
+        <p:spPr>
+          <a:xfrm>
+            <a:off x="359373" y="0"/>
+            <a:ext cx="4930213" cy="6858000"/>
+          </a:xfrm>
+          <a:prstGeom prst="rect">
+            <a:avLst/>
+          </a:prstGeom>
+        </p:spPr>
+      </p:pic>
+      <p:pic>
+        <p:nvPicPr>
+          <p:cNvPr id="5" name="Imagen 4">
+            <a:extLst>
+              <a:ext uri="{FF2B5EF4-FFF2-40B4-BE49-F238E27FC236}">
+                <a16:creationId xmlns:a16="http://schemas.microsoft.com/office/drawing/2014/main" id="{CAF6A121-92BE-04AF-B8D5-A06EAD30A30B}"/>
+              </a:ext>
+            </a:extLst>
+          </p:cNvPr>
+          <p:cNvPicPr>
+            <a:picLocks noChangeAspect="1"/>
+          </p:cNvPicPr>
+          <p:nvPr/>
+        </p:nvPicPr>
+        <p:blipFill>
+          <a:blip r:embed="rId3"/>
+          <a:stretch>
+            <a:fillRect/>
+          </a:stretch>
+        </p:blipFill>
+        <p:spPr>
+          <a:xfrm>
+            <a:off x="5738743" y="0"/>
+            <a:ext cx="6282194" cy="6858000"/>
+          </a:xfrm>
+          <a:prstGeom prst="rect">
+            <a:avLst/>
+          </a:prstGeom>
+        </p:spPr>
+      </p:pic>
+      <mc:AlternateContent xmlns:mc="http://schemas.openxmlformats.org/markup-compatibility/2006">
+        <mc:Choice xmlns:p14="http://schemas.microsoft.com/office/powerpoint/2010/main" Requires="p14">
+          <p:contentPart p14:bwMode="auto" r:id="rId4">
+            <p14:nvContentPartPr>
+              <p14:cNvPr id="6" name="Entrada de lápiz 5">
+                <a:extLst>
+                  <a:ext uri="{FF2B5EF4-FFF2-40B4-BE49-F238E27FC236}">
+                    <a16:creationId xmlns:a16="http://schemas.microsoft.com/office/drawing/2014/main" id="{0F21C026-198A-28A8-3189-70B59855EC5A}"/>
+                  </a:ext>
+                </a:extLst>
+              </p14:cNvPr>
+              <p14:cNvContentPartPr/>
+              <p14:nvPr/>
+            </p14:nvContentPartPr>
+            <p14:xfrm>
+              <a:off x="604520" y="243560"/>
+              <a:ext cx="3246840" cy="34920"/>
+            </p14:xfrm>
+          </p:contentPart>
+        </mc:Choice>
+        <mc:Fallback>
+          <p:pic>
+            <p:nvPicPr>
+              <p:cNvPr id="6" name="Entrada de lápiz 5">
+                <a:extLst>
+                  <a:ext uri="{FF2B5EF4-FFF2-40B4-BE49-F238E27FC236}">
+                    <a16:creationId xmlns:a16="http://schemas.microsoft.com/office/drawing/2014/main" id="{0F21C026-198A-28A8-3189-70B59855EC5A}"/>
+                  </a:ext>
+                </a:extLst>
+              </p:cNvPr>
+              <p:cNvPicPr/>
+              <p:nvPr/>
+            </p:nvPicPr>
+            <p:blipFill>
+              <a:blip r:embed="rId5"/>
+              <a:stretch>
+                <a:fillRect/>
+              </a:stretch>
+            </p:blipFill>
+            <p:spPr>
+              <a:xfrm>
+                <a:off x="550520" y="135920"/>
+                <a:ext cx="3354480" cy="250560"/>
+              </a:xfrm>
+              <a:prstGeom prst="rect">
+                <a:avLst/>
+              </a:prstGeom>
+            </p:spPr>
+          </p:pic>
+        </mc:Fallback>
+      </mc:AlternateContent>
+    </p:spTree>
+    <p:extLst>
+      <p:ext uri="{BB962C8B-B14F-4D97-AF65-F5344CB8AC3E}">
+        <p14:creationId xmlns:p14="http://schemas.microsoft.com/office/powerpoint/2010/main" val="3493595863"/>
+      </p:ext>
+    </p:extLst>
+  </p:cSld>
+  <p:clrMapOvr>
+    <a:masterClrMapping/>
+  </p:clrMapOvr>
+</p:sld>
+</file>
+
+<file path=ppt/slides/slide15.xml><?xml version="1.0" encoding="utf-8"?>
+<p:sld xmlns:a="http://schemas.openxmlformats.org/drawingml/2006/main" xmlns:r="http://schemas.openxmlformats.org/officeDocument/2006/relationships" xmlns:p="http://schemas.openxmlformats.org/presentationml/2006/main">
+  <p:cSld>
+    <p:spTree>
+      <p:nvGrpSpPr>
+        <p:cNvPr id="1" name=""/>
+        <p:cNvGrpSpPr/>
+        <p:nvPr/>
+      </p:nvGrpSpPr>
+      <p:grpSpPr>
+        <a:xfrm>
+          <a:off x="0" y="0"/>
+          <a:ext cx="0" cy="0"/>
+          <a:chOff x="0" y="0"/>
+          <a:chExt cx="0" cy="0"/>
+        </a:xfrm>
+      </p:grpSpPr>
+      <p:pic>
+        <p:nvPicPr>
+          <p:cNvPr id="3" name="Imagen 2">
+            <a:extLst>
+              <a:ext uri="{FF2B5EF4-FFF2-40B4-BE49-F238E27FC236}">
+                <a16:creationId xmlns:a16="http://schemas.microsoft.com/office/drawing/2014/main" id="{E2C8612B-60B7-6EFF-138B-CEEC28AF5BE1}"/>
+              </a:ext>
+            </a:extLst>
+          </p:cNvPr>
+          <p:cNvPicPr>
+            <a:picLocks noChangeAspect="1"/>
+          </p:cNvPicPr>
+          <p:nvPr/>
+        </p:nvPicPr>
+        <p:blipFill>
+          <a:blip r:embed="rId2"/>
+          <a:stretch>
+            <a:fillRect/>
+          </a:stretch>
+        </p:blipFill>
+        <p:spPr>
+          <a:xfrm>
+            <a:off x="335075" y="0"/>
+            <a:ext cx="7478169" cy="6792273"/>
+          </a:xfrm>
+          <a:prstGeom prst="rect">
+            <a:avLst/>
+          </a:prstGeom>
+        </p:spPr>
+      </p:pic>
+      <mc:AlternateContent xmlns:mc="http://schemas.openxmlformats.org/markup-compatibility/2006">
+        <mc:Choice xmlns:p14="http://schemas.microsoft.com/office/powerpoint/2010/main" Requires="p14">
+          <p:contentPart p14:bwMode="auto" r:id="rId3">
+            <p14:nvContentPartPr>
+              <p14:cNvPr id="5" name="Entrada de lápiz 4">
+                <a:extLst>
+                  <a:ext uri="{FF2B5EF4-FFF2-40B4-BE49-F238E27FC236}">
+                    <a16:creationId xmlns:a16="http://schemas.microsoft.com/office/drawing/2014/main" id="{BCDCE5BB-A013-7367-203E-C99041A36420}"/>
+                  </a:ext>
+                </a:extLst>
+              </p14:cNvPr>
+              <p14:cNvContentPartPr/>
+              <p14:nvPr/>
+            </p14:nvContentPartPr>
+            <p14:xfrm>
+              <a:off x="1067120" y="5209760"/>
+              <a:ext cx="6847560" cy="94680"/>
+            </p14:xfrm>
+          </p:contentPart>
+        </mc:Choice>
+        <mc:Fallback>
+          <p:pic>
+            <p:nvPicPr>
+              <p:cNvPr id="5" name="Entrada de lápiz 4">
+                <a:extLst>
+                  <a:ext uri="{FF2B5EF4-FFF2-40B4-BE49-F238E27FC236}">
+                    <a16:creationId xmlns:a16="http://schemas.microsoft.com/office/drawing/2014/main" id="{BCDCE5BB-A013-7367-203E-C99041A36420}"/>
+                  </a:ext>
+                </a:extLst>
+              </p:cNvPr>
+              <p:cNvPicPr/>
+              <p:nvPr/>
+            </p:nvPicPr>
+            <p:blipFill>
+              <a:blip r:embed="rId4"/>
+              <a:stretch>
+                <a:fillRect/>
+              </a:stretch>
+            </p:blipFill>
+            <p:spPr>
+              <a:xfrm>
+                <a:off x="1013480" y="5102120"/>
+                <a:ext cx="6955200" cy="310320"/>
+              </a:xfrm>
+              <a:prstGeom prst="rect">
+                <a:avLst/>
+              </a:prstGeom>
+            </p:spPr>
+          </p:pic>
+        </mc:Fallback>
+      </mc:AlternateContent>
+    </p:spTree>
+    <p:extLst>
+      <p:ext uri="{BB962C8B-B14F-4D97-AF65-F5344CB8AC3E}">
+        <p14:creationId xmlns:p14="http://schemas.microsoft.com/office/powerpoint/2010/main" val="797178808"/>
+      </p:ext>
+    </p:extLst>
+  </p:cSld>
+  <p:clrMapOvr>
+    <a:masterClrMapping/>
+  </p:clrMapOvr>
+</p:sld>
+</file>
+
+<file path=ppt/slides/slide16.xml><?xml version="1.0" encoding="utf-8"?>
+<p:sld xmlns:a="http://schemas.openxmlformats.org/drawingml/2006/main" xmlns:r="http://schemas.openxmlformats.org/officeDocument/2006/relationships" xmlns:p="http://schemas.openxmlformats.org/presentationml/2006/main">
+  <p:cSld>
+    <p:spTree>
+      <p:nvGrpSpPr>
+        <p:cNvPr id="1" name=""/>
+        <p:cNvGrpSpPr/>
+        <p:nvPr/>
+      </p:nvGrpSpPr>
+      <p:grpSpPr>
+        <a:xfrm>
+          <a:off x="0" y="0"/>
+          <a:ext cx="0" cy="0"/>
+          <a:chOff x="0" y="0"/>
+          <a:chExt cx="0" cy="0"/>
+        </a:xfrm>
+      </p:grpSpPr>
+      <p:pic>
+        <p:nvPicPr>
           <p:cNvPr id="5" name="Imagen 4">
             <a:extLst>
               <a:ext uri="{FF2B5EF4-FFF2-40B4-BE49-F238E27FC236}">
@@ -3978,8 +5910,8 @@
           </a:prstGeom>
         </p:spPr>
       </p:pic>
-      <mc:AlternateContent xmlns:mc="http://schemas.openxmlformats.org/markup-compatibility/2006">
-        <mc:Choice xmlns:p14="http://schemas.microsoft.com/office/powerpoint/2010/main" Requires="p14">
+      <mc:AlternateContent xmlns:mc="http://schemas.openxmlformats.org/markup-compatibility/2006" xmlns:p14="http://schemas.microsoft.com/office/powerpoint/2010/main">
+        <mc:Choice Requires="p14">
           <p:contentPart p14:bwMode="auto" r:id="rId4">
             <p14:nvContentPartPr>
               <p14:cNvPr id="9" name="Entrada de lápiz 8">
@@ -3998,7 +5930,7 @@
             </p14:xfrm>
           </p:contentPart>
         </mc:Choice>
-        <mc:Fallback>
+        <mc:Fallback xmlns="">
           <p:pic>
             <p:nvPicPr>
               <p:cNvPr id="9" name="Entrada de lápiz 8">
@@ -4029,6 +5961,57 @@
           </p:pic>
         </mc:Fallback>
       </mc:AlternateContent>
+      <mc:AlternateContent xmlns:mc="http://schemas.openxmlformats.org/markup-compatibility/2006" xmlns:p14="http://schemas.microsoft.com/office/powerpoint/2010/main">
+        <mc:Choice Requires="p14">
+          <p:contentPart p14:bwMode="auto" r:id="rId6">
+            <p14:nvContentPartPr>
+              <p14:cNvPr id="2" name="Entrada de lápiz 1">
+                <a:extLst>
+                  <a:ext uri="{FF2B5EF4-FFF2-40B4-BE49-F238E27FC236}">
+                    <a16:creationId xmlns:a16="http://schemas.microsoft.com/office/drawing/2014/main" id="{C6442F49-7836-1E13-EDFC-D0EDE7AF4D9C}"/>
+                  </a:ext>
+                </a:extLst>
+              </p14:cNvPr>
+              <p14:cNvContentPartPr/>
+              <p14:nvPr/>
+            </p14:nvContentPartPr>
+            <p14:xfrm>
+              <a:off x="7001360" y="4206080"/>
+              <a:ext cx="2772720" cy="51840"/>
+            </p14:xfrm>
+          </p:contentPart>
+        </mc:Choice>
+        <mc:Fallback xmlns="">
+          <p:pic>
+            <p:nvPicPr>
+              <p:cNvPr id="2" name="Entrada de lápiz 1">
+                <a:extLst>
+                  <a:ext uri="{FF2B5EF4-FFF2-40B4-BE49-F238E27FC236}">
+                    <a16:creationId xmlns:a16="http://schemas.microsoft.com/office/drawing/2014/main" id="{C6442F49-7836-1E13-EDFC-D0EDE7AF4D9C}"/>
+                  </a:ext>
+                </a:extLst>
+              </p:cNvPr>
+              <p:cNvPicPr/>
+              <p:nvPr/>
+            </p:nvPicPr>
+            <p:blipFill>
+              <a:blip r:embed="rId7"/>
+              <a:stretch>
+                <a:fillRect/>
+              </a:stretch>
+            </p:blipFill>
+            <p:spPr>
+              <a:xfrm>
+                <a:off x="6947720" y="4098440"/>
+                <a:ext cx="2880360" cy="267480"/>
+              </a:xfrm>
+              <a:prstGeom prst="rect">
+                <a:avLst/>
+              </a:prstGeom>
+            </p:spPr>
+          </p:pic>
+        </mc:Fallback>
+      </mc:AlternateContent>
     </p:spTree>
     <p:extLst>
       <p:ext uri="{BB962C8B-B14F-4D97-AF65-F5344CB8AC3E}">
@@ -4042,7 +6025,7 @@
 </p:sld>
 </file>
 
-<file path=ppt/slides/slide11.xml><?xml version="1.0" encoding="utf-8"?>
+<file path=ppt/slides/slide17.xml><?xml version="1.0" encoding="utf-8"?>
 <p:sld xmlns:a="http://schemas.openxmlformats.org/drawingml/2006/main" xmlns:r="http://schemas.openxmlformats.org/officeDocument/2006/relationships" xmlns:p="http://schemas.openxmlformats.org/presentationml/2006/main">
   <p:cSld>
     <p:spTree>
@@ -4089,8 +6072,8 @@
           </a:prstGeom>
         </p:spPr>
       </p:pic>
-      <mc:AlternateContent xmlns:mc="http://schemas.openxmlformats.org/markup-compatibility/2006">
-        <mc:Choice xmlns:p14="http://schemas.microsoft.com/office/powerpoint/2010/main" Requires="p14">
+      <mc:AlternateContent xmlns:mc="http://schemas.openxmlformats.org/markup-compatibility/2006" xmlns:p14="http://schemas.microsoft.com/office/powerpoint/2010/main">
+        <mc:Choice Requires="p14">
           <p:contentPart p14:bwMode="auto" r:id="rId3">
             <p14:nvContentPartPr>
               <p14:cNvPr id="4" name="Entrada de lápiz 3">
@@ -4109,7 +6092,7 @@
             </p14:xfrm>
           </p:contentPart>
         </mc:Choice>
-        <mc:Fallback>
+        <mc:Fallback xmlns="">
           <p:pic>
             <p:nvPicPr>
               <p:cNvPr id="4" name="Entrada de lápiz 3">
@@ -4140,6 +6123,108 @@
           </p:pic>
         </mc:Fallback>
       </mc:AlternateContent>
+      <mc:AlternateContent xmlns:mc="http://schemas.openxmlformats.org/markup-compatibility/2006" xmlns:p14="http://schemas.microsoft.com/office/powerpoint/2010/main">
+        <mc:Choice Requires="p14">
+          <p:contentPart p14:bwMode="auto" r:id="rId5">
+            <p14:nvContentPartPr>
+              <p14:cNvPr id="5" name="Entrada de lápiz 4">
+                <a:extLst>
+                  <a:ext uri="{FF2B5EF4-FFF2-40B4-BE49-F238E27FC236}">
+                    <a16:creationId xmlns:a16="http://schemas.microsoft.com/office/drawing/2014/main" id="{BEF96F7E-D563-DC80-7986-11F1A1A8FD74}"/>
+                  </a:ext>
+                </a:extLst>
+              </p14:cNvPr>
+              <p14:cNvContentPartPr/>
+              <p14:nvPr/>
+            </p14:nvContentPartPr>
+            <p14:xfrm>
+              <a:off x="1279880" y="4521080"/>
+              <a:ext cx="5009040" cy="72360"/>
+            </p14:xfrm>
+          </p:contentPart>
+        </mc:Choice>
+        <mc:Fallback xmlns="">
+          <p:pic>
+            <p:nvPicPr>
+              <p:cNvPr id="5" name="Entrada de lápiz 4">
+                <a:extLst>
+                  <a:ext uri="{FF2B5EF4-FFF2-40B4-BE49-F238E27FC236}">
+                    <a16:creationId xmlns:a16="http://schemas.microsoft.com/office/drawing/2014/main" id="{BEF96F7E-D563-DC80-7986-11F1A1A8FD74}"/>
+                  </a:ext>
+                </a:extLst>
+              </p:cNvPr>
+              <p:cNvPicPr/>
+              <p:nvPr/>
+            </p:nvPicPr>
+            <p:blipFill>
+              <a:blip r:embed="rId6"/>
+              <a:stretch>
+                <a:fillRect/>
+              </a:stretch>
+            </p:blipFill>
+            <p:spPr>
+              <a:xfrm>
+                <a:off x="1225880" y="4413080"/>
+                <a:ext cx="5116680" cy="288000"/>
+              </a:xfrm>
+              <a:prstGeom prst="rect">
+                <a:avLst/>
+              </a:prstGeom>
+            </p:spPr>
+          </p:pic>
+        </mc:Fallback>
+      </mc:AlternateContent>
+      <mc:AlternateContent xmlns:mc="http://schemas.openxmlformats.org/markup-compatibility/2006" xmlns:p14="http://schemas.microsoft.com/office/powerpoint/2010/main">
+        <mc:Choice Requires="p14">
+          <p:contentPart p14:bwMode="auto" r:id="rId7">
+            <p14:nvContentPartPr>
+              <p14:cNvPr id="6" name="Entrada de lápiz 5">
+                <a:extLst>
+                  <a:ext uri="{FF2B5EF4-FFF2-40B4-BE49-F238E27FC236}">
+                    <a16:creationId xmlns:a16="http://schemas.microsoft.com/office/drawing/2014/main" id="{A1F366CF-4ECF-F41B-741C-B781C72D446A}"/>
+                  </a:ext>
+                </a:extLst>
+              </p14:cNvPr>
+              <p14:cNvContentPartPr/>
+              <p14:nvPr/>
+            </p14:nvContentPartPr>
+            <p14:xfrm>
+              <a:off x="1324160" y="3517760"/>
+              <a:ext cx="4792680" cy="69120"/>
+            </p14:xfrm>
+          </p:contentPart>
+        </mc:Choice>
+        <mc:Fallback xmlns="">
+          <p:pic>
+            <p:nvPicPr>
+              <p:cNvPr id="6" name="Entrada de lápiz 5">
+                <a:extLst>
+                  <a:ext uri="{FF2B5EF4-FFF2-40B4-BE49-F238E27FC236}">
+                    <a16:creationId xmlns:a16="http://schemas.microsoft.com/office/drawing/2014/main" id="{A1F366CF-4ECF-F41B-741C-B781C72D446A}"/>
+                  </a:ext>
+                </a:extLst>
+              </p:cNvPr>
+              <p:cNvPicPr/>
+              <p:nvPr/>
+            </p:nvPicPr>
+            <p:blipFill>
+              <a:blip r:embed="rId8"/>
+              <a:stretch>
+                <a:fillRect/>
+              </a:stretch>
+            </p:blipFill>
+            <p:spPr>
+              <a:xfrm>
+                <a:off x="1270160" y="3409760"/>
+                <a:ext cx="4900320" cy="284760"/>
+              </a:xfrm>
+              <a:prstGeom prst="rect">
+                <a:avLst/>
+              </a:prstGeom>
+            </p:spPr>
+          </p:pic>
+        </mc:Fallback>
+      </mc:AlternateContent>
     </p:spTree>
     <p:extLst>
       <p:ext uri="{BB962C8B-B14F-4D97-AF65-F5344CB8AC3E}">
@@ -4153,7 +6238,601 @@
 </p:sld>
 </file>
 
-<file path=ppt/slides/slide12.xml><?xml version="1.0" encoding="utf-8"?>
+<file path=ppt/slides/slide18.xml><?xml version="1.0" encoding="utf-8"?>
+<p:sld xmlns:a="http://schemas.openxmlformats.org/drawingml/2006/main" xmlns:r="http://schemas.openxmlformats.org/officeDocument/2006/relationships" xmlns:p="http://schemas.openxmlformats.org/presentationml/2006/main">
+  <p:cSld>
+    <p:spTree>
+      <p:nvGrpSpPr>
+        <p:cNvPr id="1" name=""/>
+        <p:cNvGrpSpPr/>
+        <p:nvPr/>
+      </p:nvGrpSpPr>
+      <p:grpSpPr>
+        <a:xfrm>
+          <a:off x="0" y="0"/>
+          <a:ext cx="0" cy="0"/>
+          <a:chOff x="0" y="0"/>
+          <a:chExt cx="0" cy="0"/>
+        </a:xfrm>
+      </p:grpSpPr>
+      <p:pic>
+        <p:nvPicPr>
+          <p:cNvPr id="3" name="Imagen 2">
+            <a:extLst>
+              <a:ext uri="{FF2B5EF4-FFF2-40B4-BE49-F238E27FC236}">
+                <a16:creationId xmlns:a16="http://schemas.microsoft.com/office/drawing/2014/main" id="{B67A5D52-1209-E68F-4F19-CC552C950507}"/>
+              </a:ext>
+            </a:extLst>
+          </p:cNvPr>
+          <p:cNvPicPr>
+            <a:picLocks noChangeAspect="1"/>
+          </p:cNvPicPr>
+          <p:nvPr/>
+        </p:nvPicPr>
+        <p:blipFill>
+          <a:blip r:embed="rId2"/>
+          <a:stretch>
+            <a:fillRect/>
+          </a:stretch>
+        </p:blipFill>
+        <p:spPr>
+          <a:xfrm>
+            <a:off x="184388" y="0"/>
+            <a:ext cx="5056664" cy="6858000"/>
+          </a:xfrm>
+          <a:prstGeom prst="rect">
+            <a:avLst/>
+          </a:prstGeom>
+        </p:spPr>
+      </p:pic>
+      <p:pic>
+        <p:nvPicPr>
+          <p:cNvPr id="5" name="Imagen 4">
+            <a:extLst>
+              <a:ext uri="{FF2B5EF4-FFF2-40B4-BE49-F238E27FC236}">
+                <a16:creationId xmlns:a16="http://schemas.microsoft.com/office/drawing/2014/main" id="{F1B64DB3-8657-83E4-E569-BF494EB969A6}"/>
+              </a:ext>
+            </a:extLst>
+          </p:cNvPr>
+          <p:cNvPicPr>
+            <a:picLocks noChangeAspect="1"/>
+          </p:cNvPicPr>
+          <p:nvPr/>
+        </p:nvPicPr>
+        <p:blipFill>
+          <a:blip r:embed="rId3"/>
+          <a:stretch>
+            <a:fillRect/>
+          </a:stretch>
+        </p:blipFill>
+        <p:spPr>
+          <a:xfrm>
+            <a:off x="5830147" y="1623475"/>
+            <a:ext cx="6058746" cy="3143689"/>
+          </a:xfrm>
+          <a:prstGeom prst="rect">
+            <a:avLst/>
+          </a:prstGeom>
+        </p:spPr>
+      </p:pic>
+      <mc:AlternateContent xmlns:mc="http://schemas.openxmlformats.org/markup-compatibility/2006">
+        <mc:Choice xmlns:p14="http://schemas.microsoft.com/office/powerpoint/2010/main" Requires="p14">
+          <p:contentPart p14:bwMode="auto" r:id="rId4">
+            <p14:nvContentPartPr>
+              <p14:cNvPr id="6" name="Entrada de lápiz 5">
+                <a:extLst>
+                  <a:ext uri="{FF2B5EF4-FFF2-40B4-BE49-F238E27FC236}">
+                    <a16:creationId xmlns:a16="http://schemas.microsoft.com/office/drawing/2014/main" id="{D4D46C31-6112-A20A-1377-8C1709FD3C54}"/>
+                  </a:ext>
+                </a:extLst>
+              </p14:cNvPr>
+              <p14:cNvContentPartPr/>
+              <p14:nvPr/>
+            </p14:nvContentPartPr>
+            <p14:xfrm>
+              <a:off x="416240" y="172280"/>
+              <a:ext cx="4611960" cy="154080"/>
+            </p14:xfrm>
+          </p:contentPart>
+        </mc:Choice>
+        <mc:Fallback>
+          <p:pic>
+            <p:nvPicPr>
+              <p:cNvPr id="6" name="Entrada de lápiz 5">
+                <a:extLst>
+                  <a:ext uri="{FF2B5EF4-FFF2-40B4-BE49-F238E27FC236}">
+                    <a16:creationId xmlns:a16="http://schemas.microsoft.com/office/drawing/2014/main" id="{D4D46C31-6112-A20A-1377-8C1709FD3C54}"/>
+                  </a:ext>
+                </a:extLst>
+              </p:cNvPr>
+              <p:cNvPicPr/>
+              <p:nvPr/>
+            </p:nvPicPr>
+            <p:blipFill>
+              <a:blip r:embed="rId5"/>
+              <a:stretch>
+                <a:fillRect/>
+              </a:stretch>
+            </p:blipFill>
+            <p:spPr>
+              <a:xfrm>
+                <a:off x="362600" y="64280"/>
+                <a:ext cx="4719600" cy="369720"/>
+              </a:xfrm>
+              <a:prstGeom prst="rect">
+                <a:avLst/>
+              </a:prstGeom>
+            </p:spPr>
+          </p:pic>
+        </mc:Fallback>
+      </mc:AlternateContent>
+    </p:spTree>
+    <p:extLst>
+      <p:ext uri="{BB962C8B-B14F-4D97-AF65-F5344CB8AC3E}">
+        <p14:creationId xmlns:p14="http://schemas.microsoft.com/office/powerpoint/2010/main" val="3864064603"/>
+      </p:ext>
+    </p:extLst>
+  </p:cSld>
+  <p:clrMapOvr>
+    <a:masterClrMapping/>
+  </p:clrMapOvr>
+</p:sld>
+</file>
+
+<file path=ppt/slides/slide19.xml><?xml version="1.0" encoding="utf-8"?>
+<p:sld xmlns:a="http://schemas.openxmlformats.org/drawingml/2006/main" xmlns:r="http://schemas.openxmlformats.org/officeDocument/2006/relationships" xmlns:p="http://schemas.openxmlformats.org/presentationml/2006/main">
+  <p:cSld>
+    <p:spTree>
+      <p:nvGrpSpPr>
+        <p:cNvPr id="1" name=""/>
+        <p:cNvGrpSpPr/>
+        <p:nvPr/>
+      </p:nvGrpSpPr>
+      <p:grpSpPr>
+        <a:xfrm>
+          <a:off x="0" y="0"/>
+          <a:ext cx="0" cy="0"/>
+          <a:chOff x="0" y="0"/>
+          <a:chExt cx="0" cy="0"/>
+        </a:xfrm>
+      </p:grpSpPr>
+      <p:pic>
+        <p:nvPicPr>
+          <p:cNvPr id="3" name="Imagen 2">
+            <a:extLst>
+              <a:ext uri="{FF2B5EF4-FFF2-40B4-BE49-F238E27FC236}">
+                <a16:creationId xmlns:a16="http://schemas.microsoft.com/office/drawing/2014/main" id="{C0C622E2-C2C0-8A97-0367-34FF38E61C78}"/>
+              </a:ext>
+            </a:extLst>
+          </p:cNvPr>
+          <p:cNvPicPr>
+            <a:picLocks noChangeAspect="1"/>
+          </p:cNvPicPr>
+          <p:nvPr/>
+        </p:nvPicPr>
+        <p:blipFill>
+          <a:blip r:embed="rId2"/>
+          <a:stretch>
+            <a:fillRect/>
+          </a:stretch>
+        </p:blipFill>
+        <p:spPr>
+          <a:xfrm>
+            <a:off x="834390" y="0"/>
+            <a:ext cx="7658100" cy="6858000"/>
+          </a:xfrm>
+          <a:prstGeom prst="rect">
+            <a:avLst/>
+          </a:prstGeom>
+        </p:spPr>
+      </p:pic>
+      <mc:AlternateContent xmlns:mc="http://schemas.openxmlformats.org/markup-compatibility/2006">
+        <mc:Choice xmlns:p14="http://schemas.microsoft.com/office/powerpoint/2010/main" Requires="p14">
+          <p:contentPart p14:bwMode="auto" r:id="rId3">
+            <p14:nvContentPartPr>
+              <p14:cNvPr id="4" name="Entrada de lápiz 3">
+                <a:extLst>
+                  <a:ext uri="{FF2B5EF4-FFF2-40B4-BE49-F238E27FC236}">
+                    <a16:creationId xmlns:a16="http://schemas.microsoft.com/office/drawing/2014/main" id="{B4D1A280-56B3-0D84-C6D8-4718ECA827A5}"/>
+                  </a:ext>
+                </a:extLst>
+              </p14:cNvPr>
+              <p14:cNvContentPartPr/>
+              <p14:nvPr/>
+            </p14:nvContentPartPr>
+            <p14:xfrm>
+              <a:off x="1676240" y="5363840"/>
+              <a:ext cx="6419880" cy="133560"/>
+            </p14:xfrm>
+          </p:contentPart>
+        </mc:Choice>
+        <mc:Fallback>
+          <p:pic>
+            <p:nvPicPr>
+              <p:cNvPr id="4" name="Entrada de lápiz 3">
+                <a:extLst>
+                  <a:ext uri="{FF2B5EF4-FFF2-40B4-BE49-F238E27FC236}">
+                    <a16:creationId xmlns:a16="http://schemas.microsoft.com/office/drawing/2014/main" id="{B4D1A280-56B3-0D84-C6D8-4718ECA827A5}"/>
+                  </a:ext>
+                </a:extLst>
+              </p:cNvPr>
+              <p:cNvPicPr/>
+              <p:nvPr/>
+            </p:nvPicPr>
+            <p:blipFill>
+              <a:blip r:embed="rId4"/>
+              <a:stretch>
+                <a:fillRect/>
+              </a:stretch>
+            </p:blipFill>
+            <p:spPr>
+              <a:xfrm>
+                <a:off x="1622600" y="5256200"/>
+                <a:ext cx="6527520" cy="349200"/>
+              </a:xfrm>
+              <a:prstGeom prst="rect">
+                <a:avLst/>
+              </a:prstGeom>
+            </p:spPr>
+          </p:pic>
+        </mc:Fallback>
+      </mc:AlternateContent>
+    </p:spTree>
+    <p:extLst>
+      <p:ext uri="{BB962C8B-B14F-4D97-AF65-F5344CB8AC3E}">
+        <p14:creationId xmlns:p14="http://schemas.microsoft.com/office/powerpoint/2010/main" val="4037668831"/>
+      </p:ext>
+    </p:extLst>
+  </p:cSld>
+  <p:clrMapOvr>
+    <a:masterClrMapping/>
+  </p:clrMapOvr>
+</p:sld>
+</file>
+
+<file path=ppt/slides/slide2.xml><?xml version="1.0" encoding="utf-8"?>
+<p:sld xmlns:a="http://schemas.openxmlformats.org/drawingml/2006/main" xmlns:r="http://schemas.openxmlformats.org/officeDocument/2006/relationships" xmlns:p="http://schemas.openxmlformats.org/presentationml/2006/main">
+  <p:cSld>
+    <p:spTree>
+      <p:nvGrpSpPr>
+        <p:cNvPr id="1" name=""/>
+        <p:cNvGrpSpPr/>
+        <p:nvPr/>
+      </p:nvGrpSpPr>
+      <p:grpSpPr>
+        <a:xfrm>
+          <a:off x="0" y="0"/>
+          <a:ext cx="0" cy="0"/>
+          <a:chOff x="0" y="0"/>
+          <a:chExt cx="0" cy="0"/>
+        </a:xfrm>
+      </p:grpSpPr>
+      <p:pic>
+        <p:nvPicPr>
+          <p:cNvPr id="3" name="Imagen 2">
+            <a:extLst>
+              <a:ext uri="{FF2B5EF4-FFF2-40B4-BE49-F238E27FC236}">
+                <a16:creationId xmlns:a16="http://schemas.microsoft.com/office/drawing/2014/main" id="{731129BD-3253-5228-6ADA-757953D10850}"/>
+              </a:ext>
+            </a:extLst>
+          </p:cNvPr>
+          <p:cNvPicPr>
+            <a:picLocks noChangeAspect="1"/>
+          </p:cNvPicPr>
+          <p:nvPr/>
+        </p:nvPicPr>
+        <p:blipFill>
+          <a:blip r:embed="rId2"/>
+          <a:stretch>
+            <a:fillRect/>
+          </a:stretch>
+        </p:blipFill>
+        <p:spPr>
+          <a:xfrm>
+            <a:off x="442314" y="594360"/>
+            <a:ext cx="4951653" cy="5247640"/>
+          </a:xfrm>
+          <a:prstGeom prst="rect">
+            <a:avLst/>
+          </a:prstGeom>
+        </p:spPr>
+      </p:pic>
+    </p:spTree>
+    <p:extLst>
+      <p:ext uri="{BB962C8B-B14F-4D97-AF65-F5344CB8AC3E}">
+        <p14:creationId xmlns:p14="http://schemas.microsoft.com/office/powerpoint/2010/main" val="2883425947"/>
+      </p:ext>
+    </p:extLst>
+  </p:cSld>
+  <p:clrMapOvr>
+    <a:masterClrMapping/>
+  </p:clrMapOvr>
+</p:sld>
+</file>
+
+<file path=ppt/slides/slide20.xml><?xml version="1.0" encoding="utf-8"?>
+<p:sld xmlns:a="http://schemas.openxmlformats.org/drawingml/2006/main" xmlns:r="http://schemas.openxmlformats.org/officeDocument/2006/relationships" xmlns:p="http://schemas.openxmlformats.org/presentationml/2006/main">
+  <p:cSld>
+    <p:spTree>
+      <p:nvGrpSpPr>
+        <p:cNvPr id="1" name=""/>
+        <p:cNvGrpSpPr/>
+        <p:nvPr/>
+      </p:nvGrpSpPr>
+      <p:grpSpPr>
+        <a:xfrm>
+          <a:off x="0" y="0"/>
+          <a:ext cx="0" cy="0"/>
+          <a:chOff x="0" y="0"/>
+          <a:chExt cx="0" cy="0"/>
+        </a:xfrm>
+      </p:grpSpPr>
+      <p:pic>
+        <p:nvPicPr>
+          <p:cNvPr id="3" name="Imagen 2">
+            <a:extLst>
+              <a:ext uri="{FF2B5EF4-FFF2-40B4-BE49-F238E27FC236}">
+                <a16:creationId xmlns:a16="http://schemas.microsoft.com/office/drawing/2014/main" id="{99B48B36-9685-FC7D-F7E4-6EDB78DCC3FE}"/>
+              </a:ext>
+            </a:extLst>
+          </p:cNvPr>
+          <p:cNvPicPr>
+            <a:picLocks noChangeAspect="1"/>
+          </p:cNvPicPr>
+          <p:nvPr/>
+        </p:nvPicPr>
+        <p:blipFill>
+          <a:blip r:embed="rId2"/>
+          <a:stretch>
+            <a:fillRect/>
+          </a:stretch>
+        </p:blipFill>
+        <p:spPr>
+          <a:xfrm>
+            <a:off x="368533" y="0"/>
+            <a:ext cx="5135413" cy="6858000"/>
+          </a:xfrm>
+          <a:prstGeom prst="rect">
+            <a:avLst/>
+          </a:prstGeom>
+        </p:spPr>
+      </p:pic>
+      <p:pic>
+        <p:nvPicPr>
+          <p:cNvPr id="5" name="Imagen 4">
+            <a:extLst>
+              <a:ext uri="{FF2B5EF4-FFF2-40B4-BE49-F238E27FC236}">
+                <a16:creationId xmlns:a16="http://schemas.microsoft.com/office/drawing/2014/main" id="{A21519D7-009C-386F-90D0-BCC2D4914224}"/>
+              </a:ext>
+            </a:extLst>
+          </p:cNvPr>
+          <p:cNvPicPr>
+            <a:picLocks noChangeAspect="1"/>
+          </p:cNvPicPr>
+          <p:nvPr/>
+        </p:nvPicPr>
+        <p:blipFill>
+          <a:blip r:embed="rId3"/>
+          <a:stretch>
+            <a:fillRect/>
+          </a:stretch>
+        </p:blipFill>
+        <p:spPr>
+          <a:xfrm>
+            <a:off x="5727467" y="0"/>
+            <a:ext cx="6096000" cy="5283200"/>
+          </a:xfrm>
+          <a:prstGeom prst="rect">
+            <a:avLst/>
+          </a:prstGeom>
+        </p:spPr>
+      </p:pic>
+      <p:pic>
+        <p:nvPicPr>
+          <p:cNvPr id="7" name="Imagen 6">
+            <a:extLst>
+              <a:ext uri="{FF2B5EF4-FFF2-40B4-BE49-F238E27FC236}">
+                <a16:creationId xmlns:a16="http://schemas.microsoft.com/office/drawing/2014/main" id="{97788C94-C13D-4BA2-9CCA-22D489613AE9}"/>
+              </a:ext>
+            </a:extLst>
+          </p:cNvPr>
+          <p:cNvPicPr>
+            <a:picLocks noChangeAspect="1"/>
+          </p:cNvPicPr>
+          <p:nvPr/>
+        </p:nvPicPr>
+        <p:blipFill>
+          <a:blip r:embed="rId4"/>
+          <a:stretch>
+            <a:fillRect/>
+          </a:stretch>
+        </p:blipFill>
+        <p:spPr>
+          <a:xfrm>
+            <a:off x="5727468" y="5402489"/>
+            <a:ext cx="6096000" cy="1295581"/>
+          </a:xfrm>
+          <a:prstGeom prst="rect">
+            <a:avLst/>
+          </a:prstGeom>
+        </p:spPr>
+      </p:pic>
+      <mc:AlternateContent xmlns:mc="http://schemas.openxmlformats.org/markup-compatibility/2006">
+        <mc:Choice xmlns:p14="http://schemas.microsoft.com/office/powerpoint/2010/main" Requires="p14">
+          <p:contentPart p14:bwMode="auto" r:id="rId5">
+            <p14:nvContentPartPr>
+              <p14:cNvPr id="8" name="Entrada de lápiz 7">
+                <a:extLst>
+                  <a:ext uri="{FF2B5EF4-FFF2-40B4-BE49-F238E27FC236}">
+                    <a16:creationId xmlns:a16="http://schemas.microsoft.com/office/drawing/2014/main" id="{AED827C7-FD6D-6AD6-8940-2A35BF5E7727}"/>
+                  </a:ext>
+                </a:extLst>
+              </p14:cNvPr>
+              <p14:cNvContentPartPr/>
+              <p14:nvPr/>
+            </p14:nvContentPartPr>
+            <p14:xfrm>
+              <a:off x="538280" y="243920"/>
+              <a:ext cx="4398840" cy="173520"/>
+            </p14:xfrm>
+          </p:contentPart>
+        </mc:Choice>
+        <mc:Fallback>
+          <p:pic>
+            <p:nvPicPr>
+              <p:cNvPr id="8" name="Entrada de lápiz 7">
+                <a:extLst>
+                  <a:ext uri="{FF2B5EF4-FFF2-40B4-BE49-F238E27FC236}">
+                    <a16:creationId xmlns:a16="http://schemas.microsoft.com/office/drawing/2014/main" id="{AED827C7-FD6D-6AD6-8940-2A35BF5E7727}"/>
+                  </a:ext>
+                </a:extLst>
+              </p:cNvPr>
+              <p:cNvPicPr/>
+              <p:nvPr/>
+            </p:nvPicPr>
+            <p:blipFill>
+              <a:blip r:embed="rId6"/>
+              <a:stretch>
+                <a:fillRect/>
+              </a:stretch>
+            </p:blipFill>
+            <p:spPr>
+              <a:xfrm>
+                <a:off x="484280" y="135920"/>
+                <a:ext cx="4506480" cy="389160"/>
+              </a:xfrm>
+              <a:prstGeom prst="rect">
+                <a:avLst/>
+              </a:prstGeom>
+            </p:spPr>
+          </p:pic>
+        </mc:Fallback>
+      </mc:AlternateContent>
+    </p:spTree>
+    <p:extLst>
+      <p:ext uri="{BB962C8B-B14F-4D97-AF65-F5344CB8AC3E}">
+        <p14:creationId xmlns:p14="http://schemas.microsoft.com/office/powerpoint/2010/main" val="3709113992"/>
+      </p:ext>
+    </p:extLst>
+  </p:cSld>
+  <p:clrMapOvr>
+    <a:masterClrMapping/>
+  </p:clrMapOvr>
+</p:sld>
+</file>
+
+<file path=ppt/slides/slide21.xml><?xml version="1.0" encoding="utf-8"?>
+<p:sld xmlns:a="http://schemas.openxmlformats.org/drawingml/2006/main" xmlns:r="http://schemas.openxmlformats.org/officeDocument/2006/relationships" xmlns:p="http://schemas.openxmlformats.org/presentationml/2006/main">
+  <p:cSld>
+    <p:spTree>
+      <p:nvGrpSpPr>
+        <p:cNvPr id="1" name=""/>
+        <p:cNvGrpSpPr/>
+        <p:nvPr/>
+      </p:nvGrpSpPr>
+      <p:grpSpPr>
+        <a:xfrm>
+          <a:off x="0" y="0"/>
+          <a:ext cx="0" cy="0"/>
+          <a:chOff x="0" y="0"/>
+          <a:chExt cx="0" cy="0"/>
+        </a:xfrm>
+      </p:grpSpPr>
+      <p:pic>
+        <p:nvPicPr>
+          <p:cNvPr id="3" name="Imagen 2">
+            <a:extLst>
+              <a:ext uri="{FF2B5EF4-FFF2-40B4-BE49-F238E27FC236}">
+                <a16:creationId xmlns:a16="http://schemas.microsoft.com/office/drawing/2014/main" id="{15C3EFBD-DBC2-8285-43BB-5FD2E00D81FD}"/>
+              </a:ext>
+            </a:extLst>
+          </p:cNvPr>
+          <p:cNvPicPr>
+            <a:picLocks noChangeAspect="1"/>
+          </p:cNvPicPr>
+          <p:nvPr/>
+        </p:nvPicPr>
+        <p:blipFill>
+          <a:blip r:embed="rId2"/>
+          <a:stretch>
+            <a:fillRect/>
+          </a:stretch>
+        </p:blipFill>
+        <p:spPr>
+          <a:xfrm>
+            <a:off x="719393" y="0"/>
+            <a:ext cx="9026013" cy="6858000"/>
+          </a:xfrm>
+          <a:prstGeom prst="rect">
+            <a:avLst/>
+          </a:prstGeom>
+        </p:spPr>
+      </p:pic>
+      <mc:AlternateContent xmlns:mc="http://schemas.openxmlformats.org/markup-compatibility/2006">
+        <mc:Choice xmlns:p14="http://schemas.microsoft.com/office/powerpoint/2010/main" Requires="p14">
+          <p:contentPart p14:bwMode="auto" r:id="rId3">
+            <p14:nvContentPartPr>
+              <p14:cNvPr id="4" name="Entrada de lápiz 3">
+                <a:extLst>
+                  <a:ext uri="{FF2B5EF4-FFF2-40B4-BE49-F238E27FC236}">
+                    <a16:creationId xmlns:a16="http://schemas.microsoft.com/office/drawing/2014/main" id="{94A78DA8-5A53-681B-4AC3-91041CC37082}"/>
+                  </a:ext>
+                </a:extLst>
+              </p14:cNvPr>
+              <p14:cNvContentPartPr/>
+              <p14:nvPr/>
+            </p14:nvContentPartPr>
+            <p14:xfrm>
+              <a:off x="1534400" y="5332880"/>
+              <a:ext cx="8086680" cy="173880"/>
+            </p14:xfrm>
+          </p:contentPart>
+        </mc:Choice>
+        <mc:Fallback>
+          <p:pic>
+            <p:nvPicPr>
+              <p:cNvPr id="4" name="Entrada de lápiz 3">
+                <a:extLst>
+                  <a:ext uri="{FF2B5EF4-FFF2-40B4-BE49-F238E27FC236}">
+                    <a16:creationId xmlns:a16="http://schemas.microsoft.com/office/drawing/2014/main" id="{94A78DA8-5A53-681B-4AC3-91041CC37082}"/>
+                  </a:ext>
+                </a:extLst>
+              </p:cNvPr>
+              <p:cNvPicPr/>
+              <p:nvPr/>
+            </p:nvPicPr>
+            <p:blipFill>
+              <a:blip r:embed="rId4"/>
+              <a:stretch>
+                <a:fillRect/>
+              </a:stretch>
+            </p:blipFill>
+            <p:spPr>
+              <a:xfrm>
+                <a:off x="1480400" y="5225240"/>
+                <a:ext cx="8194320" cy="389520"/>
+              </a:xfrm>
+              <a:prstGeom prst="rect">
+                <a:avLst/>
+              </a:prstGeom>
+            </p:spPr>
+          </p:pic>
+        </mc:Fallback>
+      </mc:AlternateContent>
+    </p:spTree>
+    <p:extLst>
+      <p:ext uri="{BB962C8B-B14F-4D97-AF65-F5344CB8AC3E}">
+        <p14:creationId xmlns:p14="http://schemas.microsoft.com/office/powerpoint/2010/main" val="2003757287"/>
+      </p:ext>
+    </p:extLst>
+  </p:cSld>
+  <p:clrMapOvr>
+    <a:masterClrMapping/>
+  </p:clrMapOvr>
+</p:sld>
+</file>
+
+<file path=ppt/slides/slide22.xml><?xml version="1.0" encoding="utf-8"?>
 <p:sld xmlns:a="http://schemas.openxmlformats.org/drawingml/2006/main" xmlns:r="http://schemas.openxmlformats.org/officeDocument/2006/relationships" xmlns:p="http://schemas.openxmlformats.org/presentationml/2006/main">
   <p:cSld>
     <p:spTree>
@@ -4230,8 +6909,8 @@
           </a:prstGeom>
         </p:spPr>
       </p:pic>
-      <mc:AlternateContent xmlns:mc="http://schemas.openxmlformats.org/markup-compatibility/2006">
-        <mc:Choice xmlns:p14="http://schemas.microsoft.com/office/powerpoint/2010/main" Requires="p14">
+      <mc:AlternateContent xmlns:mc="http://schemas.openxmlformats.org/markup-compatibility/2006" xmlns:p14="http://schemas.microsoft.com/office/powerpoint/2010/main">
+        <mc:Choice Requires="p14">
           <p:contentPart p14:bwMode="auto" r:id="rId4">
             <p14:nvContentPartPr>
               <p14:cNvPr id="8" name="Entrada de lápiz 7">
@@ -4250,7 +6929,7 @@
             </p14:xfrm>
           </p:contentPart>
         </mc:Choice>
-        <mc:Fallback>
+        <mc:Fallback xmlns="">
           <p:pic>
             <p:nvPicPr>
               <p:cNvPr id="8" name="Entrada de lápiz 7">
@@ -4294,7 +6973,349 @@
 </p:sld>
 </file>
 
-<file path=ppt/slides/slide13.xml><?xml version="1.0" encoding="utf-8"?>
+<file path=ppt/slides/slide23.xml><?xml version="1.0" encoding="utf-8"?>
+<p:sld xmlns:a="http://schemas.openxmlformats.org/drawingml/2006/main" xmlns:r="http://schemas.openxmlformats.org/officeDocument/2006/relationships" xmlns:p="http://schemas.openxmlformats.org/presentationml/2006/main">
+  <p:cSld>
+    <p:spTree>
+      <p:nvGrpSpPr>
+        <p:cNvPr id="1" name=""/>
+        <p:cNvGrpSpPr/>
+        <p:nvPr/>
+      </p:nvGrpSpPr>
+      <p:grpSpPr>
+        <a:xfrm>
+          <a:off x="0" y="0"/>
+          <a:ext cx="0" cy="0"/>
+          <a:chOff x="0" y="0"/>
+          <a:chExt cx="0" cy="0"/>
+        </a:xfrm>
+      </p:grpSpPr>
+      <p:pic>
+        <p:nvPicPr>
+          <p:cNvPr id="7" name="Imagen 6">
+            <a:extLst>
+              <a:ext uri="{FF2B5EF4-FFF2-40B4-BE49-F238E27FC236}">
+                <a16:creationId xmlns:a16="http://schemas.microsoft.com/office/drawing/2014/main" id="{C6206A51-50DF-307F-754D-C4C1FA21B61E}"/>
+              </a:ext>
+            </a:extLst>
+          </p:cNvPr>
+          <p:cNvPicPr>
+            <a:picLocks noChangeAspect="1"/>
+          </p:cNvPicPr>
+          <p:nvPr/>
+        </p:nvPicPr>
+        <p:blipFill>
+          <a:blip r:embed="rId2"/>
+          <a:stretch>
+            <a:fillRect/>
+          </a:stretch>
+        </p:blipFill>
+        <p:spPr>
+          <a:xfrm>
+            <a:off x="337787" y="0"/>
+            <a:ext cx="4201225" cy="6858000"/>
+          </a:xfrm>
+          <a:prstGeom prst="rect">
+            <a:avLst/>
+          </a:prstGeom>
+        </p:spPr>
+      </p:pic>
+      <p:pic>
+        <p:nvPicPr>
+          <p:cNvPr id="9" name="Imagen 8">
+            <a:extLst>
+              <a:ext uri="{FF2B5EF4-FFF2-40B4-BE49-F238E27FC236}">
+                <a16:creationId xmlns:a16="http://schemas.microsoft.com/office/drawing/2014/main" id="{A5273EE4-F0E8-3E60-28A5-25C1EEFEC35F}"/>
+              </a:ext>
+            </a:extLst>
+          </p:cNvPr>
+          <p:cNvPicPr>
+            <a:picLocks noChangeAspect="1"/>
+          </p:cNvPicPr>
+          <p:nvPr/>
+        </p:nvPicPr>
+        <p:blipFill>
+          <a:blip r:embed="rId3"/>
+          <a:stretch>
+            <a:fillRect/>
+          </a:stretch>
+        </p:blipFill>
+        <p:spPr>
+          <a:xfrm>
+            <a:off x="6202592" y="1208161"/>
+            <a:ext cx="5801535" cy="3486637"/>
+          </a:xfrm>
+          <a:prstGeom prst="rect">
+            <a:avLst/>
+          </a:prstGeom>
+        </p:spPr>
+      </p:pic>
+      <mc:AlternateContent xmlns:mc="http://schemas.openxmlformats.org/markup-compatibility/2006">
+        <mc:Choice xmlns:p14="http://schemas.microsoft.com/office/powerpoint/2010/main" Requires="p14">
+          <p:contentPart p14:bwMode="auto" r:id="rId4">
+            <p14:nvContentPartPr>
+              <p14:cNvPr id="10" name="Entrada de lápiz 9">
+                <a:extLst>
+                  <a:ext uri="{FF2B5EF4-FFF2-40B4-BE49-F238E27FC236}">
+                    <a16:creationId xmlns:a16="http://schemas.microsoft.com/office/drawing/2014/main" id="{85DCD817-9AEE-EC2B-FF8C-53ABF8483E3B}"/>
+                  </a:ext>
+                </a:extLst>
+              </p14:cNvPr>
+              <p14:cNvContentPartPr/>
+              <p14:nvPr/>
+            </p14:nvContentPartPr>
+            <p14:xfrm>
+              <a:off x="568880" y="61040"/>
+              <a:ext cx="3087720" cy="101880"/>
+            </p14:xfrm>
+          </p:contentPart>
+        </mc:Choice>
+        <mc:Fallback>
+          <p:pic>
+            <p:nvPicPr>
+              <p:cNvPr id="10" name="Entrada de lápiz 9">
+                <a:extLst>
+                  <a:ext uri="{FF2B5EF4-FFF2-40B4-BE49-F238E27FC236}">
+                    <a16:creationId xmlns:a16="http://schemas.microsoft.com/office/drawing/2014/main" id="{85DCD817-9AEE-EC2B-FF8C-53ABF8483E3B}"/>
+                  </a:ext>
+                </a:extLst>
+              </p:cNvPr>
+              <p:cNvPicPr/>
+              <p:nvPr/>
+            </p:nvPicPr>
+            <p:blipFill>
+              <a:blip r:embed="rId5"/>
+              <a:stretch>
+                <a:fillRect/>
+              </a:stretch>
+            </p:blipFill>
+            <p:spPr>
+              <a:xfrm>
+                <a:off x="515240" y="-46600"/>
+                <a:ext cx="3195360" cy="317520"/>
+              </a:xfrm>
+              <a:prstGeom prst="rect">
+                <a:avLst/>
+              </a:prstGeom>
+            </p:spPr>
+          </p:pic>
+        </mc:Fallback>
+      </mc:AlternateContent>
+    </p:spTree>
+    <p:extLst>
+      <p:ext uri="{BB962C8B-B14F-4D97-AF65-F5344CB8AC3E}">
+        <p14:creationId xmlns:p14="http://schemas.microsoft.com/office/powerpoint/2010/main" val="3446301197"/>
+      </p:ext>
+    </p:extLst>
+  </p:cSld>
+  <p:clrMapOvr>
+    <a:masterClrMapping/>
+  </p:clrMapOvr>
+</p:sld>
+</file>
+
+<file path=ppt/slides/slide24.xml><?xml version="1.0" encoding="utf-8"?>
+<p:sld xmlns:a="http://schemas.openxmlformats.org/drawingml/2006/main" xmlns:r="http://schemas.openxmlformats.org/officeDocument/2006/relationships" xmlns:p="http://schemas.openxmlformats.org/presentationml/2006/main">
+  <p:cSld>
+    <p:spTree>
+      <p:nvGrpSpPr>
+        <p:cNvPr id="1" name=""/>
+        <p:cNvGrpSpPr/>
+        <p:nvPr/>
+      </p:nvGrpSpPr>
+      <p:grpSpPr>
+        <a:xfrm>
+          <a:off x="0" y="0"/>
+          <a:ext cx="0" cy="0"/>
+          <a:chOff x="0" y="0"/>
+          <a:chExt cx="0" cy="0"/>
+        </a:xfrm>
+      </p:grpSpPr>
+      <p:pic>
+        <p:nvPicPr>
+          <p:cNvPr id="3" name="Imagen 2">
+            <a:extLst>
+              <a:ext uri="{FF2B5EF4-FFF2-40B4-BE49-F238E27FC236}">
+                <a16:creationId xmlns:a16="http://schemas.microsoft.com/office/drawing/2014/main" id="{921B3D99-0D87-1DEF-092A-EC17E84D0640}"/>
+              </a:ext>
+            </a:extLst>
+          </p:cNvPr>
+          <p:cNvPicPr>
+            <a:picLocks noChangeAspect="1"/>
+          </p:cNvPicPr>
+          <p:nvPr/>
+        </p:nvPicPr>
+        <p:blipFill>
+          <a:blip r:embed="rId2"/>
+          <a:stretch>
+            <a:fillRect/>
+          </a:stretch>
+        </p:blipFill>
+        <p:spPr>
+          <a:xfrm>
+            <a:off x="323545" y="0"/>
+            <a:ext cx="8070189" cy="6858000"/>
+          </a:xfrm>
+          <a:prstGeom prst="rect">
+            <a:avLst/>
+          </a:prstGeom>
+        </p:spPr>
+      </p:pic>
+      <mc:AlternateContent xmlns:mc="http://schemas.openxmlformats.org/markup-compatibility/2006">
+        <mc:Choice xmlns:p14="http://schemas.microsoft.com/office/powerpoint/2010/main" Requires="p14">
+          <p:contentPart p14:bwMode="auto" r:id="rId3">
+            <p14:nvContentPartPr>
+              <p14:cNvPr id="7" name="Entrada de lápiz 6">
+                <a:extLst>
+                  <a:ext uri="{FF2B5EF4-FFF2-40B4-BE49-F238E27FC236}">
+                    <a16:creationId xmlns:a16="http://schemas.microsoft.com/office/drawing/2014/main" id="{07CF8D52-B331-C2F8-A87F-5A53C292DE5F}"/>
+                  </a:ext>
+                </a:extLst>
+              </p14:cNvPr>
+              <p14:cNvContentPartPr/>
+              <p14:nvPr/>
+            </p14:nvContentPartPr>
+            <p14:xfrm>
+              <a:off x="1066760" y="5049560"/>
+              <a:ext cx="6867360" cy="123840"/>
+            </p14:xfrm>
+          </p:contentPart>
+        </mc:Choice>
+        <mc:Fallback>
+          <p:pic>
+            <p:nvPicPr>
+              <p:cNvPr id="7" name="Entrada de lápiz 6">
+                <a:extLst>
+                  <a:ext uri="{FF2B5EF4-FFF2-40B4-BE49-F238E27FC236}">
+                    <a16:creationId xmlns:a16="http://schemas.microsoft.com/office/drawing/2014/main" id="{07CF8D52-B331-C2F8-A87F-5A53C292DE5F}"/>
+                  </a:ext>
+                </a:extLst>
+              </p:cNvPr>
+              <p:cNvPicPr/>
+              <p:nvPr/>
+            </p:nvPicPr>
+            <p:blipFill>
+              <a:blip r:embed="rId4"/>
+              <a:stretch>
+                <a:fillRect/>
+              </a:stretch>
+            </p:blipFill>
+            <p:spPr>
+              <a:xfrm>
+                <a:off x="1012760" y="4941560"/>
+                <a:ext cx="6975000" cy="339480"/>
+              </a:xfrm>
+              <a:prstGeom prst="rect">
+                <a:avLst/>
+              </a:prstGeom>
+            </p:spPr>
+          </p:pic>
+        </mc:Fallback>
+      </mc:AlternateContent>
+    </p:spTree>
+    <p:extLst>
+      <p:ext uri="{BB962C8B-B14F-4D97-AF65-F5344CB8AC3E}">
+        <p14:creationId xmlns:p14="http://schemas.microsoft.com/office/powerpoint/2010/main" val="4218063211"/>
+      </p:ext>
+    </p:extLst>
+  </p:cSld>
+  <p:clrMapOvr>
+    <a:masterClrMapping/>
+  </p:clrMapOvr>
+</p:sld>
+</file>
+
+<file path=ppt/slides/slide25.xml><?xml version="1.0" encoding="utf-8"?>
+<p:sld xmlns:a="http://schemas.openxmlformats.org/drawingml/2006/main" xmlns:r="http://schemas.openxmlformats.org/officeDocument/2006/relationships" xmlns:p="http://schemas.openxmlformats.org/presentationml/2006/main">
+  <p:cSld>
+    <p:spTree>
+      <p:nvGrpSpPr>
+        <p:cNvPr id="1" name=""/>
+        <p:cNvGrpSpPr/>
+        <p:nvPr/>
+      </p:nvGrpSpPr>
+      <p:grpSpPr>
+        <a:xfrm>
+          <a:off x="0" y="0"/>
+          <a:ext cx="0" cy="0"/>
+          <a:chOff x="0" y="0"/>
+          <a:chExt cx="0" cy="0"/>
+        </a:xfrm>
+      </p:grpSpPr>
+      <p:pic>
+        <p:nvPicPr>
+          <p:cNvPr id="3" name="Imagen 2">
+            <a:extLst>
+              <a:ext uri="{FF2B5EF4-FFF2-40B4-BE49-F238E27FC236}">
+                <a16:creationId xmlns:a16="http://schemas.microsoft.com/office/drawing/2014/main" id="{666729BF-0A05-D902-99D4-991DCF550006}"/>
+              </a:ext>
+            </a:extLst>
+          </p:cNvPr>
+          <p:cNvPicPr>
+            <a:picLocks noChangeAspect="1"/>
+          </p:cNvPicPr>
+          <p:nvPr/>
+        </p:nvPicPr>
+        <p:blipFill>
+          <a:blip r:embed="rId2"/>
+          <a:stretch>
+            <a:fillRect/>
+          </a:stretch>
+        </p:blipFill>
+        <p:spPr>
+          <a:xfrm>
+            <a:off x="302282" y="182405"/>
+            <a:ext cx="5427958" cy="6208235"/>
+          </a:xfrm>
+          <a:prstGeom prst="rect">
+            <a:avLst/>
+          </a:prstGeom>
+        </p:spPr>
+      </p:pic>
+      <p:pic>
+        <p:nvPicPr>
+          <p:cNvPr id="5" name="Imagen 4">
+            <a:extLst>
+              <a:ext uri="{FF2B5EF4-FFF2-40B4-BE49-F238E27FC236}">
+                <a16:creationId xmlns:a16="http://schemas.microsoft.com/office/drawing/2014/main" id="{56AA99B8-C570-297D-FAC6-AF368995072F}"/>
+              </a:ext>
+            </a:extLst>
+          </p:cNvPr>
+          <p:cNvPicPr>
+            <a:picLocks noChangeAspect="1"/>
+          </p:cNvPicPr>
+          <p:nvPr/>
+        </p:nvPicPr>
+        <p:blipFill>
+          <a:blip r:embed="rId3"/>
+          <a:stretch>
+            <a:fillRect/>
+          </a:stretch>
+        </p:blipFill>
+        <p:spPr>
+          <a:xfrm>
+            <a:off x="6217920" y="237679"/>
+            <a:ext cx="5427958" cy="6382641"/>
+          </a:xfrm>
+          <a:prstGeom prst="rect">
+            <a:avLst/>
+          </a:prstGeom>
+        </p:spPr>
+      </p:pic>
+    </p:spTree>
+    <p:extLst>
+      <p:ext uri="{BB962C8B-B14F-4D97-AF65-F5344CB8AC3E}">
+        <p14:creationId xmlns:p14="http://schemas.microsoft.com/office/powerpoint/2010/main" val="3248526921"/>
+      </p:ext>
+    </p:extLst>
+  </p:cSld>
+  <p:clrMapOvr>
+    <a:masterClrMapping/>
+  </p:clrMapOvr>
+</p:sld>
+</file>
+
+<file path=ppt/slides/slide26.xml><?xml version="1.0" encoding="utf-8"?>
 <p:sld xmlns:a="http://schemas.openxmlformats.org/drawingml/2006/main" xmlns:r="http://schemas.openxmlformats.org/officeDocument/2006/relationships" xmlns:p="http://schemas.openxmlformats.org/presentationml/2006/main">
   <p:cSld>
     <p:spTree>
@@ -4354,7 +7375,7 @@
 </p:sld>
 </file>
 
-<file path=ppt/slides/slide14.xml><?xml version="1.0" encoding="utf-8"?>
+<file path=ppt/slides/slide27.xml><?xml version="1.0" encoding="utf-8"?>
 <p:sld xmlns:a="http://schemas.openxmlformats.org/drawingml/2006/main" xmlns:r="http://schemas.openxmlformats.org/officeDocument/2006/relationships" xmlns:p="http://schemas.openxmlformats.org/presentationml/2006/main">
   <p:cSld>
     <p:spTree>
@@ -4431,8 +7452,8 @@
           </a:prstGeom>
         </p:spPr>
       </p:pic>
-      <mc:AlternateContent xmlns:mc="http://schemas.openxmlformats.org/markup-compatibility/2006">
-        <mc:Choice xmlns:p14="http://schemas.microsoft.com/office/powerpoint/2010/main" Requires="p14">
+      <mc:AlternateContent xmlns:mc="http://schemas.openxmlformats.org/markup-compatibility/2006" xmlns:p14="http://schemas.microsoft.com/office/powerpoint/2010/main">
+        <mc:Choice Requires="p14">
           <p:contentPart p14:bwMode="auto" r:id="rId4">
             <p14:nvContentPartPr>
               <p14:cNvPr id="7" name="Entrada de lápiz 6">
@@ -4451,7 +7472,7 @@
             </p14:xfrm>
           </p:contentPart>
         </mc:Choice>
-        <mc:Fallback>
+        <mc:Fallback xmlns="">
           <p:pic>
             <p:nvPicPr>
               <p:cNvPr id="7" name="Entrada de lápiz 6">
@@ -4495,7 +7516,7 @@
 </p:sld>
 </file>
 
-<file path=ppt/slides/slide15.xml><?xml version="1.0" encoding="utf-8"?>
+<file path=ppt/slides/slide28.xml><?xml version="1.0" encoding="utf-8"?>
 <p:sld xmlns:a="http://schemas.openxmlformats.org/drawingml/2006/main" xmlns:r="http://schemas.openxmlformats.org/officeDocument/2006/relationships" xmlns:p="http://schemas.openxmlformats.org/presentationml/2006/main">
   <p:cSld>
     <p:spTree>
@@ -4572,8 +7593,8 @@
           </a:prstGeom>
         </p:spPr>
       </p:pic>
-      <mc:AlternateContent xmlns:mc="http://schemas.openxmlformats.org/markup-compatibility/2006">
-        <mc:Choice xmlns:p14="http://schemas.microsoft.com/office/powerpoint/2010/main" Requires="p14">
+      <mc:AlternateContent xmlns:mc="http://schemas.openxmlformats.org/markup-compatibility/2006" xmlns:p14="http://schemas.microsoft.com/office/powerpoint/2010/main">
+        <mc:Choice Requires="p14">
           <p:contentPart p14:bwMode="auto" r:id="rId4">
             <p14:nvContentPartPr>
               <p14:cNvPr id="6" name="Entrada de lápiz 5">
@@ -4592,7 +7613,7 @@
             </p14:xfrm>
           </p:contentPart>
         </mc:Choice>
-        <mc:Fallback>
+        <mc:Fallback xmlns="">
           <p:pic>
             <p:nvPicPr>
               <p:cNvPr id="6" name="Entrada de lápiz 5">
@@ -4636,7 +7657,7 @@
 </p:sld>
 </file>
 
-<file path=ppt/slides/slide16.xml><?xml version="1.0" encoding="utf-8"?>
+<file path=ppt/slides/slide29.xml><?xml version="1.0" encoding="utf-8"?>
 <p:sld xmlns:a="http://schemas.openxmlformats.org/drawingml/2006/main" xmlns:r="http://schemas.openxmlformats.org/officeDocument/2006/relationships" xmlns:p="http://schemas.openxmlformats.org/presentationml/2006/main">
   <p:cSld>
     <p:spTree>
@@ -4713,8 +7734,8 @@
           </a:prstGeom>
         </p:spPr>
       </p:pic>
-      <mc:AlternateContent xmlns:mc="http://schemas.openxmlformats.org/markup-compatibility/2006">
-        <mc:Choice xmlns:p14="http://schemas.microsoft.com/office/powerpoint/2010/main" Requires="p14">
+      <mc:AlternateContent xmlns:mc="http://schemas.openxmlformats.org/markup-compatibility/2006" xmlns:p14="http://schemas.microsoft.com/office/powerpoint/2010/main">
+        <mc:Choice Requires="p14">
           <p:contentPart p14:bwMode="auto" r:id="rId4">
             <p14:nvContentPartPr>
               <p14:cNvPr id="6" name="Entrada de lápiz 5">
@@ -4733,7 +7754,7 @@
             </p14:xfrm>
           </p:contentPart>
         </mc:Choice>
-        <mc:Fallback>
+        <mc:Fallback xmlns="">
           <p:pic>
             <p:nvPicPr>
               <p:cNvPr id="6" name="Entrada de lápiz 5">
@@ -4777,816 +7798,6 @@
 </p:sld>
 </file>
 
-<file path=ppt/slides/slide17.xml><?xml version="1.0" encoding="utf-8"?>
-<p:sld xmlns:a="http://schemas.openxmlformats.org/drawingml/2006/main" xmlns:r="http://schemas.openxmlformats.org/officeDocument/2006/relationships" xmlns:p="http://schemas.openxmlformats.org/presentationml/2006/main">
-  <p:cSld>
-    <p:spTree>
-      <p:nvGrpSpPr>
-        <p:cNvPr id="1" name=""/>
-        <p:cNvGrpSpPr/>
-        <p:nvPr/>
-      </p:nvGrpSpPr>
-      <p:grpSpPr>
-        <a:xfrm>
-          <a:off x="0" y="0"/>
-          <a:ext cx="0" cy="0"/>
-          <a:chOff x="0" y="0"/>
-          <a:chExt cx="0" cy="0"/>
-        </a:xfrm>
-      </p:grpSpPr>
-      <p:pic>
-        <p:nvPicPr>
-          <p:cNvPr id="11" name="Imagen 10">
-            <a:extLst>
-              <a:ext uri="{FF2B5EF4-FFF2-40B4-BE49-F238E27FC236}">
-                <a16:creationId xmlns:a16="http://schemas.microsoft.com/office/drawing/2014/main" id="{19FACD0C-7055-47B5-92FC-A2E1A647DFE0}"/>
-              </a:ext>
-            </a:extLst>
-          </p:cNvPr>
-          <p:cNvPicPr>
-            <a:picLocks noChangeAspect="1"/>
-          </p:cNvPicPr>
-          <p:nvPr/>
-        </p:nvPicPr>
-        <p:blipFill>
-          <a:blip r:embed="rId2"/>
-          <a:stretch>
-            <a:fillRect/>
-          </a:stretch>
-        </p:blipFill>
-        <p:spPr>
-          <a:xfrm>
-            <a:off x="241435" y="162560"/>
-            <a:ext cx="3599045" cy="6339840"/>
-          </a:xfrm>
-          <a:prstGeom prst="rect">
-            <a:avLst/>
-          </a:prstGeom>
-        </p:spPr>
-      </p:pic>
-      <p:pic>
-        <p:nvPicPr>
-          <p:cNvPr id="13" name="Imagen 12">
-            <a:extLst>
-              <a:ext uri="{FF2B5EF4-FFF2-40B4-BE49-F238E27FC236}">
-                <a16:creationId xmlns:a16="http://schemas.microsoft.com/office/drawing/2014/main" id="{C1FFEC1A-C5B7-212B-AADF-8E35E2000F32}"/>
-              </a:ext>
-            </a:extLst>
-          </p:cNvPr>
-          <p:cNvPicPr>
-            <a:picLocks noChangeAspect="1"/>
-          </p:cNvPicPr>
-          <p:nvPr/>
-        </p:nvPicPr>
-        <p:blipFill>
-          <a:blip r:embed="rId3"/>
-          <a:stretch>
-            <a:fillRect/>
-          </a:stretch>
-        </p:blipFill>
-        <p:spPr>
-          <a:xfrm>
-            <a:off x="4051444" y="370840"/>
-            <a:ext cx="4089111" cy="5923280"/>
-          </a:xfrm>
-          <a:prstGeom prst="rect">
-            <a:avLst/>
-          </a:prstGeom>
-        </p:spPr>
-      </p:pic>
-      <p:pic>
-        <p:nvPicPr>
-          <p:cNvPr id="15" name="Imagen 14">
-            <a:extLst>
-              <a:ext uri="{FF2B5EF4-FFF2-40B4-BE49-F238E27FC236}">
-                <a16:creationId xmlns:a16="http://schemas.microsoft.com/office/drawing/2014/main" id="{6D885FA2-2454-BCFB-BBB1-D8D85204354B}"/>
-              </a:ext>
-            </a:extLst>
-          </p:cNvPr>
-          <p:cNvPicPr>
-            <a:picLocks noChangeAspect="1"/>
-          </p:cNvPicPr>
-          <p:nvPr/>
-        </p:nvPicPr>
-        <p:blipFill>
-          <a:blip r:embed="rId4"/>
-          <a:stretch>
-            <a:fillRect/>
-          </a:stretch>
-        </p:blipFill>
-        <p:spPr>
-          <a:xfrm>
-            <a:off x="8351519" y="243840"/>
-            <a:ext cx="3720753" cy="6507480"/>
-          </a:xfrm>
-          <a:prstGeom prst="rect">
-            <a:avLst/>
-          </a:prstGeom>
-        </p:spPr>
-      </p:pic>
-    </p:spTree>
-    <p:extLst>
-      <p:ext uri="{BB962C8B-B14F-4D97-AF65-F5344CB8AC3E}">
-        <p14:creationId xmlns:p14="http://schemas.microsoft.com/office/powerpoint/2010/main" val="3847902487"/>
-      </p:ext>
-    </p:extLst>
-  </p:cSld>
-  <p:clrMapOvr>
-    <a:masterClrMapping/>
-  </p:clrMapOvr>
-</p:sld>
-</file>
-
-<file path=ppt/slides/slide18.xml><?xml version="1.0" encoding="utf-8"?>
-<p:sld xmlns:a="http://schemas.openxmlformats.org/drawingml/2006/main" xmlns:r="http://schemas.openxmlformats.org/officeDocument/2006/relationships" xmlns:p="http://schemas.openxmlformats.org/presentationml/2006/main">
-  <p:cSld>
-    <p:spTree>
-      <p:nvGrpSpPr>
-        <p:cNvPr id="1" name=""/>
-        <p:cNvGrpSpPr/>
-        <p:nvPr/>
-      </p:nvGrpSpPr>
-      <p:grpSpPr>
-        <a:xfrm>
-          <a:off x="0" y="0"/>
-          <a:ext cx="0" cy="0"/>
-          <a:chOff x="0" y="0"/>
-          <a:chExt cx="0" cy="0"/>
-        </a:xfrm>
-      </p:grpSpPr>
-      <p:pic>
-        <p:nvPicPr>
-          <p:cNvPr id="4" name="Imagen 3">
-            <a:extLst>
-              <a:ext uri="{FF2B5EF4-FFF2-40B4-BE49-F238E27FC236}">
-                <a16:creationId xmlns:a16="http://schemas.microsoft.com/office/drawing/2014/main" id="{6EF3BCC1-E547-27D0-B77E-AA9D11CF387A}"/>
-              </a:ext>
-            </a:extLst>
-          </p:cNvPr>
-          <p:cNvPicPr>
-            <a:picLocks noChangeAspect="1"/>
-          </p:cNvPicPr>
-          <p:nvPr/>
-        </p:nvPicPr>
-        <p:blipFill>
-          <a:blip r:embed="rId2"/>
-          <a:stretch>
-            <a:fillRect/>
-          </a:stretch>
-        </p:blipFill>
-        <p:spPr>
-          <a:xfrm>
-            <a:off x="399382" y="0"/>
-            <a:ext cx="4687635" cy="6858000"/>
-          </a:xfrm>
-          <a:prstGeom prst="rect">
-            <a:avLst/>
-          </a:prstGeom>
-        </p:spPr>
-      </p:pic>
-      <p:pic>
-        <p:nvPicPr>
-          <p:cNvPr id="6" name="Imagen 5">
-            <a:extLst>
-              <a:ext uri="{FF2B5EF4-FFF2-40B4-BE49-F238E27FC236}">
-                <a16:creationId xmlns:a16="http://schemas.microsoft.com/office/drawing/2014/main" id="{ACE48422-2320-66F3-B4CD-93EDD7E41F3C}"/>
-              </a:ext>
-            </a:extLst>
-          </p:cNvPr>
-          <p:cNvPicPr>
-            <a:picLocks noChangeAspect="1"/>
-          </p:cNvPicPr>
-          <p:nvPr/>
-        </p:nvPicPr>
-        <p:blipFill>
-          <a:blip r:embed="rId3"/>
-          <a:stretch>
-            <a:fillRect/>
-          </a:stretch>
-        </p:blipFill>
-        <p:spPr>
-          <a:xfrm>
-            <a:off x="6300760" y="1474877"/>
-            <a:ext cx="4934639" cy="3258005"/>
-          </a:xfrm>
-          <a:prstGeom prst="rect">
-            <a:avLst/>
-          </a:prstGeom>
-        </p:spPr>
-      </p:pic>
-    </p:spTree>
-    <p:extLst>
-      <p:ext uri="{BB962C8B-B14F-4D97-AF65-F5344CB8AC3E}">
-        <p14:creationId xmlns:p14="http://schemas.microsoft.com/office/powerpoint/2010/main" val="1561408416"/>
-      </p:ext>
-    </p:extLst>
-  </p:cSld>
-  <p:clrMapOvr>
-    <a:masterClrMapping/>
-  </p:clrMapOvr>
-</p:sld>
-</file>
-
-<file path=ppt/slides/slide19.xml><?xml version="1.0" encoding="utf-8"?>
-<p:sld xmlns:a="http://schemas.openxmlformats.org/drawingml/2006/main" xmlns:r="http://schemas.openxmlformats.org/officeDocument/2006/relationships" xmlns:p="http://schemas.openxmlformats.org/presentationml/2006/main">
-  <p:cSld>
-    <p:spTree>
-      <p:nvGrpSpPr>
-        <p:cNvPr id="1" name=""/>
-        <p:cNvGrpSpPr/>
-        <p:nvPr/>
-      </p:nvGrpSpPr>
-      <p:grpSpPr>
-        <a:xfrm>
-          <a:off x="0" y="0"/>
-          <a:ext cx="0" cy="0"/>
-          <a:chOff x="0" y="0"/>
-          <a:chExt cx="0" cy="0"/>
-        </a:xfrm>
-      </p:grpSpPr>
-      <p:pic>
-        <p:nvPicPr>
-          <p:cNvPr id="3" name="Imagen 2">
-            <a:extLst>
-              <a:ext uri="{FF2B5EF4-FFF2-40B4-BE49-F238E27FC236}">
-                <a16:creationId xmlns:a16="http://schemas.microsoft.com/office/drawing/2014/main" id="{30BC076E-5B9E-8A1D-F4C2-8D7939F34D70}"/>
-              </a:ext>
-            </a:extLst>
-          </p:cNvPr>
-          <p:cNvPicPr>
-            <a:picLocks noChangeAspect="1"/>
-          </p:cNvPicPr>
-          <p:nvPr/>
-        </p:nvPicPr>
-        <p:blipFill>
-          <a:blip r:embed="rId2"/>
-          <a:stretch>
-            <a:fillRect/>
-          </a:stretch>
-        </p:blipFill>
-        <p:spPr>
-          <a:xfrm>
-            <a:off x="2064916" y="271022"/>
-            <a:ext cx="6030167" cy="6315956"/>
-          </a:xfrm>
-          <a:prstGeom prst="rect">
-            <a:avLst/>
-          </a:prstGeom>
-        </p:spPr>
-      </p:pic>
-    </p:spTree>
-    <p:extLst>
-      <p:ext uri="{BB962C8B-B14F-4D97-AF65-F5344CB8AC3E}">
-        <p14:creationId xmlns:p14="http://schemas.microsoft.com/office/powerpoint/2010/main" val="2003229793"/>
-      </p:ext>
-    </p:extLst>
-  </p:cSld>
-  <p:clrMapOvr>
-    <a:masterClrMapping/>
-  </p:clrMapOvr>
-</p:sld>
-</file>
-
-<file path=ppt/slides/slide2.xml><?xml version="1.0" encoding="utf-8"?>
-<p:sld xmlns:a="http://schemas.openxmlformats.org/drawingml/2006/main" xmlns:r="http://schemas.openxmlformats.org/officeDocument/2006/relationships" xmlns:p="http://schemas.openxmlformats.org/presentationml/2006/main">
-  <p:cSld>
-    <p:spTree>
-      <p:nvGrpSpPr>
-        <p:cNvPr id="1" name=""/>
-        <p:cNvGrpSpPr/>
-        <p:nvPr/>
-      </p:nvGrpSpPr>
-      <p:grpSpPr>
-        <a:xfrm>
-          <a:off x="0" y="0"/>
-          <a:ext cx="0" cy="0"/>
-          <a:chOff x="0" y="0"/>
-          <a:chExt cx="0" cy="0"/>
-        </a:xfrm>
-      </p:grpSpPr>
-      <p:pic>
-        <p:nvPicPr>
-          <p:cNvPr id="3" name="Imagen 2">
-            <a:extLst>
-              <a:ext uri="{FF2B5EF4-FFF2-40B4-BE49-F238E27FC236}">
-                <a16:creationId xmlns:a16="http://schemas.microsoft.com/office/drawing/2014/main" id="{731129BD-3253-5228-6ADA-757953D10850}"/>
-              </a:ext>
-            </a:extLst>
-          </p:cNvPr>
-          <p:cNvPicPr>
-            <a:picLocks noChangeAspect="1"/>
-          </p:cNvPicPr>
-          <p:nvPr/>
-        </p:nvPicPr>
-        <p:blipFill>
-          <a:blip r:embed="rId2"/>
-          <a:stretch>
-            <a:fillRect/>
-          </a:stretch>
-        </p:blipFill>
-        <p:spPr>
-          <a:xfrm>
-            <a:off x="442314" y="594360"/>
-            <a:ext cx="4951653" cy="5247640"/>
-          </a:xfrm>
-          <a:prstGeom prst="rect">
-            <a:avLst/>
-          </a:prstGeom>
-        </p:spPr>
-      </p:pic>
-    </p:spTree>
-    <p:extLst>
-      <p:ext uri="{BB962C8B-B14F-4D97-AF65-F5344CB8AC3E}">
-        <p14:creationId xmlns:p14="http://schemas.microsoft.com/office/powerpoint/2010/main" val="2883425947"/>
-      </p:ext>
-    </p:extLst>
-  </p:cSld>
-  <p:clrMapOvr>
-    <a:masterClrMapping/>
-  </p:clrMapOvr>
-</p:sld>
-</file>
-
-<file path=ppt/slides/slide20.xml><?xml version="1.0" encoding="utf-8"?>
-<p:sld xmlns:a="http://schemas.openxmlformats.org/drawingml/2006/main" xmlns:r="http://schemas.openxmlformats.org/officeDocument/2006/relationships" xmlns:p="http://schemas.openxmlformats.org/presentationml/2006/main">
-  <p:cSld>
-    <p:spTree>
-      <p:nvGrpSpPr>
-        <p:cNvPr id="1" name=""/>
-        <p:cNvGrpSpPr/>
-        <p:nvPr/>
-      </p:nvGrpSpPr>
-      <p:grpSpPr>
-        <a:xfrm>
-          <a:off x="0" y="0"/>
-          <a:ext cx="0" cy="0"/>
-          <a:chOff x="0" y="0"/>
-          <a:chExt cx="0" cy="0"/>
-        </a:xfrm>
-      </p:grpSpPr>
-      <p:pic>
-        <p:nvPicPr>
-          <p:cNvPr id="3" name="Imagen 2">
-            <a:extLst>
-              <a:ext uri="{FF2B5EF4-FFF2-40B4-BE49-F238E27FC236}">
-                <a16:creationId xmlns:a16="http://schemas.microsoft.com/office/drawing/2014/main" id="{BDEB292A-7073-1144-A012-2E915B2D5F3B}"/>
-              </a:ext>
-            </a:extLst>
-          </p:cNvPr>
-          <p:cNvPicPr>
-            <a:picLocks noChangeAspect="1"/>
-          </p:cNvPicPr>
-          <p:nvPr/>
-        </p:nvPicPr>
-        <p:blipFill>
-          <a:blip r:embed="rId2"/>
-          <a:stretch>
-            <a:fillRect/>
-          </a:stretch>
-        </p:blipFill>
-        <p:spPr>
-          <a:xfrm>
-            <a:off x="304503" y="76095"/>
-            <a:ext cx="5385098" cy="6705810"/>
-          </a:xfrm>
-          <a:prstGeom prst="rect">
-            <a:avLst/>
-          </a:prstGeom>
-        </p:spPr>
-      </p:pic>
-      <p:pic>
-        <p:nvPicPr>
-          <p:cNvPr id="5" name="Imagen 4">
-            <a:extLst>
-              <a:ext uri="{FF2B5EF4-FFF2-40B4-BE49-F238E27FC236}">
-                <a16:creationId xmlns:a16="http://schemas.microsoft.com/office/drawing/2014/main" id="{19BE3EE3-4CA4-221C-7F40-7B49F59A2205}"/>
-              </a:ext>
-            </a:extLst>
-          </p:cNvPr>
-          <p:cNvPicPr>
-            <a:picLocks noChangeAspect="1"/>
-          </p:cNvPicPr>
-          <p:nvPr/>
-        </p:nvPicPr>
-        <p:blipFill>
-          <a:blip r:embed="rId3"/>
-          <a:stretch>
-            <a:fillRect/>
-          </a:stretch>
-        </p:blipFill>
-        <p:spPr>
-          <a:xfrm>
-            <a:off x="6235568" y="106680"/>
-            <a:ext cx="5651929" cy="6644640"/>
-          </a:xfrm>
-          <a:prstGeom prst="rect">
-            <a:avLst/>
-          </a:prstGeom>
-        </p:spPr>
-      </p:pic>
-    </p:spTree>
-    <p:extLst>
-      <p:ext uri="{BB962C8B-B14F-4D97-AF65-F5344CB8AC3E}">
-        <p14:creationId xmlns:p14="http://schemas.microsoft.com/office/powerpoint/2010/main" val="578223880"/>
-      </p:ext>
-    </p:extLst>
-  </p:cSld>
-  <p:clrMapOvr>
-    <a:masterClrMapping/>
-  </p:clrMapOvr>
-</p:sld>
-</file>
-
-<file path=ppt/slides/slide21.xml><?xml version="1.0" encoding="utf-8"?>
-<p:sld xmlns:a="http://schemas.openxmlformats.org/drawingml/2006/main" xmlns:r="http://schemas.openxmlformats.org/officeDocument/2006/relationships" xmlns:p="http://schemas.openxmlformats.org/presentationml/2006/main">
-  <p:cSld>
-    <p:spTree>
-      <p:nvGrpSpPr>
-        <p:cNvPr id="1" name=""/>
-        <p:cNvGrpSpPr/>
-        <p:nvPr/>
-      </p:nvGrpSpPr>
-      <p:grpSpPr>
-        <a:xfrm>
-          <a:off x="0" y="0"/>
-          <a:ext cx="0" cy="0"/>
-          <a:chOff x="0" y="0"/>
-          <a:chExt cx="0" cy="0"/>
-        </a:xfrm>
-      </p:grpSpPr>
-      <p:pic>
-        <p:nvPicPr>
-          <p:cNvPr id="3" name="Imagen 2">
-            <a:extLst>
-              <a:ext uri="{FF2B5EF4-FFF2-40B4-BE49-F238E27FC236}">
-                <a16:creationId xmlns:a16="http://schemas.microsoft.com/office/drawing/2014/main" id="{22C187F4-795E-E4F9-9F7D-F26645820D8B}"/>
-              </a:ext>
-            </a:extLst>
-          </p:cNvPr>
-          <p:cNvPicPr>
-            <a:picLocks noChangeAspect="1"/>
-          </p:cNvPicPr>
-          <p:nvPr/>
-        </p:nvPicPr>
-        <p:blipFill>
-          <a:blip r:embed="rId2"/>
-          <a:stretch>
-            <a:fillRect/>
-          </a:stretch>
-        </p:blipFill>
-        <p:spPr>
-          <a:xfrm>
-            <a:off x="239570" y="447259"/>
-            <a:ext cx="6592220" cy="5963482"/>
-          </a:xfrm>
-          <a:prstGeom prst="rect">
-            <a:avLst/>
-          </a:prstGeom>
-        </p:spPr>
-      </p:pic>
-    </p:spTree>
-    <p:extLst>
-      <p:ext uri="{BB962C8B-B14F-4D97-AF65-F5344CB8AC3E}">
-        <p14:creationId xmlns:p14="http://schemas.microsoft.com/office/powerpoint/2010/main" val="35081394"/>
-      </p:ext>
-    </p:extLst>
-  </p:cSld>
-  <p:clrMapOvr>
-    <a:masterClrMapping/>
-  </p:clrMapOvr>
-</p:sld>
-</file>
-
-<file path=ppt/slides/slide22.xml><?xml version="1.0" encoding="utf-8"?>
-<p:sld xmlns:a="http://schemas.openxmlformats.org/drawingml/2006/main" xmlns:r="http://schemas.openxmlformats.org/officeDocument/2006/relationships" xmlns:p="http://schemas.openxmlformats.org/presentationml/2006/main">
-  <p:cSld>
-    <p:spTree>
-      <p:nvGrpSpPr>
-        <p:cNvPr id="1" name=""/>
-        <p:cNvGrpSpPr/>
-        <p:nvPr/>
-      </p:nvGrpSpPr>
-      <p:grpSpPr>
-        <a:xfrm>
-          <a:off x="0" y="0"/>
-          <a:ext cx="0" cy="0"/>
-          <a:chOff x="0" y="0"/>
-          <a:chExt cx="0" cy="0"/>
-        </a:xfrm>
-      </p:grpSpPr>
-      <p:pic>
-        <p:nvPicPr>
-          <p:cNvPr id="3" name="Imagen 2">
-            <a:extLst>
-              <a:ext uri="{FF2B5EF4-FFF2-40B4-BE49-F238E27FC236}">
-                <a16:creationId xmlns:a16="http://schemas.microsoft.com/office/drawing/2014/main" id="{2211E6DB-5358-597B-4674-6E79FCCBA597}"/>
-              </a:ext>
-            </a:extLst>
-          </p:cNvPr>
-          <p:cNvPicPr>
-            <a:picLocks noChangeAspect="1"/>
-          </p:cNvPicPr>
-          <p:nvPr/>
-        </p:nvPicPr>
-        <p:blipFill>
-          <a:blip r:embed="rId2"/>
-          <a:stretch>
-            <a:fillRect/>
-          </a:stretch>
-        </p:blipFill>
-        <p:spPr>
-          <a:xfrm>
-            <a:off x="262901" y="1342470"/>
-            <a:ext cx="4391638" cy="3400900"/>
-          </a:xfrm>
-          <a:prstGeom prst="rect">
-            <a:avLst/>
-          </a:prstGeom>
-        </p:spPr>
-      </p:pic>
-      <p:pic>
-        <p:nvPicPr>
-          <p:cNvPr id="5" name="Imagen 4">
-            <a:extLst>
-              <a:ext uri="{FF2B5EF4-FFF2-40B4-BE49-F238E27FC236}">
-                <a16:creationId xmlns:a16="http://schemas.microsoft.com/office/drawing/2014/main" id="{62A74E1C-F9CB-251B-0390-3CBF3B2EC099}"/>
-              </a:ext>
-            </a:extLst>
-          </p:cNvPr>
-          <p:cNvPicPr>
-            <a:picLocks noChangeAspect="1"/>
-          </p:cNvPicPr>
-          <p:nvPr/>
-        </p:nvPicPr>
-        <p:blipFill>
-          <a:blip r:embed="rId3"/>
-          <a:stretch>
-            <a:fillRect/>
-          </a:stretch>
-        </p:blipFill>
-        <p:spPr>
-          <a:xfrm>
-            <a:off x="6096000" y="1342470"/>
-            <a:ext cx="4706007" cy="3581900"/>
-          </a:xfrm>
-          <a:prstGeom prst="rect">
-            <a:avLst/>
-          </a:prstGeom>
-        </p:spPr>
-      </p:pic>
-    </p:spTree>
-    <p:extLst>
-      <p:ext uri="{BB962C8B-B14F-4D97-AF65-F5344CB8AC3E}">
-        <p14:creationId xmlns:p14="http://schemas.microsoft.com/office/powerpoint/2010/main" val="1352777778"/>
-      </p:ext>
-    </p:extLst>
-  </p:cSld>
-  <p:clrMapOvr>
-    <a:masterClrMapping/>
-  </p:clrMapOvr>
-</p:sld>
-</file>
-
-<file path=ppt/slides/slide23.xml><?xml version="1.0" encoding="utf-8"?>
-<p:sld xmlns:a="http://schemas.openxmlformats.org/drawingml/2006/main" xmlns:r="http://schemas.openxmlformats.org/officeDocument/2006/relationships" xmlns:p="http://schemas.openxmlformats.org/presentationml/2006/main">
-  <p:cSld>
-    <p:spTree>
-      <p:nvGrpSpPr>
-        <p:cNvPr id="1" name=""/>
-        <p:cNvGrpSpPr/>
-        <p:nvPr/>
-      </p:nvGrpSpPr>
-      <p:grpSpPr>
-        <a:xfrm>
-          <a:off x="0" y="0"/>
-          <a:ext cx="0" cy="0"/>
-          <a:chOff x="0" y="0"/>
-          <a:chExt cx="0" cy="0"/>
-        </a:xfrm>
-      </p:grpSpPr>
-      <p:pic>
-        <p:nvPicPr>
-          <p:cNvPr id="3" name="Imagen 2">
-            <a:extLst>
-              <a:ext uri="{FF2B5EF4-FFF2-40B4-BE49-F238E27FC236}">
-                <a16:creationId xmlns:a16="http://schemas.microsoft.com/office/drawing/2014/main" id="{2ED70AE8-5976-285B-4680-535D944E8095}"/>
-              </a:ext>
-            </a:extLst>
-          </p:cNvPr>
-          <p:cNvPicPr>
-            <a:picLocks noChangeAspect="1"/>
-          </p:cNvPicPr>
-          <p:nvPr/>
-        </p:nvPicPr>
-        <p:blipFill>
-          <a:blip r:embed="rId2"/>
-          <a:stretch>
-            <a:fillRect/>
-          </a:stretch>
-        </p:blipFill>
-        <p:spPr>
-          <a:xfrm>
-            <a:off x="686959" y="432314"/>
-            <a:ext cx="6144482" cy="6277851"/>
-          </a:xfrm>
-          <a:prstGeom prst="rect">
-            <a:avLst/>
-          </a:prstGeom>
-        </p:spPr>
-      </p:pic>
-    </p:spTree>
-    <p:extLst>
-      <p:ext uri="{BB962C8B-B14F-4D97-AF65-F5344CB8AC3E}">
-        <p14:creationId xmlns:p14="http://schemas.microsoft.com/office/powerpoint/2010/main" val="2731367013"/>
-      </p:ext>
-    </p:extLst>
-  </p:cSld>
-  <p:clrMapOvr>
-    <a:masterClrMapping/>
-  </p:clrMapOvr>
-</p:sld>
-</file>
-
-<file path=ppt/slides/slide24.xml><?xml version="1.0" encoding="utf-8"?>
-<p:sld xmlns:a="http://schemas.openxmlformats.org/drawingml/2006/main" xmlns:r="http://schemas.openxmlformats.org/officeDocument/2006/relationships" xmlns:p="http://schemas.openxmlformats.org/presentationml/2006/main">
-  <p:cSld>
-    <p:spTree>
-      <p:nvGrpSpPr>
-        <p:cNvPr id="1" name=""/>
-        <p:cNvGrpSpPr/>
-        <p:nvPr/>
-      </p:nvGrpSpPr>
-      <p:grpSpPr>
-        <a:xfrm>
-          <a:off x="0" y="0"/>
-          <a:ext cx="0" cy="0"/>
-          <a:chOff x="0" y="0"/>
-          <a:chExt cx="0" cy="0"/>
-        </a:xfrm>
-      </p:grpSpPr>
-    </p:spTree>
-    <p:extLst>
-      <p:ext uri="{BB962C8B-B14F-4D97-AF65-F5344CB8AC3E}">
-        <p14:creationId xmlns:p14="http://schemas.microsoft.com/office/powerpoint/2010/main" val="2044931892"/>
-      </p:ext>
-    </p:extLst>
-  </p:cSld>
-  <p:clrMapOvr>
-    <a:masterClrMapping/>
-  </p:clrMapOvr>
-</p:sld>
-</file>
-
-<file path=ppt/slides/slide25.xml><?xml version="1.0" encoding="utf-8"?>
-<p:sld xmlns:a="http://schemas.openxmlformats.org/drawingml/2006/main" xmlns:r="http://schemas.openxmlformats.org/officeDocument/2006/relationships" xmlns:p="http://schemas.openxmlformats.org/presentationml/2006/main">
-  <p:cSld>
-    <p:spTree>
-      <p:nvGrpSpPr>
-        <p:cNvPr id="1" name=""/>
-        <p:cNvGrpSpPr/>
-        <p:nvPr/>
-      </p:nvGrpSpPr>
-      <p:grpSpPr>
-        <a:xfrm>
-          <a:off x="0" y="0"/>
-          <a:ext cx="0" cy="0"/>
-          <a:chOff x="0" y="0"/>
-          <a:chExt cx="0" cy="0"/>
-        </a:xfrm>
-      </p:grpSpPr>
-    </p:spTree>
-    <p:extLst>
-      <p:ext uri="{BB962C8B-B14F-4D97-AF65-F5344CB8AC3E}">
-        <p14:creationId xmlns:p14="http://schemas.microsoft.com/office/powerpoint/2010/main" val="3452867654"/>
-      </p:ext>
-    </p:extLst>
-  </p:cSld>
-  <p:clrMapOvr>
-    <a:masterClrMapping/>
-  </p:clrMapOvr>
-</p:sld>
-</file>
-
-<file path=ppt/slides/slide26.xml><?xml version="1.0" encoding="utf-8"?>
-<p:sld xmlns:a="http://schemas.openxmlformats.org/drawingml/2006/main" xmlns:r="http://schemas.openxmlformats.org/officeDocument/2006/relationships" xmlns:p="http://schemas.openxmlformats.org/presentationml/2006/main">
-  <p:cSld>
-    <p:spTree>
-      <p:nvGrpSpPr>
-        <p:cNvPr id="1" name=""/>
-        <p:cNvGrpSpPr/>
-        <p:nvPr/>
-      </p:nvGrpSpPr>
-      <p:grpSpPr>
-        <a:xfrm>
-          <a:off x="0" y="0"/>
-          <a:ext cx="0" cy="0"/>
-          <a:chOff x="0" y="0"/>
-          <a:chExt cx="0" cy="0"/>
-        </a:xfrm>
-      </p:grpSpPr>
-    </p:spTree>
-    <p:extLst>
-      <p:ext uri="{BB962C8B-B14F-4D97-AF65-F5344CB8AC3E}">
-        <p14:creationId xmlns:p14="http://schemas.microsoft.com/office/powerpoint/2010/main" val="2381283816"/>
-      </p:ext>
-    </p:extLst>
-  </p:cSld>
-  <p:clrMapOvr>
-    <a:masterClrMapping/>
-  </p:clrMapOvr>
-</p:sld>
-</file>
-
-<file path=ppt/slides/slide27.xml><?xml version="1.0" encoding="utf-8"?>
-<p:sld xmlns:a="http://schemas.openxmlformats.org/drawingml/2006/main" xmlns:r="http://schemas.openxmlformats.org/officeDocument/2006/relationships" xmlns:p="http://schemas.openxmlformats.org/presentationml/2006/main">
-  <p:cSld>
-    <p:spTree>
-      <p:nvGrpSpPr>
-        <p:cNvPr id="1" name=""/>
-        <p:cNvGrpSpPr/>
-        <p:nvPr/>
-      </p:nvGrpSpPr>
-      <p:grpSpPr>
-        <a:xfrm>
-          <a:off x="0" y="0"/>
-          <a:ext cx="0" cy="0"/>
-          <a:chOff x="0" y="0"/>
-          <a:chExt cx="0" cy="0"/>
-        </a:xfrm>
-      </p:grpSpPr>
-    </p:spTree>
-    <p:extLst>
-      <p:ext uri="{BB962C8B-B14F-4D97-AF65-F5344CB8AC3E}">
-        <p14:creationId xmlns:p14="http://schemas.microsoft.com/office/powerpoint/2010/main" val="3056349684"/>
-      </p:ext>
-    </p:extLst>
-  </p:cSld>
-  <p:clrMapOvr>
-    <a:masterClrMapping/>
-  </p:clrMapOvr>
-</p:sld>
-</file>
-
-<file path=ppt/slides/slide28.xml><?xml version="1.0" encoding="utf-8"?>
-<p:sld xmlns:a="http://schemas.openxmlformats.org/drawingml/2006/main" xmlns:r="http://schemas.openxmlformats.org/officeDocument/2006/relationships" xmlns:p="http://schemas.openxmlformats.org/presentationml/2006/main">
-  <p:cSld>
-    <p:spTree>
-      <p:nvGrpSpPr>
-        <p:cNvPr id="1" name=""/>
-        <p:cNvGrpSpPr/>
-        <p:nvPr/>
-      </p:nvGrpSpPr>
-      <p:grpSpPr>
-        <a:xfrm>
-          <a:off x="0" y="0"/>
-          <a:ext cx="0" cy="0"/>
-          <a:chOff x="0" y="0"/>
-          <a:chExt cx="0" cy="0"/>
-        </a:xfrm>
-      </p:grpSpPr>
-    </p:spTree>
-    <p:extLst>
-      <p:ext uri="{BB962C8B-B14F-4D97-AF65-F5344CB8AC3E}">
-        <p14:creationId xmlns:p14="http://schemas.microsoft.com/office/powerpoint/2010/main" val="3043022318"/>
-      </p:ext>
-    </p:extLst>
-  </p:cSld>
-  <p:clrMapOvr>
-    <a:masterClrMapping/>
-  </p:clrMapOvr>
-</p:sld>
-</file>
-
-<file path=ppt/slides/slide29.xml><?xml version="1.0" encoding="utf-8"?>
-<p:sld xmlns:a="http://schemas.openxmlformats.org/drawingml/2006/main" xmlns:r="http://schemas.openxmlformats.org/officeDocument/2006/relationships" xmlns:p="http://schemas.openxmlformats.org/presentationml/2006/main">
-  <p:cSld>
-    <p:spTree>
-      <p:nvGrpSpPr>
-        <p:cNvPr id="1" name=""/>
-        <p:cNvGrpSpPr/>
-        <p:nvPr/>
-      </p:nvGrpSpPr>
-      <p:grpSpPr>
-        <a:xfrm>
-          <a:off x="0" y="0"/>
-          <a:ext cx="0" cy="0"/>
-          <a:chOff x="0" y="0"/>
-          <a:chExt cx="0" cy="0"/>
-        </a:xfrm>
-      </p:grpSpPr>
-    </p:spTree>
-    <p:extLst>
-      <p:ext uri="{BB962C8B-B14F-4D97-AF65-F5344CB8AC3E}">
-        <p14:creationId xmlns:p14="http://schemas.microsoft.com/office/powerpoint/2010/main" val="3590994124"/>
-      </p:ext>
-    </p:extLst>
-  </p:cSld>
-  <p:clrMapOvr>
-    <a:masterClrMapping/>
-  </p:clrMapOvr>
-</p:sld>
-</file>
-
 <file path=ppt/slides/slide3.xml><?xml version="1.0" encoding="utf-8"?>
 <p:sld xmlns:a="http://schemas.openxmlformats.org/drawingml/2006/main" xmlns:r="http://schemas.openxmlformats.org/officeDocument/2006/relationships" xmlns:p="http://schemas.openxmlformats.org/presentationml/2006/main">
   <p:cSld>
@@ -5664,8 +7875,8 @@
           </a:prstGeom>
         </p:spPr>
       </p:pic>
-      <mc:AlternateContent xmlns:mc="http://schemas.openxmlformats.org/markup-compatibility/2006">
-        <mc:Choice xmlns:p14="http://schemas.microsoft.com/office/powerpoint/2010/main" Requires="p14">
+      <mc:AlternateContent xmlns:mc="http://schemas.openxmlformats.org/markup-compatibility/2006" xmlns:p14="http://schemas.microsoft.com/office/powerpoint/2010/main">
+        <mc:Choice Requires="p14">
           <p:contentPart p14:bwMode="auto" r:id="rId4">
             <p14:nvContentPartPr>
               <p14:cNvPr id="6" name="Entrada de lápiz 5">
@@ -5684,7 +7895,7 @@
             </p14:xfrm>
           </p:contentPart>
         </mc:Choice>
-        <mc:Fallback>
+        <mc:Fallback xmlns="">
           <p:pic>
             <p:nvPicPr>
               <p:cNvPr id="6" name="Entrada de lápiz 5">
@@ -5715,8 +7926,8 @@
           </p:pic>
         </mc:Fallback>
       </mc:AlternateContent>
-      <mc:AlternateContent xmlns:mc="http://schemas.openxmlformats.org/markup-compatibility/2006">
-        <mc:Choice xmlns:p14="http://schemas.microsoft.com/office/powerpoint/2010/main" Requires="p14">
+      <mc:AlternateContent xmlns:mc="http://schemas.openxmlformats.org/markup-compatibility/2006" xmlns:p14="http://schemas.microsoft.com/office/powerpoint/2010/main">
+        <mc:Choice Requires="p14">
           <p:contentPart p14:bwMode="auto" r:id="rId6">
             <p14:nvContentPartPr>
               <p14:cNvPr id="7" name="Entrada de lápiz 6">
@@ -5735,7 +7946,7 @@
             </p14:xfrm>
           </p:contentPart>
         </mc:Choice>
-        <mc:Fallback>
+        <mc:Fallback xmlns="">
           <p:pic>
             <p:nvPicPr>
               <p:cNvPr id="7" name="Entrada de lápiz 6">
@@ -5796,10 +8007,100 @@
           <a:chExt cx="0" cy="0"/>
         </a:xfrm>
       </p:grpSpPr>
+      <p:pic>
+        <p:nvPicPr>
+          <p:cNvPr id="11" name="Imagen 10">
+            <a:extLst>
+              <a:ext uri="{FF2B5EF4-FFF2-40B4-BE49-F238E27FC236}">
+                <a16:creationId xmlns:a16="http://schemas.microsoft.com/office/drawing/2014/main" id="{19FACD0C-7055-47B5-92FC-A2E1A647DFE0}"/>
+              </a:ext>
+            </a:extLst>
+          </p:cNvPr>
+          <p:cNvPicPr>
+            <a:picLocks noChangeAspect="1"/>
+          </p:cNvPicPr>
+          <p:nvPr/>
+        </p:nvPicPr>
+        <p:blipFill>
+          <a:blip r:embed="rId2"/>
+          <a:stretch>
+            <a:fillRect/>
+          </a:stretch>
+        </p:blipFill>
+        <p:spPr>
+          <a:xfrm>
+            <a:off x="241435" y="162560"/>
+            <a:ext cx="3599045" cy="6339840"/>
+          </a:xfrm>
+          <a:prstGeom prst="rect">
+            <a:avLst/>
+          </a:prstGeom>
+        </p:spPr>
+      </p:pic>
+      <p:pic>
+        <p:nvPicPr>
+          <p:cNvPr id="13" name="Imagen 12">
+            <a:extLst>
+              <a:ext uri="{FF2B5EF4-FFF2-40B4-BE49-F238E27FC236}">
+                <a16:creationId xmlns:a16="http://schemas.microsoft.com/office/drawing/2014/main" id="{C1FFEC1A-C5B7-212B-AADF-8E35E2000F32}"/>
+              </a:ext>
+            </a:extLst>
+          </p:cNvPr>
+          <p:cNvPicPr>
+            <a:picLocks noChangeAspect="1"/>
+          </p:cNvPicPr>
+          <p:nvPr/>
+        </p:nvPicPr>
+        <p:blipFill>
+          <a:blip r:embed="rId3"/>
+          <a:stretch>
+            <a:fillRect/>
+          </a:stretch>
+        </p:blipFill>
+        <p:spPr>
+          <a:xfrm>
+            <a:off x="4051444" y="370840"/>
+            <a:ext cx="4089111" cy="5923280"/>
+          </a:xfrm>
+          <a:prstGeom prst="rect">
+            <a:avLst/>
+          </a:prstGeom>
+        </p:spPr>
+      </p:pic>
+      <p:pic>
+        <p:nvPicPr>
+          <p:cNvPr id="15" name="Imagen 14">
+            <a:extLst>
+              <a:ext uri="{FF2B5EF4-FFF2-40B4-BE49-F238E27FC236}">
+                <a16:creationId xmlns:a16="http://schemas.microsoft.com/office/drawing/2014/main" id="{6D885FA2-2454-BCFB-BBB1-D8D85204354B}"/>
+              </a:ext>
+            </a:extLst>
+          </p:cNvPr>
+          <p:cNvPicPr>
+            <a:picLocks noChangeAspect="1"/>
+          </p:cNvPicPr>
+          <p:nvPr/>
+        </p:nvPicPr>
+        <p:blipFill>
+          <a:blip r:embed="rId4"/>
+          <a:stretch>
+            <a:fillRect/>
+          </a:stretch>
+        </p:blipFill>
+        <p:spPr>
+          <a:xfrm>
+            <a:off x="8351519" y="243840"/>
+            <a:ext cx="3720753" cy="6507480"/>
+          </a:xfrm>
+          <a:prstGeom prst="rect">
+            <a:avLst/>
+          </a:prstGeom>
+        </p:spPr>
+      </p:pic>
     </p:spTree>
     <p:extLst>
       <p:ext uri="{BB962C8B-B14F-4D97-AF65-F5344CB8AC3E}">
-        <p14:creationId xmlns:p14="http://schemas.microsoft.com/office/powerpoint/2010/main" val="1172866804"/>
+        <p14:creationId xmlns:p14="http://schemas.microsoft.com/office/powerpoint/2010/main" val="3847902487"/>
       </p:ext>
     </p:extLst>
   </p:cSld>
@@ -5826,10 +8127,172 @@
           <a:chExt cx="0" cy="0"/>
         </a:xfrm>
       </p:grpSpPr>
+      <p:pic>
+        <p:nvPicPr>
+          <p:cNvPr id="3" name="Imagen 2">
+            <a:extLst>
+              <a:ext uri="{FF2B5EF4-FFF2-40B4-BE49-F238E27FC236}">
+                <a16:creationId xmlns:a16="http://schemas.microsoft.com/office/drawing/2014/main" id="{8BD41415-D83D-1A9D-AAA9-9010D4D3AE9F}"/>
+              </a:ext>
+            </a:extLst>
+          </p:cNvPr>
+          <p:cNvPicPr>
+            <a:picLocks noChangeAspect="1"/>
+          </p:cNvPicPr>
+          <p:nvPr/>
+        </p:nvPicPr>
+        <p:blipFill>
+          <a:blip r:embed="rId2"/>
+          <a:stretch>
+            <a:fillRect/>
+          </a:stretch>
+        </p:blipFill>
+        <p:spPr>
+          <a:xfrm>
+            <a:off x="570151" y="0"/>
+            <a:ext cx="3661475" cy="6858000"/>
+          </a:xfrm>
+          <a:prstGeom prst="rect">
+            <a:avLst/>
+          </a:prstGeom>
+        </p:spPr>
+      </p:pic>
+      <p:pic>
+        <p:nvPicPr>
+          <p:cNvPr id="7" name="Imagen 6">
+            <a:extLst>
+              <a:ext uri="{FF2B5EF4-FFF2-40B4-BE49-F238E27FC236}">
+                <a16:creationId xmlns:a16="http://schemas.microsoft.com/office/drawing/2014/main" id="{92D241ED-0496-34B8-97D3-F3153EBDF75D}"/>
+              </a:ext>
+            </a:extLst>
+          </p:cNvPr>
+          <p:cNvPicPr>
+            <a:picLocks noChangeAspect="1"/>
+          </p:cNvPicPr>
+          <p:nvPr/>
+        </p:nvPicPr>
+        <p:blipFill>
+          <a:blip r:embed="rId3"/>
+          <a:stretch>
+            <a:fillRect/>
+          </a:stretch>
+        </p:blipFill>
+        <p:spPr>
+          <a:xfrm>
+            <a:off x="5934630" y="251029"/>
+            <a:ext cx="5687219" cy="6173061"/>
+          </a:xfrm>
+          <a:prstGeom prst="rect">
+            <a:avLst/>
+          </a:prstGeom>
+        </p:spPr>
+      </p:pic>
+      <mc:AlternateContent xmlns:mc="http://schemas.openxmlformats.org/markup-compatibility/2006">
+        <mc:Choice xmlns:p14="http://schemas.microsoft.com/office/powerpoint/2010/main" Requires="p14">
+          <p:contentPart p14:bwMode="auto" r:id="rId4">
+            <p14:nvContentPartPr>
+              <p14:cNvPr id="8" name="Entrada de lápiz 7">
+                <a:extLst>
+                  <a:ext uri="{FF2B5EF4-FFF2-40B4-BE49-F238E27FC236}">
+                    <a16:creationId xmlns:a16="http://schemas.microsoft.com/office/drawing/2014/main" id="{9AA8C137-EBCC-09C1-1312-3C5364F1AB31}"/>
+                  </a:ext>
+                </a:extLst>
+              </p14:cNvPr>
+              <p14:cNvContentPartPr/>
+              <p14:nvPr/>
+            </p14:nvContentPartPr>
+            <p14:xfrm>
+              <a:off x="741680" y="130880"/>
+              <a:ext cx="3128400" cy="83520"/>
+            </p14:xfrm>
+          </p:contentPart>
+        </mc:Choice>
+        <mc:Fallback>
+          <p:pic>
+            <p:nvPicPr>
+              <p:cNvPr id="8" name="Entrada de lápiz 7">
+                <a:extLst>
+                  <a:ext uri="{FF2B5EF4-FFF2-40B4-BE49-F238E27FC236}">
+                    <a16:creationId xmlns:a16="http://schemas.microsoft.com/office/drawing/2014/main" id="{9AA8C137-EBCC-09C1-1312-3C5364F1AB31}"/>
+                  </a:ext>
+                </a:extLst>
+              </p:cNvPr>
+              <p:cNvPicPr/>
+              <p:nvPr/>
+            </p:nvPicPr>
+            <p:blipFill>
+              <a:blip r:embed="rId5"/>
+              <a:stretch>
+                <a:fillRect/>
+              </a:stretch>
+            </p:blipFill>
+            <p:spPr>
+              <a:xfrm>
+                <a:off x="688040" y="22880"/>
+                <a:ext cx="3236040" cy="299160"/>
+              </a:xfrm>
+              <a:prstGeom prst="rect">
+                <a:avLst/>
+              </a:prstGeom>
+            </p:spPr>
+          </p:pic>
+        </mc:Fallback>
+      </mc:AlternateContent>
+      <mc:AlternateContent xmlns:mc="http://schemas.openxmlformats.org/markup-compatibility/2006">
+        <mc:Choice xmlns:p14="http://schemas.microsoft.com/office/powerpoint/2010/main" Requires="p14">
+          <p:contentPart p14:bwMode="auto" r:id="rId6">
+            <p14:nvContentPartPr>
+              <p14:cNvPr id="9" name="Entrada de lápiz 8">
+                <a:extLst>
+                  <a:ext uri="{FF2B5EF4-FFF2-40B4-BE49-F238E27FC236}">
+                    <a16:creationId xmlns:a16="http://schemas.microsoft.com/office/drawing/2014/main" id="{89707103-5335-1C29-C59E-3829133B7576}"/>
+                  </a:ext>
+                </a:extLst>
+              </p14:cNvPr>
+              <p14:cNvContentPartPr/>
+              <p14:nvPr/>
+            </p14:nvContentPartPr>
+            <p14:xfrm>
+              <a:off x="7203680" y="4947160"/>
+              <a:ext cx="3383280" cy="133200"/>
+            </p14:xfrm>
+          </p:contentPart>
+        </mc:Choice>
+        <mc:Fallback>
+          <p:pic>
+            <p:nvPicPr>
+              <p:cNvPr id="9" name="Entrada de lápiz 8">
+                <a:extLst>
+                  <a:ext uri="{FF2B5EF4-FFF2-40B4-BE49-F238E27FC236}">
+                    <a16:creationId xmlns:a16="http://schemas.microsoft.com/office/drawing/2014/main" id="{89707103-5335-1C29-C59E-3829133B7576}"/>
+                  </a:ext>
+                </a:extLst>
+              </p:cNvPr>
+              <p:cNvPicPr/>
+              <p:nvPr/>
+            </p:nvPicPr>
+            <p:blipFill>
+              <a:blip r:embed="rId7"/>
+              <a:stretch>
+                <a:fillRect/>
+              </a:stretch>
+            </p:blipFill>
+            <p:spPr>
+              <a:xfrm>
+                <a:off x="7149680" y="4839520"/>
+                <a:ext cx="3490920" cy="348840"/>
+              </a:xfrm>
+              <a:prstGeom prst="rect">
+                <a:avLst/>
+              </a:prstGeom>
+            </p:spPr>
+          </p:pic>
+        </mc:Fallback>
+      </mc:AlternateContent>
     </p:spTree>
     <p:extLst>
       <p:ext uri="{BB962C8B-B14F-4D97-AF65-F5344CB8AC3E}">
-        <p14:creationId xmlns:p14="http://schemas.microsoft.com/office/powerpoint/2010/main" val="2923153775"/>
+        <p14:creationId xmlns:p14="http://schemas.microsoft.com/office/powerpoint/2010/main" val="1561408416"/>
       </p:ext>
     </p:extLst>
   </p:cSld>
@@ -5856,10 +8319,70 @@
           <a:chExt cx="0" cy="0"/>
         </a:xfrm>
       </p:grpSpPr>
+      <p:pic>
+        <p:nvPicPr>
+          <p:cNvPr id="3" name="Imagen 2">
+            <a:extLst>
+              <a:ext uri="{FF2B5EF4-FFF2-40B4-BE49-F238E27FC236}">
+                <a16:creationId xmlns:a16="http://schemas.microsoft.com/office/drawing/2014/main" id="{A27D3ECC-3EBA-26B2-4C32-4FC129EEE10A}"/>
+              </a:ext>
+            </a:extLst>
+          </p:cNvPr>
+          <p:cNvPicPr>
+            <a:picLocks noChangeAspect="1"/>
+          </p:cNvPicPr>
+          <p:nvPr/>
+        </p:nvPicPr>
+        <p:blipFill>
+          <a:blip r:embed="rId2"/>
+          <a:stretch>
+            <a:fillRect/>
+          </a:stretch>
+        </p:blipFill>
+        <p:spPr>
+          <a:xfrm>
+            <a:off x="239622" y="81280"/>
+            <a:ext cx="4687978" cy="6858000"/>
+          </a:xfrm>
+          <a:prstGeom prst="rect">
+            <a:avLst/>
+          </a:prstGeom>
+        </p:spPr>
+      </p:pic>
+      <p:pic>
+        <p:nvPicPr>
+          <p:cNvPr id="5" name="Imagen 4">
+            <a:extLst>
+              <a:ext uri="{FF2B5EF4-FFF2-40B4-BE49-F238E27FC236}">
+                <a16:creationId xmlns:a16="http://schemas.microsoft.com/office/drawing/2014/main" id="{96E7DDC0-0DF9-8F6E-D09D-EEAE37B20D6B}"/>
+              </a:ext>
+            </a:extLst>
+          </p:cNvPr>
+          <p:cNvPicPr>
+            <a:picLocks noChangeAspect="1"/>
+          </p:cNvPicPr>
+          <p:nvPr/>
+        </p:nvPicPr>
+        <p:blipFill>
+          <a:blip r:embed="rId3"/>
+          <a:stretch>
+            <a:fillRect/>
+          </a:stretch>
+        </p:blipFill>
+        <p:spPr>
+          <a:xfrm>
+            <a:off x="5953760" y="604443"/>
+            <a:ext cx="5998618" cy="5649113"/>
+          </a:xfrm>
+          <a:prstGeom prst="rect">
+            <a:avLst/>
+          </a:prstGeom>
+        </p:spPr>
+      </p:pic>
     </p:spTree>
     <p:extLst>
       <p:ext uri="{BB962C8B-B14F-4D97-AF65-F5344CB8AC3E}">
-        <p14:creationId xmlns:p14="http://schemas.microsoft.com/office/powerpoint/2010/main" val="832446904"/>
+        <p14:creationId xmlns:p14="http://schemas.microsoft.com/office/powerpoint/2010/main" val="1251332818"/>
       </p:ext>
     </p:extLst>
   </p:cSld>
@@ -5886,10 +8409,40 @@
           <a:chExt cx="0" cy="0"/>
         </a:xfrm>
       </p:grpSpPr>
+      <p:pic>
+        <p:nvPicPr>
+          <p:cNvPr id="3" name="Imagen 2">
+            <a:extLst>
+              <a:ext uri="{FF2B5EF4-FFF2-40B4-BE49-F238E27FC236}">
+                <a16:creationId xmlns:a16="http://schemas.microsoft.com/office/drawing/2014/main" id="{78B399A4-0945-C599-49A2-745DA3B70FC3}"/>
+              </a:ext>
+            </a:extLst>
+          </p:cNvPr>
+          <p:cNvPicPr>
+            <a:picLocks noChangeAspect="1"/>
+          </p:cNvPicPr>
+          <p:nvPr/>
+        </p:nvPicPr>
+        <p:blipFill>
+          <a:blip r:embed="rId2"/>
+          <a:stretch>
+            <a:fillRect/>
+          </a:stretch>
+        </p:blipFill>
+        <p:spPr>
+          <a:xfrm>
+            <a:off x="300879" y="464738"/>
+            <a:ext cx="6144482" cy="5725324"/>
+          </a:xfrm>
+          <a:prstGeom prst="rect">
+            <a:avLst/>
+          </a:prstGeom>
+        </p:spPr>
+      </p:pic>
     </p:spTree>
     <p:extLst>
       <p:ext uri="{BB962C8B-B14F-4D97-AF65-F5344CB8AC3E}">
-        <p14:creationId xmlns:p14="http://schemas.microsoft.com/office/powerpoint/2010/main" val="175659859"/>
+        <p14:creationId xmlns:p14="http://schemas.microsoft.com/office/powerpoint/2010/main" val="4004203291"/>
       </p:ext>
     </p:extLst>
   </p:cSld>
@@ -5916,10 +8469,40 @@
           <a:chExt cx="0" cy="0"/>
         </a:xfrm>
       </p:grpSpPr>
+      <p:pic>
+        <p:nvPicPr>
+          <p:cNvPr id="3" name="Imagen 2">
+            <a:extLst>
+              <a:ext uri="{FF2B5EF4-FFF2-40B4-BE49-F238E27FC236}">
+                <a16:creationId xmlns:a16="http://schemas.microsoft.com/office/drawing/2014/main" id="{30BC076E-5B9E-8A1D-F4C2-8D7939F34D70}"/>
+              </a:ext>
+            </a:extLst>
+          </p:cNvPr>
+          <p:cNvPicPr>
+            <a:picLocks noChangeAspect="1"/>
+          </p:cNvPicPr>
+          <p:nvPr/>
+        </p:nvPicPr>
+        <p:blipFill>
+          <a:blip r:embed="rId2"/>
+          <a:stretch>
+            <a:fillRect/>
+          </a:stretch>
+        </p:blipFill>
+        <p:spPr>
+          <a:xfrm>
+            <a:off x="2064916" y="271022"/>
+            <a:ext cx="6030167" cy="6315956"/>
+          </a:xfrm>
+          <a:prstGeom prst="rect">
+            <a:avLst/>
+          </a:prstGeom>
+        </p:spPr>
+      </p:pic>
     </p:spTree>
     <p:extLst>
       <p:ext uri="{BB962C8B-B14F-4D97-AF65-F5344CB8AC3E}">
-        <p14:creationId xmlns:p14="http://schemas.microsoft.com/office/powerpoint/2010/main" val="3122467114"/>
+        <p14:creationId xmlns:p14="http://schemas.microsoft.com/office/powerpoint/2010/main" val="2003229793"/>
       </p:ext>
     </p:extLst>
   </p:cSld>
@@ -5946,10 +8529,70 @@
           <a:chExt cx="0" cy="0"/>
         </a:xfrm>
       </p:grpSpPr>
+      <p:pic>
+        <p:nvPicPr>
+          <p:cNvPr id="3" name="Imagen 2">
+            <a:extLst>
+              <a:ext uri="{FF2B5EF4-FFF2-40B4-BE49-F238E27FC236}">
+                <a16:creationId xmlns:a16="http://schemas.microsoft.com/office/drawing/2014/main" id="{BDEB292A-7073-1144-A012-2E915B2D5F3B}"/>
+              </a:ext>
+            </a:extLst>
+          </p:cNvPr>
+          <p:cNvPicPr>
+            <a:picLocks noChangeAspect="1"/>
+          </p:cNvPicPr>
+          <p:nvPr/>
+        </p:nvPicPr>
+        <p:blipFill>
+          <a:blip r:embed="rId2"/>
+          <a:stretch>
+            <a:fillRect/>
+          </a:stretch>
+        </p:blipFill>
+        <p:spPr>
+          <a:xfrm>
+            <a:off x="304503" y="76095"/>
+            <a:ext cx="5385098" cy="6705810"/>
+          </a:xfrm>
+          <a:prstGeom prst="rect">
+            <a:avLst/>
+          </a:prstGeom>
+        </p:spPr>
+      </p:pic>
+      <p:pic>
+        <p:nvPicPr>
+          <p:cNvPr id="5" name="Imagen 4">
+            <a:extLst>
+              <a:ext uri="{FF2B5EF4-FFF2-40B4-BE49-F238E27FC236}">
+                <a16:creationId xmlns:a16="http://schemas.microsoft.com/office/drawing/2014/main" id="{19BE3EE3-4CA4-221C-7F40-7B49F59A2205}"/>
+              </a:ext>
+            </a:extLst>
+          </p:cNvPr>
+          <p:cNvPicPr>
+            <a:picLocks noChangeAspect="1"/>
+          </p:cNvPicPr>
+          <p:nvPr/>
+        </p:nvPicPr>
+        <p:blipFill>
+          <a:blip r:embed="rId3"/>
+          <a:stretch>
+            <a:fillRect/>
+          </a:stretch>
+        </p:blipFill>
+        <p:spPr>
+          <a:xfrm>
+            <a:off x="6235568" y="106680"/>
+            <a:ext cx="5651929" cy="6644640"/>
+          </a:xfrm>
+          <a:prstGeom prst="rect">
+            <a:avLst/>
+          </a:prstGeom>
+        </p:spPr>
+      </p:pic>
     </p:spTree>
     <p:extLst>
       <p:ext uri="{BB962C8B-B14F-4D97-AF65-F5344CB8AC3E}">
-        <p14:creationId xmlns:p14="http://schemas.microsoft.com/office/powerpoint/2010/main" val="4259755852"/>
+        <p14:creationId xmlns:p14="http://schemas.microsoft.com/office/powerpoint/2010/main" val="578223880"/>
       </p:ext>
     </p:extLst>
   </p:cSld>
@@ -5976,10 +8619,40 @@
           <a:chExt cx="0" cy="0"/>
         </a:xfrm>
       </p:grpSpPr>
+      <p:pic>
+        <p:nvPicPr>
+          <p:cNvPr id="3" name="Imagen 2">
+            <a:extLst>
+              <a:ext uri="{FF2B5EF4-FFF2-40B4-BE49-F238E27FC236}">
+                <a16:creationId xmlns:a16="http://schemas.microsoft.com/office/drawing/2014/main" id="{22C187F4-795E-E4F9-9F7D-F26645820D8B}"/>
+              </a:ext>
+            </a:extLst>
+          </p:cNvPr>
+          <p:cNvPicPr>
+            <a:picLocks noChangeAspect="1"/>
+          </p:cNvPicPr>
+          <p:nvPr/>
+        </p:nvPicPr>
+        <p:blipFill>
+          <a:blip r:embed="rId2"/>
+          <a:stretch>
+            <a:fillRect/>
+          </a:stretch>
+        </p:blipFill>
+        <p:spPr>
+          <a:xfrm>
+            <a:off x="239570" y="447259"/>
+            <a:ext cx="6592220" cy="5963482"/>
+          </a:xfrm>
+          <a:prstGeom prst="rect">
+            <a:avLst/>
+          </a:prstGeom>
+        </p:spPr>
+      </p:pic>
     </p:spTree>
     <p:extLst>
       <p:ext uri="{BB962C8B-B14F-4D97-AF65-F5344CB8AC3E}">
-        <p14:creationId xmlns:p14="http://schemas.microsoft.com/office/powerpoint/2010/main" val="948240346"/>
+        <p14:creationId xmlns:p14="http://schemas.microsoft.com/office/powerpoint/2010/main" val="35081394"/>
       </p:ext>
     </p:extLst>
   </p:cSld>
@@ -6006,10 +8679,70 @@
           <a:chExt cx="0" cy="0"/>
         </a:xfrm>
       </p:grpSpPr>
+      <p:pic>
+        <p:nvPicPr>
+          <p:cNvPr id="3" name="Imagen 2">
+            <a:extLst>
+              <a:ext uri="{FF2B5EF4-FFF2-40B4-BE49-F238E27FC236}">
+                <a16:creationId xmlns:a16="http://schemas.microsoft.com/office/drawing/2014/main" id="{2211E6DB-5358-597B-4674-6E79FCCBA597}"/>
+              </a:ext>
+            </a:extLst>
+          </p:cNvPr>
+          <p:cNvPicPr>
+            <a:picLocks noChangeAspect="1"/>
+          </p:cNvPicPr>
+          <p:nvPr/>
+        </p:nvPicPr>
+        <p:blipFill>
+          <a:blip r:embed="rId2"/>
+          <a:stretch>
+            <a:fillRect/>
+          </a:stretch>
+        </p:blipFill>
+        <p:spPr>
+          <a:xfrm>
+            <a:off x="262901" y="1342470"/>
+            <a:ext cx="4391638" cy="3400900"/>
+          </a:xfrm>
+          <a:prstGeom prst="rect">
+            <a:avLst/>
+          </a:prstGeom>
+        </p:spPr>
+      </p:pic>
+      <p:pic>
+        <p:nvPicPr>
+          <p:cNvPr id="5" name="Imagen 4">
+            <a:extLst>
+              <a:ext uri="{FF2B5EF4-FFF2-40B4-BE49-F238E27FC236}">
+                <a16:creationId xmlns:a16="http://schemas.microsoft.com/office/drawing/2014/main" id="{62A74E1C-F9CB-251B-0390-3CBF3B2EC099}"/>
+              </a:ext>
+            </a:extLst>
+          </p:cNvPr>
+          <p:cNvPicPr>
+            <a:picLocks noChangeAspect="1"/>
+          </p:cNvPicPr>
+          <p:nvPr/>
+        </p:nvPicPr>
+        <p:blipFill>
+          <a:blip r:embed="rId3"/>
+          <a:stretch>
+            <a:fillRect/>
+          </a:stretch>
+        </p:blipFill>
+        <p:spPr>
+          <a:xfrm>
+            <a:off x="6096000" y="1342470"/>
+            <a:ext cx="4706007" cy="3581900"/>
+          </a:xfrm>
+          <a:prstGeom prst="rect">
+            <a:avLst/>
+          </a:prstGeom>
+        </p:spPr>
+      </p:pic>
     </p:spTree>
     <p:extLst>
       <p:ext uri="{BB962C8B-B14F-4D97-AF65-F5344CB8AC3E}">
-        <p14:creationId xmlns:p14="http://schemas.microsoft.com/office/powerpoint/2010/main" val="1347042646"/>
+        <p14:creationId xmlns:p14="http://schemas.microsoft.com/office/powerpoint/2010/main" val="1352777778"/>
       </p:ext>
     </p:extLst>
   </p:cSld>
@@ -6036,10 +8769,40 @@
           <a:chExt cx="0" cy="0"/>
         </a:xfrm>
       </p:grpSpPr>
+      <p:pic>
+        <p:nvPicPr>
+          <p:cNvPr id="3" name="Imagen 2">
+            <a:extLst>
+              <a:ext uri="{FF2B5EF4-FFF2-40B4-BE49-F238E27FC236}">
+                <a16:creationId xmlns:a16="http://schemas.microsoft.com/office/drawing/2014/main" id="{2ED70AE8-5976-285B-4680-535D944E8095}"/>
+              </a:ext>
+            </a:extLst>
+          </p:cNvPr>
+          <p:cNvPicPr>
+            <a:picLocks noChangeAspect="1"/>
+          </p:cNvPicPr>
+          <p:nvPr/>
+        </p:nvPicPr>
+        <p:blipFill>
+          <a:blip r:embed="rId2"/>
+          <a:stretch>
+            <a:fillRect/>
+          </a:stretch>
+        </p:blipFill>
+        <p:spPr>
+          <a:xfrm>
+            <a:off x="686959" y="432314"/>
+            <a:ext cx="6144482" cy="6277851"/>
+          </a:xfrm>
+          <a:prstGeom prst="rect">
+            <a:avLst/>
+          </a:prstGeom>
+        </p:spPr>
+      </p:pic>
     </p:spTree>
     <p:extLst>
       <p:ext uri="{BB962C8B-B14F-4D97-AF65-F5344CB8AC3E}">
-        <p14:creationId xmlns:p14="http://schemas.microsoft.com/office/powerpoint/2010/main" val="1537649757"/>
+        <p14:creationId xmlns:p14="http://schemas.microsoft.com/office/powerpoint/2010/main" val="2731367013"/>
       </p:ext>
     </p:extLst>
   </p:cSld>
@@ -6069,7 +8832,7 @@
     </p:spTree>
     <p:extLst>
       <p:ext uri="{BB962C8B-B14F-4D97-AF65-F5344CB8AC3E}">
-        <p14:creationId xmlns:p14="http://schemas.microsoft.com/office/powerpoint/2010/main" val="349755496"/>
+        <p14:creationId xmlns:p14="http://schemas.microsoft.com/office/powerpoint/2010/main" val="2044931892"/>
       </p:ext>
     </p:extLst>
   </p:cSld>
@@ -6156,8 +8919,8 @@
           </a:prstGeom>
         </p:spPr>
       </p:pic>
-      <mc:AlternateContent xmlns:mc="http://schemas.openxmlformats.org/markup-compatibility/2006">
-        <mc:Choice xmlns:p14="http://schemas.microsoft.com/office/powerpoint/2010/main" Requires="p14">
+      <mc:AlternateContent xmlns:mc="http://schemas.openxmlformats.org/markup-compatibility/2006" xmlns:p14="http://schemas.microsoft.com/office/powerpoint/2010/main">
+        <mc:Choice Requires="p14">
           <p:contentPart p14:bwMode="auto" r:id="rId4">
             <p14:nvContentPartPr>
               <p14:cNvPr id="6" name="Entrada de lápiz 5">
@@ -6176,7 +8939,7 @@
             </p14:xfrm>
           </p:contentPart>
         </mc:Choice>
-        <mc:Fallback>
+        <mc:Fallback xmlns="">
           <p:pic>
             <p:nvPicPr>
               <p:cNvPr id="6" name="Entrada de lápiz 5">
@@ -6240,7 +9003,7 @@
     </p:spTree>
     <p:extLst>
       <p:ext uri="{BB962C8B-B14F-4D97-AF65-F5344CB8AC3E}">
-        <p14:creationId xmlns:p14="http://schemas.microsoft.com/office/powerpoint/2010/main" val="1585805896"/>
+        <p14:creationId xmlns:p14="http://schemas.microsoft.com/office/powerpoint/2010/main" val="3452867654"/>
       </p:ext>
     </p:extLst>
   </p:cSld>
@@ -6270,7 +9033,7 @@
     </p:spTree>
     <p:extLst>
       <p:ext uri="{BB962C8B-B14F-4D97-AF65-F5344CB8AC3E}">
-        <p14:creationId xmlns:p14="http://schemas.microsoft.com/office/powerpoint/2010/main" val="1461187163"/>
+        <p14:creationId xmlns:p14="http://schemas.microsoft.com/office/powerpoint/2010/main" val="2381283816"/>
       </p:ext>
     </p:extLst>
   </p:cSld>
@@ -6300,7 +9063,7 @@
     </p:spTree>
     <p:extLst>
       <p:ext uri="{BB962C8B-B14F-4D97-AF65-F5344CB8AC3E}">
-        <p14:creationId xmlns:p14="http://schemas.microsoft.com/office/powerpoint/2010/main" val="1452121961"/>
+        <p14:creationId xmlns:p14="http://schemas.microsoft.com/office/powerpoint/2010/main" val="3056349684"/>
       </p:ext>
     </p:extLst>
   </p:cSld>
@@ -6330,7 +9093,7 @@
     </p:spTree>
     <p:extLst>
       <p:ext uri="{BB962C8B-B14F-4D97-AF65-F5344CB8AC3E}">
-        <p14:creationId xmlns:p14="http://schemas.microsoft.com/office/powerpoint/2010/main" val="1553952921"/>
+        <p14:creationId xmlns:p14="http://schemas.microsoft.com/office/powerpoint/2010/main" val="3043022318"/>
       </p:ext>
     </p:extLst>
   </p:cSld>
@@ -6360,7 +9123,7 @@
     </p:spTree>
     <p:extLst>
       <p:ext uri="{BB962C8B-B14F-4D97-AF65-F5344CB8AC3E}">
-        <p14:creationId xmlns:p14="http://schemas.microsoft.com/office/powerpoint/2010/main" val="711737912"/>
+        <p14:creationId xmlns:p14="http://schemas.microsoft.com/office/powerpoint/2010/main" val="3590994124"/>
       </p:ext>
     </p:extLst>
   </p:cSld>
@@ -6390,7 +9153,7 @@
     </p:spTree>
     <p:extLst>
       <p:ext uri="{BB962C8B-B14F-4D97-AF65-F5344CB8AC3E}">
-        <p14:creationId xmlns:p14="http://schemas.microsoft.com/office/powerpoint/2010/main" val="77345973"/>
+        <p14:creationId xmlns:p14="http://schemas.microsoft.com/office/powerpoint/2010/main" val="1172866804"/>
       </p:ext>
     </p:extLst>
   </p:cSld>
@@ -6420,7 +9183,7 @@
     </p:spTree>
     <p:extLst>
       <p:ext uri="{BB962C8B-B14F-4D97-AF65-F5344CB8AC3E}">
-        <p14:creationId xmlns:p14="http://schemas.microsoft.com/office/powerpoint/2010/main" val="2500532275"/>
+        <p14:creationId xmlns:p14="http://schemas.microsoft.com/office/powerpoint/2010/main" val="2923153775"/>
       </p:ext>
     </p:extLst>
   </p:cSld>
@@ -6450,7 +9213,7 @@
     </p:spTree>
     <p:extLst>
       <p:ext uri="{BB962C8B-B14F-4D97-AF65-F5344CB8AC3E}">
-        <p14:creationId xmlns:p14="http://schemas.microsoft.com/office/powerpoint/2010/main" val="2307105158"/>
+        <p14:creationId xmlns:p14="http://schemas.microsoft.com/office/powerpoint/2010/main" val="832446904"/>
       </p:ext>
     </p:extLst>
   </p:cSld>
@@ -6480,7 +9243,7 @@
     </p:spTree>
     <p:extLst>
       <p:ext uri="{BB962C8B-B14F-4D97-AF65-F5344CB8AC3E}">
-        <p14:creationId xmlns:p14="http://schemas.microsoft.com/office/powerpoint/2010/main" val="1893922620"/>
+        <p14:creationId xmlns:p14="http://schemas.microsoft.com/office/powerpoint/2010/main" val="175659859"/>
       </p:ext>
     </p:extLst>
   </p:cSld>
@@ -6510,7 +9273,7 @@
     </p:spTree>
     <p:extLst>
       <p:ext uri="{BB962C8B-B14F-4D97-AF65-F5344CB8AC3E}">
-        <p14:creationId xmlns:p14="http://schemas.microsoft.com/office/powerpoint/2010/main" val="3847734267"/>
+        <p14:creationId xmlns:p14="http://schemas.microsoft.com/office/powerpoint/2010/main" val="3122467114"/>
       </p:ext>
     </p:extLst>
   </p:cSld>
@@ -6597,8 +9360,8 @@
           </a:prstGeom>
         </p:spPr>
       </p:pic>
-      <mc:AlternateContent xmlns:mc="http://schemas.openxmlformats.org/markup-compatibility/2006">
-        <mc:Choice xmlns:p14="http://schemas.microsoft.com/office/powerpoint/2010/main" Requires="p14">
+      <mc:AlternateContent xmlns:mc="http://schemas.openxmlformats.org/markup-compatibility/2006" xmlns:p14="http://schemas.microsoft.com/office/powerpoint/2010/main">
+        <mc:Choice Requires="p14">
           <p:contentPart p14:bwMode="auto" r:id="rId4">
             <p14:nvContentPartPr>
               <p14:cNvPr id="6" name="Entrada de lápiz 5">
@@ -6617,7 +9380,7 @@
             </p14:xfrm>
           </p:contentPart>
         </mc:Choice>
-        <mc:Fallback>
+        <mc:Fallback xmlns="">
           <p:pic>
             <p:nvPicPr>
               <p:cNvPr id="6" name="Entrada de lápiz 5">
@@ -6648,8 +9411,8 @@
           </p:pic>
         </mc:Fallback>
       </mc:AlternateContent>
-      <mc:AlternateContent xmlns:mc="http://schemas.openxmlformats.org/markup-compatibility/2006">
-        <mc:Choice xmlns:p14="http://schemas.microsoft.com/office/powerpoint/2010/main" Requires="p14">
+      <mc:AlternateContent xmlns:mc="http://schemas.openxmlformats.org/markup-compatibility/2006" xmlns:p14="http://schemas.microsoft.com/office/powerpoint/2010/main">
+        <mc:Choice Requires="p14">
           <p:contentPart p14:bwMode="auto" r:id="rId6">
             <p14:nvContentPartPr>
               <p14:cNvPr id="7" name="Entrada de lápiz 6">
@@ -6668,7 +9431,7 @@
             </p14:xfrm>
           </p:contentPart>
         </mc:Choice>
-        <mc:Fallback>
+        <mc:Fallback xmlns="">
           <p:pic>
             <p:nvPicPr>
               <p:cNvPr id="7" name="Entrada de lápiz 6">
@@ -6732,7 +9495,7 @@
     </p:spTree>
     <p:extLst>
       <p:ext uri="{BB962C8B-B14F-4D97-AF65-F5344CB8AC3E}">
-        <p14:creationId xmlns:p14="http://schemas.microsoft.com/office/powerpoint/2010/main" val="1070029495"/>
+        <p14:creationId xmlns:p14="http://schemas.microsoft.com/office/powerpoint/2010/main" val="4259755852"/>
       </p:ext>
     </p:extLst>
   </p:cSld>
@@ -6762,7 +9525,7 @@
     </p:spTree>
     <p:extLst>
       <p:ext uri="{BB962C8B-B14F-4D97-AF65-F5344CB8AC3E}">
-        <p14:creationId xmlns:p14="http://schemas.microsoft.com/office/powerpoint/2010/main" val="1441830494"/>
+        <p14:creationId xmlns:p14="http://schemas.microsoft.com/office/powerpoint/2010/main" val="948240346"/>
       </p:ext>
     </p:extLst>
   </p:cSld>
@@ -6792,7 +9555,7 @@
     </p:spTree>
     <p:extLst>
       <p:ext uri="{BB962C8B-B14F-4D97-AF65-F5344CB8AC3E}">
-        <p14:creationId xmlns:p14="http://schemas.microsoft.com/office/powerpoint/2010/main" val="3475204638"/>
+        <p14:creationId xmlns:p14="http://schemas.microsoft.com/office/powerpoint/2010/main" val="1347042646"/>
       </p:ext>
     </p:extLst>
   </p:cSld>
@@ -6822,7 +9585,7 @@
     </p:spTree>
     <p:extLst>
       <p:ext uri="{BB962C8B-B14F-4D97-AF65-F5344CB8AC3E}">
-        <p14:creationId xmlns:p14="http://schemas.microsoft.com/office/powerpoint/2010/main" val="652062255"/>
+        <p14:creationId xmlns:p14="http://schemas.microsoft.com/office/powerpoint/2010/main" val="1537649757"/>
       </p:ext>
     </p:extLst>
   </p:cSld>
@@ -6852,7 +9615,7 @@
     </p:spTree>
     <p:extLst>
       <p:ext uri="{BB962C8B-B14F-4D97-AF65-F5344CB8AC3E}">
-        <p14:creationId xmlns:p14="http://schemas.microsoft.com/office/powerpoint/2010/main" val="3069148921"/>
+        <p14:creationId xmlns:p14="http://schemas.microsoft.com/office/powerpoint/2010/main" val="349755496"/>
       </p:ext>
     </p:extLst>
   </p:cSld>
@@ -6882,7 +9645,7 @@
     </p:spTree>
     <p:extLst>
       <p:ext uri="{BB962C8B-B14F-4D97-AF65-F5344CB8AC3E}">
-        <p14:creationId xmlns:p14="http://schemas.microsoft.com/office/powerpoint/2010/main" val="2883472099"/>
+        <p14:creationId xmlns:p14="http://schemas.microsoft.com/office/powerpoint/2010/main" val="1585805896"/>
       </p:ext>
     </p:extLst>
   </p:cSld>
@@ -6912,7 +9675,7 @@
     </p:spTree>
     <p:extLst>
       <p:ext uri="{BB962C8B-B14F-4D97-AF65-F5344CB8AC3E}">
-        <p14:creationId xmlns:p14="http://schemas.microsoft.com/office/powerpoint/2010/main" val="2032607131"/>
+        <p14:creationId xmlns:p14="http://schemas.microsoft.com/office/powerpoint/2010/main" val="1461187163"/>
       </p:ext>
     </p:extLst>
   </p:cSld>
@@ -6942,7 +9705,7 @@
     </p:spTree>
     <p:extLst>
       <p:ext uri="{BB962C8B-B14F-4D97-AF65-F5344CB8AC3E}">
-        <p14:creationId xmlns:p14="http://schemas.microsoft.com/office/powerpoint/2010/main" val="3725134178"/>
+        <p14:creationId xmlns:p14="http://schemas.microsoft.com/office/powerpoint/2010/main" val="1452121961"/>
       </p:ext>
     </p:extLst>
   </p:cSld>
@@ -6972,7 +9735,7 @@
     </p:spTree>
     <p:extLst>
       <p:ext uri="{BB962C8B-B14F-4D97-AF65-F5344CB8AC3E}">
-        <p14:creationId xmlns:p14="http://schemas.microsoft.com/office/powerpoint/2010/main" val="475474117"/>
+        <p14:creationId xmlns:p14="http://schemas.microsoft.com/office/powerpoint/2010/main" val="1553952921"/>
       </p:ext>
     </p:extLst>
   </p:cSld>
@@ -7002,7 +9765,7 @@
     </p:spTree>
     <p:extLst>
       <p:ext uri="{BB962C8B-B14F-4D97-AF65-F5344CB8AC3E}">
-        <p14:creationId xmlns:p14="http://schemas.microsoft.com/office/powerpoint/2010/main" val="3782594631"/>
+        <p14:creationId xmlns:p14="http://schemas.microsoft.com/office/powerpoint/2010/main" val="711737912"/>
       </p:ext>
     </p:extLst>
   </p:cSld>
@@ -7089,8 +9852,8 @@
           </a:prstGeom>
         </p:spPr>
       </p:pic>
-      <mc:AlternateContent xmlns:mc="http://schemas.openxmlformats.org/markup-compatibility/2006">
-        <mc:Choice xmlns:p14="http://schemas.microsoft.com/office/powerpoint/2010/main" Requires="p14">
+      <mc:AlternateContent xmlns:mc="http://schemas.openxmlformats.org/markup-compatibility/2006" xmlns:p14="http://schemas.microsoft.com/office/powerpoint/2010/main">
+        <mc:Choice Requires="p14">
           <p:contentPart p14:bwMode="auto" r:id="rId4">
             <p14:nvContentPartPr>
               <p14:cNvPr id="6" name="Entrada de lápiz 5">
@@ -7109,7 +9872,7 @@
             </p14:xfrm>
           </p:contentPart>
         </mc:Choice>
-        <mc:Fallback>
+        <mc:Fallback xmlns="">
           <p:pic>
             <p:nvPicPr>
               <p:cNvPr id="6" name="Entrada de lápiz 5">
@@ -7173,7 +9936,7 @@
     </p:spTree>
     <p:extLst>
       <p:ext uri="{BB962C8B-B14F-4D97-AF65-F5344CB8AC3E}">
-        <p14:creationId xmlns:p14="http://schemas.microsoft.com/office/powerpoint/2010/main" val="3709625487"/>
+        <p14:creationId xmlns:p14="http://schemas.microsoft.com/office/powerpoint/2010/main" val="77345973"/>
       </p:ext>
     </p:extLst>
   </p:cSld>
@@ -7203,7 +9966,7 @@
     </p:spTree>
     <p:extLst>
       <p:ext uri="{BB962C8B-B14F-4D97-AF65-F5344CB8AC3E}">
-        <p14:creationId xmlns:p14="http://schemas.microsoft.com/office/powerpoint/2010/main" val="1368846632"/>
+        <p14:creationId xmlns:p14="http://schemas.microsoft.com/office/powerpoint/2010/main" val="2500532275"/>
       </p:ext>
     </p:extLst>
   </p:cSld>
@@ -7233,7 +9996,217 @@
     </p:spTree>
     <p:extLst>
       <p:ext uri="{BB962C8B-B14F-4D97-AF65-F5344CB8AC3E}">
-        <p14:creationId xmlns:p14="http://schemas.microsoft.com/office/powerpoint/2010/main" val="2605529560"/>
+        <p14:creationId xmlns:p14="http://schemas.microsoft.com/office/powerpoint/2010/main" val="2307105158"/>
+      </p:ext>
+    </p:extLst>
+  </p:cSld>
+  <p:clrMapOvr>
+    <a:masterClrMapping/>
+  </p:clrMapOvr>
+</p:sld>
+</file>
+
+<file path=ppt/slides/slide63.xml><?xml version="1.0" encoding="utf-8"?>
+<p:sld xmlns:a="http://schemas.openxmlformats.org/drawingml/2006/main" xmlns:r="http://schemas.openxmlformats.org/officeDocument/2006/relationships" xmlns:p="http://schemas.openxmlformats.org/presentationml/2006/main">
+  <p:cSld>
+    <p:spTree>
+      <p:nvGrpSpPr>
+        <p:cNvPr id="1" name=""/>
+        <p:cNvGrpSpPr/>
+        <p:nvPr/>
+      </p:nvGrpSpPr>
+      <p:grpSpPr>
+        <a:xfrm>
+          <a:off x="0" y="0"/>
+          <a:ext cx="0" cy="0"/>
+          <a:chOff x="0" y="0"/>
+          <a:chExt cx="0" cy="0"/>
+        </a:xfrm>
+      </p:grpSpPr>
+    </p:spTree>
+    <p:extLst>
+      <p:ext uri="{BB962C8B-B14F-4D97-AF65-F5344CB8AC3E}">
+        <p14:creationId xmlns:p14="http://schemas.microsoft.com/office/powerpoint/2010/main" val="1893922620"/>
+      </p:ext>
+    </p:extLst>
+  </p:cSld>
+  <p:clrMapOvr>
+    <a:masterClrMapping/>
+  </p:clrMapOvr>
+</p:sld>
+</file>
+
+<file path=ppt/slides/slide64.xml><?xml version="1.0" encoding="utf-8"?>
+<p:sld xmlns:a="http://schemas.openxmlformats.org/drawingml/2006/main" xmlns:r="http://schemas.openxmlformats.org/officeDocument/2006/relationships" xmlns:p="http://schemas.openxmlformats.org/presentationml/2006/main">
+  <p:cSld>
+    <p:spTree>
+      <p:nvGrpSpPr>
+        <p:cNvPr id="1" name=""/>
+        <p:cNvGrpSpPr/>
+        <p:nvPr/>
+      </p:nvGrpSpPr>
+      <p:grpSpPr>
+        <a:xfrm>
+          <a:off x="0" y="0"/>
+          <a:ext cx="0" cy="0"/>
+          <a:chOff x="0" y="0"/>
+          <a:chExt cx="0" cy="0"/>
+        </a:xfrm>
+      </p:grpSpPr>
+    </p:spTree>
+    <p:extLst>
+      <p:ext uri="{BB962C8B-B14F-4D97-AF65-F5344CB8AC3E}">
+        <p14:creationId xmlns:p14="http://schemas.microsoft.com/office/powerpoint/2010/main" val="3847734267"/>
+      </p:ext>
+    </p:extLst>
+  </p:cSld>
+  <p:clrMapOvr>
+    <a:masterClrMapping/>
+  </p:clrMapOvr>
+</p:sld>
+</file>
+
+<file path=ppt/slides/slide65.xml><?xml version="1.0" encoding="utf-8"?>
+<p:sld xmlns:a="http://schemas.openxmlformats.org/drawingml/2006/main" xmlns:r="http://schemas.openxmlformats.org/officeDocument/2006/relationships" xmlns:p="http://schemas.openxmlformats.org/presentationml/2006/main">
+  <p:cSld>
+    <p:spTree>
+      <p:nvGrpSpPr>
+        <p:cNvPr id="1" name=""/>
+        <p:cNvGrpSpPr/>
+        <p:nvPr/>
+      </p:nvGrpSpPr>
+      <p:grpSpPr>
+        <a:xfrm>
+          <a:off x="0" y="0"/>
+          <a:ext cx="0" cy="0"/>
+          <a:chOff x="0" y="0"/>
+          <a:chExt cx="0" cy="0"/>
+        </a:xfrm>
+      </p:grpSpPr>
+    </p:spTree>
+    <p:extLst>
+      <p:ext uri="{BB962C8B-B14F-4D97-AF65-F5344CB8AC3E}">
+        <p14:creationId xmlns:p14="http://schemas.microsoft.com/office/powerpoint/2010/main" val="1070029495"/>
+      </p:ext>
+    </p:extLst>
+  </p:cSld>
+  <p:clrMapOvr>
+    <a:masterClrMapping/>
+  </p:clrMapOvr>
+</p:sld>
+</file>
+
+<file path=ppt/slides/slide66.xml><?xml version="1.0" encoding="utf-8"?>
+<p:sld xmlns:a="http://schemas.openxmlformats.org/drawingml/2006/main" xmlns:r="http://schemas.openxmlformats.org/officeDocument/2006/relationships" xmlns:p="http://schemas.openxmlformats.org/presentationml/2006/main">
+  <p:cSld>
+    <p:spTree>
+      <p:nvGrpSpPr>
+        <p:cNvPr id="1" name=""/>
+        <p:cNvGrpSpPr/>
+        <p:nvPr/>
+      </p:nvGrpSpPr>
+      <p:grpSpPr>
+        <a:xfrm>
+          <a:off x="0" y="0"/>
+          <a:ext cx="0" cy="0"/>
+          <a:chOff x="0" y="0"/>
+          <a:chExt cx="0" cy="0"/>
+        </a:xfrm>
+      </p:grpSpPr>
+    </p:spTree>
+    <p:extLst>
+      <p:ext uri="{BB962C8B-B14F-4D97-AF65-F5344CB8AC3E}">
+        <p14:creationId xmlns:p14="http://schemas.microsoft.com/office/powerpoint/2010/main" val="1441830494"/>
+      </p:ext>
+    </p:extLst>
+  </p:cSld>
+  <p:clrMapOvr>
+    <a:masterClrMapping/>
+  </p:clrMapOvr>
+</p:sld>
+</file>
+
+<file path=ppt/slides/slide67.xml><?xml version="1.0" encoding="utf-8"?>
+<p:sld xmlns:a="http://schemas.openxmlformats.org/drawingml/2006/main" xmlns:r="http://schemas.openxmlformats.org/officeDocument/2006/relationships" xmlns:p="http://schemas.openxmlformats.org/presentationml/2006/main">
+  <p:cSld>
+    <p:spTree>
+      <p:nvGrpSpPr>
+        <p:cNvPr id="1" name=""/>
+        <p:cNvGrpSpPr/>
+        <p:nvPr/>
+      </p:nvGrpSpPr>
+      <p:grpSpPr>
+        <a:xfrm>
+          <a:off x="0" y="0"/>
+          <a:ext cx="0" cy="0"/>
+          <a:chOff x="0" y="0"/>
+          <a:chExt cx="0" cy="0"/>
+        </a:xfrm>
+      </p:grpSpPr>
+    </p:spTree>
+    <p:extLst>
+      <p:ext uri="{BB962C8B-B14F-4D97-AF65-F5344CB8AC3E}">
+        <p14:creationId xmlns:p14="http://schemas.microsoft.com/office/powerpoint/2010/main" val="3475204638"/>
+      </p:ext>
+    </p:extLst>
+  </p:cSld>
+  <p:clrMapOvr>
+    <a:masterClrMapping/>
+  </p:clrMapOvr>
+</p:sld>
+</file>
+
+<file path=ppt/slides/slide68.xml><?xml version="1.0" encoding="utf-8"?>
+<p:sld xmlns:a="http://schemas.openxmlformats.org/drawingml/2006/main" xmlns:r="http://schemas.openxmlformats.org/officeDocument/2006/relationships" xmlns:p="http://schemas.openxmlformats.org/presentationml/2006/main">
+  <p:cSld>
+    <p:spTree>
+      <p:nvGrpSpPr>
+        <p:cNvPr id="1" name=""/>
+        <p:cNvGrpSpPr/>
+        <p:nvPr/>
+      </p:nvGrpSpPr>
+      <p:grpSpPr>
+        <a:xfrm>
+          <a:off x="0" y="0"/>
+          <a:ext cx="0" cy="0"/>
+          <a:chOff x="0" y="0"/>
+          <a:chExt cx="0" cy="0"/>
+        </a:xfrm>
+      </p:grpSpPr>
+    </p:spTree>
+    <p:extLst>
+      <p:ext uri="{BB962C8B-B14F-4D97-AF65-F5344CB8AC3E}">
+        <p14:creationId xmlns:p14="http://schemas.microsoft.com/office/powerpoint/2010/main" val="652062255"/>
+      </p:ext>
+    </p:extLst>
+  </p:cSld>
+  <p:clrMapOvr>
+    <a:masterClrMapping/>
+  </p:clrMapOvr>
+</p:sld>
+</file>
+
+<file path=ppt/slides/slide69.xml><?xml version="1.0" encoding="utf-8"?>
+<p:sld xmlns:a="http://schemas.openxmlformats.org/drawingml/2006/main" xmlns:r="http://schemas.openxmlformats.org/officeDocument/2006/relationships" xmlns:p="http://schemas.openxmlformats.org/presentationml/2006/main">
+  <p:cSld>
+    <p:spTree>
+      <p:nvGrpSpPr>
+        <p:cNvPr id="1" name=""/>
+        <p:cNvGrpSpPr/>
+        <p:nvPr/>
+      </p:nvGrpSpPr>
+      <p:grpSpPr>
+        <a:xfrm>
+          <a:off x="0" y="0"/>
+          <a:ext cx="0" cy="0"/>
+          <a:chOff x="0" y="0"/>
+          <a:chExt cx="0" cy="0"/>
+        </a:xfrm>
+      </p:grpSpPr>
+    </p:spTree>
+    <p:extLst>
+      <p:ext uri="{BB962C8B-B14F-4D97-AF65-F5344CB8AC3E}">
+        <p14:creationId xmlns:p14="http://schemas.microsoft.com/office/powerpoint/2010/main" val="3069148921"/>
       </p:ext>
     </p:extLst>
   </p:cSld>
@@ -7320,8 +10293,8 @@
           </a:prstGeom>
         </p:spPr>
       </p:pic>
-      <mc:AlternateContent xmlns:mc="http://schemas.openxmlformats.org/markup-compatibility/2006">
-        <mc:Choice xmlns:p14="http://schemas.microsoft.com/office/powerpoint/2010/main" Requires="p14">
+      <mc:AlternateContent xmlns:mc="http://schemas.openxmlformats.org/markup-compatibility/2006" xmlns:p14="http://schemas.microsoft.com/office/powerpoint/2010/main">
+        <mc:Choice Requires="p14">
           <p:contentPart p14:bwMode="auto" r:id="rId4">
             <p14:nvContentPartPr>
               <p14:cNvPr id="6" name="Entrada de lápiz 5">
@@ -7340,7 +10313,7 @@
             </p14:xfrm>
           </p:contentPart>
         </mc:Choice>
-        <mc:Fallback>
+        <mc:Fallback xmlns="">
           <p:pic>
             <p:nvPicPr>
               <p:cNvPr id="6" name="Entrada de lápiz 5">
@@ -7384,6 +10357,246 @@
 </p:sld>
 </file>
 
+<file path=ppt/slides/slide70.xml><?xml version="1.0" encoding="utf-8"?>
+<p:sld xmlns:a="http://schemas.openxmlformats.org/drawingml/2006/main" xmlns:r="http://schemas.openxmlformats.org/officeDocument/2006/relationships" xmlns:p="http://schemas.openxmlformats.org/presentationml/2006/main">
+  <p:cSld>
+    <p:spTree>
+      <p:nvGrpSpPr>
+        <p:cNvPr id="1" name=""/>
+        <p:cNvGrpSpPr/>
+        <p:nvPr/>
+      </p:nvGrpSpPr>
+      <p:grpSpPr>
+        <a:xfrm>
+          <a:off x="0" y="0"/>
+          <a:ext cx="0" cy="0"/>
+          <a:chOff x="0" y="0"/>
+          <a:chExt cx="0" cy="0"/>
+        </a:xfrm>
+      </p:grpSpPr>
+    </p:spTree>
+    <p:extLst>
+      <p:ext uri="{BB962C8B-B14F-4D97-AF65-F5344CB8AC3E}">
+        <p14:creationId xmlns:p14="http://schemas.microsoft.com/office/powerpoint/2010/main" val="2883472099"/>
+      </p:ext>
+    </p:extLst>
+  </p:cSld>
+  <p:clrMapOvr>
+    <a:masterClrMapping/>
+  </p:clrMapOvr>
+</p:sld>
+</file>
+
+<file path=ppt/slides/slide71.xml><?xml version="1.0" encoding="utf-8"?>
+<p:sld xmlns:a="http://schemas.openxmlformats.org/drawingml/2006/main" xmlns:r="http://schemas.openxmlformats.org/officeDocument/2006/relationships" xmlns:p="http://schemas.openxmlformats.org/presentationml/2006/main">
+  <p:cSld>
+    <p:spTree>
+      <p:nvGrpSpPr>
+        <p:cNvPr id="1" name=""/>
+        <p:cNvGrpSpPr/>
+        <p:nvPr/>
+      </p:nvGrpSpPr>
+      <p:grpSpPr>
+        <a:xfrm>
+          <a:off x="0" y="0"/>
+          <a:ext cx="0" cy="0"/>
+          <a:chOff x="0" y="0"/>
+          <a:chExt cx="0" cy="0"/>
+        </a:xfrm>
+      </p:grpSpPr>
+    </p:spTree>
+    <p:extLst>
+      <p:ext uri="{BB962C8B-B14F-4D97-AF65-F5344CB8AC3E}">
+        <p14:creationId xmlns:p14="http://schemas.microsoft.com/office/powerpoint/2010/main" val="2032607131"/>
+      </p:ext>
+    </p:extLst>
+  </p:cSld>
+  <p:clrMapOvr>
+    <a:masterClrMapping/>
+  </p:clrMapOvr>
+</p:sld>
+</file>
+
+<file path=ppt/slides/slide72.xml><?xml version="1.0" encoding="utf-8"?>
+<p:sld xmlns:a="http://schemas.openxmlformats.org/drawingml/2006/main" xmlns:r="http://schemas.openxmlformats.org/officeDocument/2006/relationships" xmlns:p="http://schemas.openxmlformats.org/presentationml/2006/main">
+  <p:cSld>
+    <p:spTree>
+      <p:nvGrpSpPr>
+        <p:cNvPr id="1" name=""/>
+        <p:cNvGrpSpPr/>
+        <p:nvPr/>
+      </p:nvGrpSpPr>
+      <p:grpSpPr>
+        <a:xfrm>
+          <a:off x="0" y="0"/>
+          <a:ext cx="0" cy="0"/>
+          <a:chOff x="0" y="0"/>
+          <a:chExt cx="0" cy="0"/>
+        </a:xfrm>
+      </p:grpSpPr>
+    </p:spTree>
+    <p:extLst>
+      <p:ext uri="{BB962C8B-B14F-4D97-AF65-F5344CB8AC3E}">
+        <p14:creationId xmlns:p14="http://schemas.microsoft.com/office/powerpoint/2010/main" val="3725134178"/>
+      </p:ext>
+    </p:extLst>
+  </p:cSld>
+  <p:clrMapOvr>
+    <a:masterClrMapping/>
+  </p:clrMapOvr>
+</p:sld>
+</file>
+
+<file path=ppt/slides/slide73.xml><?xml version="1.0" encoding="utf-8"?>
+<p:sld xmlns:a="http://schemas.openxmlformats.org/drawingml/2006/main" xmlns:r="http://schemas.openxmlformats.org/officeDocument/2006/relationships" xmlns:p="http://schemas.openxmlformats.org/presentationml/2006/main">
+  <p:cSld>
+    <p:spTree>
+      <p:nvGrpSpPr>
+        <p:cNvPr id="1" name=""/>
+        <p:cNvGrpSpPr/>
+        <p:nvPr/>
+      </p:nvGrpSpPr>
+      <p:grpSpPr>
+        <a:xfrm>
+          <a:off x="0" y="0"/>
+          <a:ext cx="0" cy="0"/>
+          <a:chOff x="0" y="0"/>
+          <a:chExt cx="0" cy="0"/>
+        </a:xfrm>
+      </p:grpSpPr>
+    </p:spTree>
+    <p:extLst>
+      <p:ext uri="{BB962C8B-B14F-4D97-AF65-F5344CB8AC3E}">
+        <p14:creationId xmlns:p14="http://schemas.microsoft.com/office/powerpoint/2010/main" val="475474117"/>
+      </p:ext>
+    </p:extLst>
+  </p:cSld>
+  <p:clrMapOvr>
+    <a:masterClrMapping/>
+  </p:clrMapOvr>
+</p:sld>
+</file>
+
+<file path=ppt/slides/slide74.xml><?xml version="1.0" encoding="utf-8"?>
+<p:sld xmlns:a="http://schemas.openxmlformats.org/drawingml/2006/main" xmlns:r="http://schemas.openxmlformats.org/officeDocument/2006/relationships" xmlns:p="http://schemas.openxmlformats.org/presentationml/2006/main">
+  <p:cSld>
+    <p:spTree>
+      <p:nvGrpSpPr>
+        <p:cNvPr id="1" name=""/>
+        <p:cNvGrpSpPr/>
+        <p:nvPr/>
+      </p:nvGrpSpPr>
+      <p:grpSpPr>
+        <a:xfrm>
+          <a:off x="0" y="0"/>
+          <a:ext cx="0" cy="0"/>
+          <a:chOff x="0" y="0"/>
+          <a:chExt cx="0" cy="0"/>
+        </a:xfrm>
+      </p:grpSpPr>
+    </p:spTree>
+    <p:extLst>
+      <p:ext uri="{BB962C8B-B14F-4D97-AF65-F5344CB8AC3E}">
+        <p14:creationId xmlns:p14="http://schemas.microsoft.com/office/powerpoint/2010/main" val="3782594631"/>
+      </p:ext>
+    </p:extLst>
+  </p:cSld>
+  <p:clrMapOvr>
+    <a:masterClrMapping/>
+  </p:clrMapOvr>
+</p:sld>
+</file>
+
+<file path=ppt/slides/slide75.xml><?xml version="1.0" encoding="utf-8"?>
+<p:sld xmlns:a="http://schemas.openxmlformats.org/drawingml/2006/main" xmlns:r="http://schemas.openxmlformats.org/officeDocument/2006/relationships" xmlns:p="http://schemas.openxmlformats.org/presentationml/2006/main">
+  <p:cSld>
+    <p:spTree>
+      <p:nvGrpSpPr>
+        <p:cNvPr id="1" name=""/>
+        <p:cNvGrpSpPr/>
+        <p:nvPr/>
+      </p:nvGrpSpPr>
+      <p:grpSpPr>
+        <a:xfrm>
+          <a:off x="0" y="0"/>
+          <a:ext cx="0" cy="0"/>
+          <a:chOff x="0" y="0"/>
+          <a:chExt cx="0" cy="0"/>
+        </a:xfrm>
+      </p:grpSpPr>
+    </p:spTree>
+    <p:extLst>
+      <p:ext uri="{BB962C8B-B14F-4D97-AF65-F5344CB8AC3E}">
+        <p14:creationId xmlns:p14="http://schemas.microsoft.com/office/powerpoint/2010/main" val="3709625487"/>
+      </p:ext>
+    </p:extLst>
+  </p:cSld>
+  <p:clrMapOvr>
+    <a:masterClrMapping/>
+  </p:clrMapOvr>
+</p:sld>
+</file>
+
+<file path=ppt/slides/slide76.xml><?xml version="1.0" encoding="utf-8"?>
+<p:sld xmlns:a="http://schemas.openxmlformats.org/drawingml/2006/main" xmlns:r="http://schemas.openxmlformats.org/officeDocument/2006/relationships" xmlns:p="http://schemas.openxmlformats.org/presentationml/2006/main">
+  <p:cSld>
+    <p:spTree>
+      <p:nvGrpSpPr>
+        <p:cNvPr id="1" name=""/>
+        <p:cNvGrpSpPr/>
+        <p:nvPr/>
+      </p:nvGrpSpPr>
+      <p:grpSpPr>
+        <a:xfrm>
+          <a:off x="0" y="0"/>
+          <a:ext cx="0" cy="0"/>
+          <a:chOff x="0" y="0"/>
+          <a:chExt cx="0" cy="0"/>
+        </a:xfrm>
+      </p:grpSpPr>
+    </p:spTree>
+    <p:extLst>
+      <p:ext uri="{BB962C8B-B14F-4D97-AF65-F5344CB8AC3E}">
+        <p14:creationId xmlns:p14="http://schemas.microsoft.com/office/powerpoint/2010/main" val="1368846632"/>
+      </p:ext>
+    </p:extLst>
+  </p:cSld>
+  <p:clrMapOvr>
+    <a:masterClrMapping/>
+  </p:clrMapOvr>
+</p:sld>
+</file>
+
+<file path=ppt/slides/slide77.xml><?xml version="1.0" encoding="utf-8"?>
+<p:sld xmlns:a="http://schemas.openxmlformats.org/drawingml/2006/main" xmlns:r="http://schemas.openxmlformats.org/officeDocument/2006/relationships" xmlns:p="http://schemas.openxmlformats.org/presentationml/2006/main">
+  <p:cSld>
+    <p:spTree>
+      <p:nvGrpSpPr>
+        <p:cNvPr id="1" name=""/>
+        <p:cNvGrpSpPr/>
+        <p:nvPr/>
+      </p:nvGrpSpPr>
+      <p:grpSpPr>
+        <a:xfrm>
+          <a:off x="0" y="0"/>
+          <a:ext cx="0" cy="0"/>
+          <a:chOff x="0" y="0"/>
+          <a:chExt cx="0" cy="0"/>
+        </a:xfrm>
+      </p:grpSpPr>
+    </p:spTree>
+    <p:extLst>
+      <p:ext uri="{BB962C8B-B14F-4D97-AF65-F5344CB8AC3E}">
+        <p14:creationId xmlns:p14="http://schemas.microsoft.com/office/powerpoint/2010/main" val="2605529560"/>
+      </p:ext>
+    </p:extLst>
+  </p:cSld>
+  <p:clrMapOvr>
+    <a:masterClrMapping/>
+  </p:clrMapOvr>
+</p:sld>
+</file>
+
 <file path=ppt/slides/slide8.xml><?xml version="1.0" encoding="utf-8"?>
 <p:sld xmlns:a="http://schemas.openxmlformats.org/drawingml/2006/main" xmlns:r="http://schemas.openxmlformats.org/officeDocument/2006/relationships" xmlns:p="http://schemas.openxmlformats.org/presentationml/2006/main">
   <p:cSld>
@@ -7461,8 +10674,8 @@
           </a:prstGeom>
         </p:spPr>
       </p:pic>
-      <mc:AlternateContent xmlns:mc="http://schemas.openxmlformats.org/markup-compatibility/2006">
-        <mc:Choice xmlns:p14="http://schemas.microsoft.com/office/powerpoint/2010/main" Requires="p14">
+      <mc:AlternateContent xmlns:mc="http://schemas.openxmlformats.org/markup-compatibility/2006" xmlns:p14="http://schemas.microsoft.com/office/powerpoint/2010/main">
+        <mc:Choice Requires="p14">
           <p:contentPart p14:bwMode="auto" r:id="rId4">
             <p14:nvContentPartPr>
               <p14:cNvPr id="6" name="Entrada de lápiz 5">
@@ -7481,7 +10694,7 @@
             </p14:xfrm>
           </p:contentPart>
         </mc:Choice>
-        <mc:Fallback>
+        <mc:Fallback xmlns="">
           <p:pic>
             <p:nvPicPr>
               <p:cNvPr id="6" name="Entrada de lápiz 5">
@@ -7572,8 +10785,8 @@
           </a:prstGeom>
         </p:spPr>
       </p:pic>
-      <mc:AlternateContent xmlns:mc="http://schemas.openxmlformats.org/markup-compatibility/2006">
-        <mc:Choice xmlns:p14="http://schemas.microsoft.com/office/powerpoint/2010/main" Requires="p14">
+      <mc:AlternateContent xmlns:mc="http://schemas.openxmlformats.org/markup-compatibility/2006" xmlns:p14="http://schemas.microsoft.com/office/powerpoint/2010/main">
+        <mc:Choice Requires="p14">
           <p:contentPart p14:bwMode="auto" r:id="rId3">
             <p14:nvContentPartPr>
               <p14:cNvPr id="4" name="Entrada de lápiz 3">
@@ -7592,7 +10805,7 @@
             </p14:xfrm>
           </p:contentPart>
         </mc:Choice>
-        <mc:Fallback>
+        <mc:Fallback xmlns="">
           <p:pic>
             <p:nvPicPr>
               <p:cNvPr id="4" name="Entrada de lápiz 3">
@@ -7615,6 +10828,210 @@
               <a:xfrm>
                 <a:off x="1429480" y="3722600"/>
                 <a:ext cx="5115600" cy="297360"/>
+              </a:xfrm>
+              <a:prstGeom prst="rect">
+                <a:avLst/>
+              </a:prstGeom>
+            </p:spPr>
+          </p:pic>
+        </mc:Fallback>
+      </mc:AlternateContent>
+      <mc:AlternateContent xmlns:mc="http://schemas.openxmlformats.org/markup-compatibility/2006" xmlns:p14="http://schemas.microsoft.com/office/powerpoint/2010/main">
+        <mc:Choice Requires="p14">
+          <p:contentPart p14:bwMode="auto" r:id="rId5">
+            <p14:nvContentPartPr>
+              <p14:cNvPr id="2" name="Entrada de lápiz 1">
+                <a:extLst>
+                  <a:ext uri="{FF2B5EF4-FFF2-40B4-BE49-F238E27FC236}">
+                    <a16:creationId xmlns:a16="http://schemas.microsoft.com/office/drawing/2014/main" id="{08ED643E-FB1C-F0F9-4F7A-427FF38609A7}"/>
+                  </a:ext>
+                </a:extLst>
+              </p14:cNvPr>
+              <p14:cNvContentPartPr/>
+              <p14:nvPr/>
+            </p14:nvContentPartPr>
+            <p14:xfrm>
+              <a:off x="1473200" y="5110400"/>
+              <a:ext cx="496800" cy="30600"/>
+            </p14:xfrm>
+          </p:contentPart>
+        </mc:Choice>
+        <mc:Fallback xmlns="">
+          <p:pic>
+            <p:nvPicPr>
+              <p:cNvPr id="2" name="Entrada de lápiz 1">
+                <a:extLst>
+                  <a:ext uri="{FF2B5EF4-FFF2-40B4-BE49-F238E27FC236}">
+                    <a16:creationId xmlns:a16="http://schemas.microsoft.com/office/drawing/2014/main" id="{08ED643E-FB1C-F0F9-4F7A-427FF38609A7}"/>
+                  </a:ext>
+                </a:extLst>
+              </p:cNvPr>
+              <p:cNvPicPr/>
+              <p:nvPr/>
+            </p:nvPicPr>
+            <p:blipFill>
+              <a:blip r:embed="rId6"/>
+              <a:stretch>
+                <a:fillRect/>
+              </a:stretch>
+            </p:blipFill>
+            <p:spPr>
+              <a:xfrm>
+                <a:off x="1419560" y="5002760"/>
+                <a:ext cx="604440" cy="246240"/>
+              </a:xfrm>
+              <a:prstGeom prst="rect">
+                <a:avLst/>
+              </a:prstGeom>
+            </p:spPr>
+          </p:pic>
+        </mc:Fallback>
+      </mc:AlternateContent>
+      <mc:AlternateContent xmlns:mc="http://schemas.openxmlformats.org/markup-compatibility/2006" xmlns:p14="http://schemas.microsoft.com/office/powerpoint/2010/main">
+        <mc:Choice Requires="p14">
+          <p:contentPart p14:bwMode="auto" r:id="rId7">
+            <p14:nvContentPartPr>
+              <p14:cNvPr id="5" name="Entrada de lápiz 4">
+                <a:extLst>
+                  <a:ext uri="{FF2B5EF4-FFF2-40B4-BE49-F238E27FC236}">
+                    <a16:creationId xmlns:a16="http://schemas.microsoft.com/office/drawing/2014/main" id="{E6313385-AEF4-232F-F07A-F7CFFFDD5E8B}"/>
+                  </a:ext>
+                </a:extLst>
+              </p14:cNvPr>
+              <p14:cNvContentPartPr/>
+              <p14:nvPr/>
+            </p14:nvContentPartPr>
+            <p14:xfrm>
+              <a:off x="1554560" y="5729600"/>
+              <a:ext cx="487440" cy="10800"/>
+            </p14:xfrm>
+          </p:contentPart>
+        </mc:Choice>
+        <mc:Fallback xmlns="">
+          <p:pic>
+            <p:nvPicPr>
+              <p:cNvPr id="5" name="Entrada de lápiz 4">
+                <a:extLst>
+                  <a:ext uri="{FF2B5EF4-FFF2-40B4-BE49-F238E27FC236}">
+                    <a16:creationId xmlns:a16="http://schemas.microsoft.com/office/drawing/2014/main" id="{E6313385-AEF4-232F-F07A-F7CFFFDD5E8B}"/>
+                  </a:ext>
+                </a:extLst>
+              </p:cNvPr>
+              <p:cNvPicPr/>
+              <p:nvPr/>
+            </p:nvPicPr>
+            <p:blipFill>
+              <a:blip r:embed="rId8"/>
+              <a:stretch>
+                <a:fillRect/>
+              </a:stretch>
+            </p:blipFill>
+            <p:spPr>
+              <a:xfrm>
+                <a:off x="1500560" y="5621960"/>
+                <a:ext cx="595080" cy="226440"/>
+              </a:xfrm>
+              <a:prstGeom prst="rect">
+                <a:avLst/>
+              </a:prstGeom>
+            </p:spPr>
+          </p:pic>
+        </mc:Fallback>
+      </mc:AlternateContent>
+      <mc:AlternateContent xmlns:mc="http://schemas.openxmlformats.org/markup-compatibility/2006" xmlns:p14="http://schemas.microsoft.com/office/powerpoint/2010/main">
+        <mc:Choice Requires="p14">
+          <p:contentPart p14:bwMode="auto" r:id="rId9">
+            <p14:nvContentPartPr>
+              <p14:cNvPr id="6" name="Entrada de lápiz 5">
+                <a:extLst>
+                  <a:ext uri="{FF2B5EF4-FFF2-40B4-BE49-F238E27FC236}">
+                    <a16:creationId xmlns:a16="http://schemas.microsoft.com/office/drawing/2014/main" id="{0078CD90-111F-0C95-40EF-D3A9D794D227}"/>
+                  </a:ext>
+                </a:extLst>
+              </p14:cNvPr>
+              <p14:cNvContentPartPr/>
+              <p14:nvPr/>
+            </p14:nvContentPartPr>
+            <p14:xfrm>
+              <a:off x="1981160" y="4997720"/>
+              <a:ext cx="4608000" cy="123480"/>
+            </p14:xfrm>
+          </p:contentPart>
+        </mc:Choice>
+        <mc:Fallback xmlns="">
+          <p:pic>
+            <p:nvPicPr>
+              <p:cNvPr id="6" name="Entrada de lápiz 5">
+                <a:extLst>
+                  <a:ext uri="{FF2B5EF4-FFF2-40B4-BE49-F238E27FC236}">
+                    <a16:creationId xmlns:a16="http://schemas.microsoft.com/office/drawing/2014/main" id="{0078CD90-111F-0C95-40EF-D3A9D794D227}"/>
+                  </a:ext>
+                </a:extLst>
+              </p:cNvPr>
+              <p:cNvPicPr/>
+              <p:nvPr/>
+            </p:nvPicPr>
+            <p:blipFill>
+              <a:blip r:embed="rId10"/>
+              <a:stretch>
+                <a:fillRect/>
+              </a:stretch>
+            </p:blipFill>
+            <p:spPr>
+              <a:xfrm>
+                <a:off x="1927160" y="4889720"/>
+                <a:ext cx="4715640" cy="339120"/>
+              </a:xfrm>
+              <a:prstGeom prst="rect">
+                <a:avLst/>
+              </a:prstGeom>
+            </p:spPr>
+          </p:pic>
+        </mc:Fallback>
+      </mc:AlternateContent>
+      <mc:AlternateContent xmlns:mc="http://schemas.openxmlformats.org/markup-compatibility/2006" xmlns:p14="http://schemas.microsoft.com/office/powerpoint/2010/main">
+        <mc:Choice Requires="p14">
+          <p:contentPart p14:bwMode="auto" r:id="rId11">
+            <p14:nvContentPartPr>
+              <p14:cNvPr id="7" name="Entrada de lápiz 6">
+                <a:extLst>
+                  <a:ext uri="{FF2B5EF4-FFF2-40B4-BE49-F238E27FC236}">
+                    <a16:creationId xmlns:a16="http://schemas.microsoft.com/office/drawing/2014/main" id="{8D08F96D-848C-DD28-C2ED-ABEF5CF94625}"/>
+                  </a:ext>
+                </a:extLst>
+              </p14:cNvPr>
+              <p14:cNvContentPartPr/>
+              <p14:nvPr/>
+            </p14:nvContentPartPr>
+            <p14:xfrm>
+              <a:off x="1920320" y="5658320"/>
+              <a:ext cx="4672800" cy="113400"/>
+            </p14:xfrm>
+          </p:contentPart>
+        </mc:Choice>
+        <mc:Fallback xmlns="">
+          <p:pic>
+            <p:nvPicPr>
+              <p:cNvPr id="7" name="Entrada de lápiz 6">
+                <a:extLst>
+                  <a:ext uri="{FF2B5EF4-FFF2-40B4-BE49-F238E27FC236}">
+                    <a16:creationId xmlns:a16="http://schemas.microsoft.com/office/drawing/2014/main" id="{8D08F96D-848C-DD28-C2ED-ABEF5CF94625}"/>
+                  </a:ext>
+                </a:extLst>
+              </p:cNvPr>
+              <p:cNvPicPr/>
+              <p:nvPr/>
+            </p:nvPicPr>
+            <p:blipFill>
+              <a:blip r:embed="rId12"/>
+              <a:stretch>
+                <a:fillRect/>
+              </a:stretch>
+            </p:blipFill>
+            <p:spPr>
+              <a:xfrm>
+                <a:off x="1866320" y="5550320"/>
+                <a:ext cx="4780440" cy="329040"/>
               </a:xfrm>
               <a:prstGeom prst="rect">
                 <a:avLst/>
@@ -7949,4 +11366,319 @@
     </a:ext>
   </a:extLst>
 </a:theme>
+</file>
+
+<file path=ppt/theme/theme2.xml><?xml version="1.0" encoding="utf-8"?>
+<a:theme xmlns:a="http://schemas.openxmlformats.org/drawingml/2006/main" name="Tema de Office">
+  <a:themeElements>
+    <a:clrScheme name="Office">
+      <a:dk1>
+        <a:sysClr val="windowText" lastClr="000000"/>
+      </a:dk1>
+      <a:lt1>
+        <a:sysClr val="window" lastClr="FFFFFF"/>
+      </a:lt1>
+      <a:dk2>
+        <a:srgbClr val="0E2841"/>
+      </a:dk2>
+      <a:lt2>
+        <a:srgbClr val="E8E8E8"/>
+      </a:lt2>
+      <a:accent1>
+        <a:srgbClr val="156082"/>
+      </a:accent1>
+      <a:accent2>
+        <a:srgbClr val="E97132"/>
+      </a:accent2>
+      <a:accent3>
+        <a:srgbClr val="196B24"/>
+      </a:accent3>
+      <a:accent4>
+        <a:srgbClr val="0F9ED5"/>
+      </a:accent4>
+      <a:accent5>
+        <a:srgbClr val="A02B93"/>
+      </a:accent5>
+      <a:accent6>
+        <a:srgbClr val="4EA72E"/>
+      </a:accent6>
+      <a:hlink>
+        <a:srgbClr val="467886"/>
+      </a:hlink>
+      <a:folHlink>
+        <a:srgbClr val="96607D"/>
+      </a:folHlink>
+    </a:clrScheme>
+    <a:fontScheme name="Office">
+      <a:majorFont>
+        <a:latin typeface="Aptos Display" panose="02110004020202020204"/>
+        <a:ea typeface=""/>
+        <a:cs typeface=""/>
+        <a:font script="Jpan" typeface="游ゴシック Light"/>
+        <a:font script="Hang" typeface="맑은 고딕"/>
+        <a:font script="Hans" typeface="等线 Light"/>
+        <a:font script="Hant" typeface="新細明體"/>
+        <a:font script="Arab" typeface="Times New Roman"/>
+        <a:font script="Hebr" typeface="Times New Roman"/>
+        <a:font script="Thai" typeface="Angsana New"/>
+        <a:font script="Ethi" typeface="Nyala"/>
+        <a:font script="Beng" typeface="Vrinda"/>
+        <a:font script="Gujr" typeface="Shruti"/>
+        <a:font script="Khmr" typeface="MoolBoran"/>
+        <a:font script="Knda" typeface="Tunga"/>
+        <a:font script="Guru" typeface="Raavi"/>
+        <a:font script="Cans" typeface="Euphemia"/>
+        <a:font script="Cher" typeface="Plantagenet Cherokee"/>
+        <a:font script="Yiii" typeface="Microsoft Yi Baiti"/>
+        <a:font script="Tibt" typeface="Microsoft Himalaya"/>
+        <a:font script="Thaa" typeface="MV Boli"/>
+        <a:font script="Deva" typeface="Mangal"/>
+        <a:font script="Telu" typeface="Gautami"/>
+        <a:font script="Taml" typeface="Latha"/>
+        <a:font script="Syrc" typeface="Estrangelo Edessa"/>
+        <a:font script="Orya" typeface="Kalinga"/>
+        <a:font script="Mlym" typeface="Kartika"/>
+        <a:font script="Laoo" typeface="DokChampa"/>
+        <a:font script="Sinh" typeface="Iskoola Pota"/>
+        <a:font script="Mong" typeface="Mongolian Baiti"/>
+        <a:font script="Viet" typeface="Times New Roman"/>
+        <a:font script="Uigh" typeface="Microsoft Uighur"/>
+        <a:font script="Geor" typeface="Sylfaen"/>
+        <a:font script="Armn" typeface="Arial"/>
+        <a:font script="Bugi" typeface="Leelawadee UI"/>
+        <a:font script="Bopo" typeface="Microsoft JhengHei"/>
+        <a:font script="Java" typeface="Javanese Text"/>
+        <a:font script="Lisu" typeface="Segoe UI"/>
+        <a:font script="Mymr" typeface="Myanmar Text"/>
+        <a:font script="Nkoo" typeface="Ebrima"/>
+        <a:font script="Olck" typeface="Nirmala UI"/>
+        <a:font script="Osma" typeface="Ebrima"/>
+        <a:font script="Phag" typeface="Phagspa"/>
+        <a:font script="Syrn" typeface="Estrangelo Edessa"/>
+        <a:font script="Syrj" typeface="Estrangelo Edessa"/>
+        <a:font script="Syre" typeface="Estrangelo Edessa"/>
+        <a:font script="Sora" typeface="Nirmala UI"/>
+        <a:font script="Tale" typeface="Microsoft Tai Le"/>
+        <a:font script="Talu" typeface="Microsoft New Tai Lue"/>
+        <a:font script="Tfng" typeface="Ebrima"/>
+      </a:majorFont>
+      <a:minorFont>
+        <a:latin typeface="Aptos" panose="02110004020202020204"/>
+        <a:ea typeface=""/>
+        <a:cs typeface=""/>
+        <a:font script="Jpan" typeface="游ゴシック"/>
+        <a:font script="Hang" typeface="맑은 고딕"/>
+        <a:font script="Hans" typeface="等线"/>
+        <a:font script="Hant" typeface="新細明體"/>
+        <a:font script="Arab" typeface="Arial"/>
+        <a:font script="Hebr" typeface="Arial"/>
+        <a:font script="Thai" typeface="Cordia New"/>
+        <a:font script="Ethi" typeface="Nyala"/>
+        <a:font script="Beng" typeface="Vrinda"/>
+        <a:font script="Gujr" typeface="Shruti"/>
+        <a:font script="Khmr" typeface="DaunPenh"/>
+        <a:font script="Knda" typeface="Tunga"/>
+        <a:font script="Guru" typeface="Raavi"/>
+        <a:font script="Cans" typeface="Euphemia"/>
+        <a:font script="Cher" typeface="Plantagenet Cherokee"/>
+        <a:font script="Yiii" typeface="Microsoft Yi Baiti"/>
+        <a:font script="Tibt" typeface="Microsoft Himalaya"/>
+        <a:font script="Thaa" typeface="MV Boli"/>
+        <a:font script="Deva" typeface="Mangal"/>
+        <a:font script="Telu" typeface="Gautami"/>
+        <a:font script="Taml" typeface="Latha"/>
+        <a:font script="Syrc" typeface="Estrangelo Edessa"/>
+        <a:font script="Orya" typeface="Kalinga"/>
+        <a:font script="Mlym" typeface="Kartika"/>
+        <a:font script="Laoo" typeface="DokChampa"/>
+        <a:font script="Sinh" typeface="Iskoola Pota"/>
+        <a:font script="Mong" typeface="Mongolian Baiti"/>
+        <a:font script="Viet" typeface="Arial"/>
+        <a:font script="Uigh" typeface="Microsoft Uighur"/>
+        <a:font script="Geor" typeface="Sylfaen"/>
+        <a:font script="Armn" typeface="Arial"/>
+        <a:font script="Bugi" typeface="Leelawadee UI"/>
+        <a:font script="Bopo" typeface="Microsoft JhengHei"/>
+        <a:font script="Java" typeface="Javanese Text"/>
+        <a:font script="Lisu" typeface="Segoe UI"/>
+        <a:font script="Mymr" typeface="Myanmar Text"/>
+        <a:font script="Nkoo" typeface="Ebrima"/>
+        <a:font script="Olck" typeface="Nirmala UI"/>
+        <a:font script="Osma" typeface="Ebrima"/>
+        <a:font script="Phag" typeface="Phagspa"/>
+        <a:font script="Syrn" typeface="Estrangelo Edessa"/>
+        <a:font script="Syrj" typeface="Estrangelo Edessa"/>
+        <a:font script="Syre" typeface="Estrangelo Edessa"/>
+        <a:font script="Sora" typeface="Nirmala UI"/>
+        <a:font script="Tale" typeface="Microsoft Tai Le"/>
+        <a:font script="Talu" typeface="Microsoft New Tai Lue"/>
+        <a:font script="Tfng" typeface="Ebrima"/>
+      </a:minorFont>
+    </a:fontScheme>
+    <a:fmtScheme name="Office">
+      <a:fillStyleLst>
+        <a:solidFill>
+          <a:schemeClr val="phClr"/>
+        </a:solidFill>
+        <a:gradFill rotWithShape="1">
+          <a:gsLst>
+            <a:gs pos="0">
+              <a:schemeClr val="phClr">
+                <a:lumMod val="110000"/>
+                <a:satMod val="105000"/>
+                <a:tint val="67000"/>
+              </a:schemeClr>
+            </a:gs>
+            <a:gs pos="50000">
+              <a:schemeClr val="phClr">
+                <a:lumMod val="105000"/>
+                <a:satMod val="103000"/>
+                <a:tint val="73000"/>
+              </a:schemeClr>
+            </a:gs>
+            <a:gs pos="100000">
+              <a:schemeClr val="phClr">
+                <a:lumMod val="105000"/>
+                <a:satMod val="109000"/>
+                <a:tint val="81000"/>
+              </a:schemeClr>
+            </a:gs>
+          </a:gsLst>
+          <a:lin ang="5400000" scaled="0"/>
+        </a:gradFill>
+        <a:gradFill rotWithShape="1">
+          <a:gsLst>
+            <a:gs pos="0">
+              <a:schemeClr val="phClr">
+                <a:satMod val="103000"/>
+                <a:lumMod val="102000"/>
+                <a:tint val="94000"/>
+              </a:schemeClr>
+            </a:gs>
+            <a:gs pos="50000">
+              <a:schemeClr val="phClr">
+                <a:satMod val="110000"/>
+                <a:lumMod val="100000"/>
+                <a:shade val="100000"/>
+              </a:schemeClr>
+            </a:gs>
+            <a:gs pos="100000">
+              <a:schemeClr val="phClr">
+                <a:lumMod val="99000"/>
+                <a:satMod val="120000"/>
+                <a:shade val="78000"/>
+              </a:schemeClr>
+            </a:gs>
+          </a:gsLst>
+          <a:lin ang="5400000" scaled="0"/>
+        </a:gradFill>
+      </a:fillStyleLst>
+      <a:lnStyleLst>
+        <a:ln w="12700" cap="flat" cmpd="sng" algn="ctr">
+          <a:solidFill>
+            <a:schemeClr val="phClr"/>
+          </a:solidFill>
+          <a:prstDash val="solid"/>
+          <a:miter lim="800000"/>
+        </a:ln>
+        <a:ln w="19050" cap="flat" cmpd="sng" algn="ctr">
+          <a:solidFill>
+            <a:schemeClr val="phClr"/>
+          </a:solidFill>
+          <a:prstDash val="solid"/>
+          <a:miter lim="800000"/>
+        </a:ln>
+        <a:ln w="25400" cap="flat" cmpd="sng" algn="ctr">
+          <a:solidFill>
+            <a:schemeClr val="phClr"/>
+          </a:solidFill>
+          <a:prstDash val="solid"/>
+          <a:miter lim="800000"/>
+        </a:ln>
+      </a:lnStyleLst>
+      <a:effectStyleLst>
+        <a:effectStyle>
+          <a:effectLst/>
+        </a:effectStyle>
+        <a:effectStyle>
+          <a:effectLst/>
+        </a:effectStyle>
+        <a:effectStyle>
+          <a:effectLst>
+            <a:outerShdw blurRad="57150" dist="19050" dir="5400000" algn="ctr" rotWithShape="0">
+              <a:srgbClr val="000000">
+                <a:alpha val="63000"/>
+              </a:srgbClr>
+            </a:outerShdw>
+          </a:effectLst>
+        </a:effectStyle>
+      </a:effectStyleLst>
+      <a:bgFillStyleLst>
+        <a:solidFill>
+          <a:schemeClr val="phClr"/>
+        </a:solidFill>
+        <a:solidFill>
+          <a:schemeClr val="phClr">
+            <a:tint val="95000"/>
+            <a:satMod val="170000"/>
+          </a:schemeClr>
+        </a:solidFill>
+        <a:gradFill rotWithShape="1">
+          <a:gsLst>
+            <a:gs pos="0">
+              <a:schemeClr val="phClr">
+                <a:tint val="93000"/>
+                <a:satMod val="150000"/>
+                <a:shade val="98000"/>
+                <a:lumMod val="102000"/>
+              </a:schemeClr>
+            </a:gs>
+            <a:gs pos="50000">
+              <a:schemeClr val="phClr">
+                <a:tint val="98000"/>
+                <a:satMod val="130000"/>
+                <a:shade val="90000"/>
+                <a:lumMod val="103000"/>
+              </a:schemeClr>
+            </a:gs>
+            <a:gs pos="100000">
+              <a:schemeClr val="phClr">
+                <a:shade val="63000"/>
+                <a:satMod val="120000"/>
+              </a:schemeClr>
+            </a:gs>
+          </a:gsLst>
+          <a:lin ang="5400000" scaled="0"/>
+        </a:gradFill>
+      </a:bgFillStyleLst>
+    </a:fmtScheme>
+  </a:themeElements>
+  <a:objectDefaults>
+    <a:lnDef>
+      <a:spPr/>
+      <a:bodyPr/>
+      <a:lstStyle/>
+      <a:style>
+        <a:lnRef idx="2">
+          <a:schemeClr val="accent1"/>
+        </a:lnRef>
+        <a:fillRef idx="0">
+          <a:schemeClr val="accent1"/>
+        </a:fillRef>
+        <a:effectRef idx="1">
+          <a:schemeClr val="accent1"/>
+        </a:effectRef>
+        <a:fontRef idx="minor">
+          <a:schemeClr val="tx1"/>
+        </a:fontRef>
+      </a:style>
+    </a:lnDef>
+  </a:objectDefaults>
+  <a:extraClrSchemeLst/>
+  <a:extLst>
+    <a:ext uri="{05A4C25C-085E-4340-85A3-A5531E510DB2}">
+      <thm15:themeFamily xmlns:thm15="http://schemas.microsoft.com/office/thememl/2012/main" name="Office Theme" id="{2E142A2C-CD16-42D6-873A-C26D2A0506FA}" vid="{1BDDFF52-6CD6-40A5-AB3C-68EB2F1E4D0A}"/>
+    </a:ext>
+  </a:extLst>
+</a:theme>
 </file>